--- a/slides-full.pptx
+++ b/slides-full.pptx
@@ -5,7 +5,7 @@
     <p:sldMasterId id="2147483648" r:id="rId1"/>
   </p:sldMasterIdLst>
   <p:notesMasterIdLst>
-    <p:notesMasterId r:id="rId88"/>
+    <p:notesMasterId r:id="rId82"/>
   </p:notesMasterIdLst>
   <p:sldIdLst>
     <p:sldId id="256" r:id="rId2"/>
@@ -70,30 +70,24 @@
     <p:sldId id="373" r:id="rId61"/>
     <p:sldId id="374" r:id="rId62"/>
     <p:sldId id="347" r:id="rId63"/>
-    <p:sldId id="396" r:id="rId64"/>
-    <p:sldId id="395" r:id="rId65"/>
-    <p:sldId id="397" r:id="rId66"/>
-    <p:sldId id="327" r:id="rId67"/>
-    <p:sldId id="330" r:id="rId68"/>
-    <p:sldId id="390" r:id="rId69"/>
-    <p:sldId id="391" r:id="rId70"/>
-    <p:sldId id="345" r:id="rId71"/>
-    <p:sldId id="375" r:id="rId72"/>
-    <p:sldId id="377" r:id="rId73"/>
-    <p:sldId id="392" r:id="rId74"/>
-    <p:sldId id="331" r:id="rId75"/>
-    <p:sldId id="376" r:id="rId76"/>
-    <p:sldId id="379" r:id="rId77"/>
-    <p:sldId id="380" r:id="rId78"/>
-    <p:sldId id="333" r:id="rId79"/>
-    <p:sldId id="381" r:id="rId80"/>
-    <p:sldId id="398" r:id="rId81"/>
-    <p:sldId id="382" r:id="rId82"/>
-    <p:sldId id="334" r:id="rId83"/>
-    <p:sldId id="383" r:id="rId84"/>
-    <p:sldId id="384" r:id="rId85"/>
-    <p:sldId id="335" r:id="rId86"/>
-    <p:sldId id="294" r:id="rId87"/>
+    <p:sldId id="327" r:id="rId64"/>
+    <p:sldId id="330" r:id="rId65"/>
+    <p:sldId id="390" r:id="rId66"/>
+    <p:sldId id="391" r:id="rId67"/>
+    <p:sldId id="345" r:id="rId68"/>
+    <p:sldId id="375" r:id="rId69"/>
+    <p:sldId id="377" r:id="rId70"/>
+    <p:sldId id="392" r:id="rId71"/>
+    <p:sldId id="331" r:id="rId72"/>
+    <p:sldId id="376" r:id="rId73"/>
+    <p:sldId id="379" r:id="rId74"/>
+    <p:sldId id="380" r:id="rId75"/>
+    <p:sldId id="333" r:id="rId76"/>
+    <p:sldId id="381" r:id="rId77"/>
+    <p:sldId id="398" r:id="rId78"/>
+    <p:sldId id="382" r:id="rId79"/>
+    <p:sldId id="334" r:id="rId80"/>
+    <p:sldId id="294" r:id="rId81"/>
   </p:sldIdLst>
   <p:sldSz cx="24384000" cy="13716000"/>
   <p:notesSz cx="6858000" cy="9144000"/>
@@ -474,9 +468,6 @@
             <p14:sldId id="373"/>
             <p14:sldId id="374"/>
             <p14:sldId id="347"/>
-            <p14:sldId id="396"/>
-            <p14:sldId id="395"/>
-            <p14:sldId id="397"/>
           </p14:sldIdLst>
         </p14:section>
         <p14:section name="JS and the browser" id="{555928A7-BF01-4341-93DE-B9030C5E8133}">
@@ -510,13 +501,6 @@
           <p14:sldIdLst>
             <p14:sldId id="382"/>
             <p14:sldId id="334"/>
-          </p14:sldIdLst>
-        </p14:section>
-        <p14:section name="Create &amp; remove" id="{B200C3AC-C15E-0B45-BBA0-581A15CA2581}">
-          <p14:sldIdLst>
-            <p14:sldId id="383"/>
-            <p14:sldId id="384"/>
-            <p14:sldId id="335"/>
           </p14:sldIdLst>
         </p14:section>
         <p14:section name="Thanks" id="{496D2806-62C4-9B46-9D9A-FB0AC075874D}">
@@ -897,7 +881,7 @@
           </a:ln>
           <a:extLst>
             <a:ext uri="{C572A759-6A51-4108-AA02-DFA0A04FC94B}">
-              <ma14:wrappingTextBoxFlag xmlns="" xmlns:m="http://schemas.openxmlformats.org/officeDocument/2006/math" xmlns:a14="http://schemas.microsoft.com/office/drawing/2010/main" xmlns:ma14="http://schemas.microsoft.com/office/mac/drawingml/2011/main" val="1"/>
+              <ma14:wrappingTextBoxFlag xmlns:ma14="http://schemas.microsoft.com/office/mac/drawingml/2011/main" xmlns:a14="http://schemas.microsoft.com/office/drawing/2010/main" xmlns:m="http://schemas.openxmlformats.org/officeDocument/2006/math" xmlns="" val="1"/>
             </a:ext>
           </a:extLst>
         </p:spPr>
@@ -936,7 +920,7 @@
           </a:ln>
           <a:extLst>
             <a:ext uri="{C572A759-6A51-4108-AA02-DFA0A04FC94B}">
-              <ma14:wrappingTextBoxFlag xmlns="" xmlns:m="http://schemas.openxmlformats.org/officeDocument/2006/math" xmlns:a14="http://schemas.microsoft.com/office/drawing/2010/main" xmlns:ma14="http://schemas.microsoft.com/office/mac/drawingml/2011/main" val="1"/>
+              <ma14:wrappingTextBoxFlag xmlns:ma14="http://schemas.microsoft.com/office/mac/drawingml/2011/main" xmlns:a14="http://schemas.microsoft.com/office/drawing/2010/main" xmlns:m="http://schemas.openxmlformats.org/officeDocument/2006/math" xmlns="" val="1"/>
             </a:ext>
           </a:extLst>
         </p:spPr>
@@ -1072,7 +1056,7 @@
           </a:ln>
           <a:extLst>
             <a:ext uri="{C572A759-6A51-4108-AA02-DFA0A04FC94B}">
-              <ma14:wrappingTextBoxFlag xmlns="" xmlns:m="http://schemas.openxmlformats.org/officeDocument/2006/math" xmlns:a14="http://schemas.microsoft.com/office/drawing/2010/main" xmlns:ma14="http://schemas.microsoft.com/office/mac/drawingml/2011/main" val="1"/>
+              <ma14:wrappingTextBoxFlag xmlns:ma14="http://schemas.microsoft.com/office/mac/drawingml/2011/main" xmlns:a14="http://schemas.microsoft.com/office/drawing/2010/main" xmlns:m="http://schemas.openxmlformats.org/officeDocument/2006/math" xmlns="" val="1"/>
             </a:ext>
           </a:extLst>
         </p:spPr>
@@ -1318,7 +1302,7 @@
           </a:ln>
           <a:extLst>
             <a:ext uri="{C572A759-6A51-4108-AA02-DFA0A04FC94B}">
-              <ma14:wrappingTextBoxFlag xmlns="" xmlns:m="http://schemas.openxmlformats.org/officeDocument/2006/math" xmlns:a14="http://schemas.microsoft.com/office/drawing/2010/main" xmlns:ma14="http://schemas.microsoft.com/office/mac/drawingml/2011/main" val="1"/>
+              <ma14:wrappingTextBoxFlag xmlns:ma14="http://schemas.microsoft.com/office/mac/drawingml/2011/main" xmlns:a14="http://schemas.microsoft.com/office/drawing/2010/main" xmlns:m="http://schemas.openxmlformats.org/officeDocument/2006/math" xmlns="" val="1"/>
             </a:ext>
           </a:extLst>
         </p:spPr>
@@ -1357,7 +1341,7 @@
           </a:ln>
           <a:extLst>
             <a:ext uri="{C572A759-6A51-4108-AA02-DFA0A04FC94B}">
-              <ma14:wrappingTextBoxFlag xmlns="" xmlns:m="http://schemas.openxmlformats.org/officeDocument/2006/math" xmlns:a14="http://schemas.microsoft.com/office/drawing/2010/main" xmlns:ma14="http://schemas.microsoft.com/office/mac/drawingml/2011/main" val="1"/>
+              <ma14:wrappingTextBoxFlag xmlns:ma14="http://schemas.microsoft.com/office/mac/drawingml/2011/main" xmlns:a14="http://schemas.microsoft.com/office/drawing/2010/main" xmlns:m="http://schemas.openxmlformats.org/officeDocument/2006/math" xmlns="" val="1"/>
             </a:ext>
           </a:extLst>
         </p:spPr>
@@ -2315,7 +2299,7 @@
           </a:ln>
           <a:extLst>
             <a:ext uri="{C572A759-6A51-4108-AA02-DFA0A04FC94B}">
-              <ma14:wrappingTextBoxFlag xmlns="" xmlns:m="http://schemas.openxmlformats.org/officeDocument/2006/math" xmlns:a14="http://schemas.microsoft.com/office/drawing/2010/main" xmlns:ma14="http://schemas.microsoft.com/office/mac/drawingml/2011/main" val="1"/>
+              <ma14:wrappingTextBoxFlag xmlns:ma14="http://schemas.microsoft.com/office/mac/drawingml/2011/main" xmlns:a14="http://schemas.microsoft.com/office/drawing/2010/main" xmlns:m="http://schemas.openxmlformats.org/officeDocument/2006/math" xmlns="" val="1"/>
             </a:ext>
           </a:extLst>
         </p:spPr>
@@ -2378,7 +2362,7 @@
           </a:ln>
           <a:extLst>
             <a:ext uri="{C572A759-6A51-4108-AA02-DFA0A04FC94B}">
-              <ma14:wrappingTextBoxFlag xmlns="" xmlns:m="http://schemas.openxmlformats.org/officeDocument/2006/math" xmlns:a14="http://schemas.microsoft.com/office/drawing/2010/main" xmlns:ma14="http://schemas.microsoft.com/office/mac/drawingml/2011/main" val="1"/>
+              <ma14:wrappingTextBoxFlag xmlns:ma14="http://schemas.microsoft.com/office/mac/drawingml/2011/main" xmlns:a14="http://schemas.microsoft.com/office/drawing/2010/main" xmlns:m="http://schemas.openxmlformats.org/officeDocument/2006/math" xmlns="" val="1"/>
             </a:ext>
           </a:extLst>
         </p:spPr>
@@ -2526,7 +2510,7 @@
           </a:ln>
           <a:extLst>
             <a:ext uri="{C572A759-6A51-4108-AA02-DFA0A04FC94B}">
-              <ma14:wrappingTextBoxFlag xmlns="" xmlns:m="http://schemas.openxmlformats.org/officeDocument/2006/math" xmlns:a14="http://schemas.microsoft.com/office/drawing/2010/main" xmlns:ma14="http://schemas.microsoft.com/office/mac/drawingml/2011/main" val="1"/>
+              <ma14:wrappingTextBoxFlag xmlns:ma14="http://schemas.microsoft.com/office/mac/drawingml/2011/main" xmlns:a14="http://schemas.microsoft.com/office/drawing/2010/main" xmlns:m="http://schemas.openxmlformats.org/officeDocument/2006/math" xmlns="" val="1"/>
             </a:ext>
           </a:extLst>
         </p:spPr>
@@ -2612,7 +2596,7 @@
           </a:ln>
           <a:extLst>
             <a:ext uri="{C572A759-6A51-4108-AA02-DFA0A04FC94B}">
-              <ma14:wrappingTextBoxFlag xmlns="" xmlns:m="http://schemas.openxmlformats.org/officeDocument/2006/math" xmlns:a14="http://schemas.microsoft.com/office/drawing/2010/main" xmlns:ma14="http://schemas.microsoft.com/office/mac/drawingml/2011/main" val="1"/>
+              <ma14:wrappingTextBoxFlag xmlns:ma14="http://schemas.microsoft.com/office/mac/drawingml/2011/main" xmlns:a14="http://schemas.microsoft.com/office/drawing/2010/main" xmlns:m="http://schemas.openxmlformats.org/officeDocument/2006/math" xmlns="" val="1"/>
             </a:ext>
           </a:extLst>
         </p:spPr>
@@ -2657,7 +2641,7 @@
           </a:ln>
           <a:extLst>
             <a:ext uri="{C572A759-6A51-4108-AA02-DFA0A04FC94B}">
-              <ma14:wrappingTextBoxFlag xmlns="" xmlns:m="http://schemas.openxmlformats.org/officeDocument/2006/math" xmlns:a14="http://schemas.microsoft.com/office/drawing/2010/main" xmlns:ma14="http://schemas.microsoft.com/office/mac/drawingml/2011/main" val="1"/>
+              <ma14:wrappingTextBoxFlag xmlns:ma14="http://schemas.microsoft.com/office/mac/drawingml/2011/main" xmlns:a14="http://schemas.microsoft.com/office/drawing/2010/main" xmlns:m="http://schemas.openxmlformats.org/officeDocument/2006/math" xmlns="" val="1"/>
             </a:ext>
           </a:extLst>
         </p:spPr>
@@ -2742,7 +2726,7 @@
           </a:ln>
           <a:extLst>
             <a:ext uri="{C572A759-6A51-4108-AA02-DFA0A04FC94B}">
-              <ma14:wrappingTextBoxFlag xmlns="" xmlns:m="http://schemas.openxmlformats.org/officeDocument/2006/math" xmlns:a14="http://schemas.microsoft.com/office/drawing/2010/main" xmlns:ma14="http://schemas.microsoft.com/office/mac/drawingml/2011/main" val="1"/>
+              <ma14:wrappingTextBoxFlag xmlns:ma14="http://schemas.microsoft.com/office/mac/drawingml/2011/main" xmlns:a14="http://schemas.microsoft.com/office/drawing/2010/main" xmlns:m="http://schemas.openxmlformats.org/officeDocument/2006/math" xmlns="" val="1"/>
             </a:ext>
           </a:extLst>
         </p:spPr>
@@ -2858,7 +2842,7 @@
           </a:ln>
           <a:extLst>
             <a:ext uri="{C572A759-6A51-4108-AA02-DFA0A04FC94B}">
-              <ma14:wrappingTextBoxFlag xmlns="" xmlns:m="http://schemas.openxmlformats.org/officeDocument/2006/math" xmlns:a14="http://schemas.microsoft.com/office/drawing/2010/main" xmlns:ma14="http://schemas.microsoft.com/office/mac/drawingml/2011/main" val="1"/>
+              <ma14:wrappingTextBoxFlag xmlns:ma14="http://schemas.microsoft.com/office/mac/drawingml/2011/main" xmlns:a14="http://schemas.microsoft.com/office/drawing/2010/main" xmlns:m="http://schemas.openxmlformats.org/officeDocument/2006/math" xmlns="" val="1"/>
             </a:ext>
           </a:extLst>
         </p:spPr>
@@ -2903,7 +2887,7 @@
           </a:ln>
           <a:extLst>
             <a:ext uri="{C572A759-6A51-4108-AA02-DFA0A04FC94B}">
-              <ma14:wrappingTextBoxFlag xmlns="" xmlns:m="http://schemas.openxmlformats.org/officeDocument/2006/math" xmlns:a14="http://schemas.microsoft.com/office/drawing/2010/main" xmlns:ma14="http://schemas.microsoft.com/office/mac/drawingml/2011/main" val="1"/>
+              <ma14:wrappingTextBoxFlag xmlns:ma14="http://schemas.microsoft.com/office/mac/drawingml/2011/main" xmlns:a14="http://schemas.microsoft.com/office/drawing/2010/main" xmlns:m="http://schemas.openxmlformats.org/officeDocument/2006/math" xmlns="" val="1"/>
             </a:ext>
           </a:extLst>
         </p:spPr>
@@ -2988,7 +2972,7 @@
           </a:ln>
           <a:extLst>
             <a:ext uri="{C572A759-6A51-4108-AA02-DFA0A04FC94B}">
-              <ma14:wrappingTextBoxFlag xmlns="" xmlns:m="http://schemas.openxmlformats.org/officeDocument/2006/math" xmlns:a14="http://schemas.microsoft.com/office/drawing/2010/main" xmlns:ma14="http://schemas.microsoft.com/office/mac/drawingml/2011/main" val="1"/>
+              <ma14:wrappingTextBoxFlag xmlns:ma14="http://schemas.microsoft.com/office/mac/drawingml/2011/main" xmlns:a14="http://schemas.microsoft.com/office/drawing/2010/main" xmlns:m="http://schemas.openxmlformats.org/officeDocument/2006/math" xmlns="" val="1"/>
             </a:ext>
           </a:extLst>
         </p:spPr>
@@ -3127,7 +3111,7 @@
           </a:ln>
           <a:extLst>
             <a:ext uri="{C572A759-6A51-4108-AA02-DFA0A04FC94B}">
-              <ma14:wrappingTextBoxFlag xmlns="" xmlns:m="http://schemas.openxmlformats.org/officeDocument/2006/math" xmlns:a14="http://schemas.microsoft.com/office/drawing/2010/main" xmlns:ma14="http://schemas.microsoft.com/office/mac/drawingml/2011/main" val="1"/>
+              <ma14:wrappingTextBoxFlag xmlns:ma14="http://schemas.microsoft.com/office/mac/drawingml/2011/main" xmlns:a14="http://schemas.microsoft.com/office/drawing/2010/main" xmlns:m="http://schemas.openxmlformats.org/officeDocument/2006/math" xmlns="" val="1"/>
             </a:ext>
           </a:extLst>
         </p:spPr>
@@ -3172,7 +3156,7 @@
           </a:ln>
           <a:extLst>
             <a:ext uri="{C572A759-6A51-4108-AA02-DFA0A04FC94B}">
-              <ma14:wrappingTextBoxFlag xmlns="" xmlns:m="http://schemas.openxmlformats.org/officeDocument/2006/math" xmlns:a14="http://schemas.microsoft.com/office/drawing/2010/main" xmlns:ma14="http://schemas.microsoft.com/office/mac/drawingml/2011/main" val="1"/>
+              <ma14:wrappingTextBoxFlag xmlns:ma14="http://schemas.microsoft.com/office/mac/drawingml/2011/main" xmlns:a14="http://schemas.microsoft.com/office/drawing/2010/main" xmlns:m="http://schemas.openxmlformats.org/officeDocument/2006/math" xmlns="" val="1"/>
             </a:ext>
           </a:extLst>
         </p:spPr>
@@ -3257,7 +3241,7 @@
           </a:ln>
           <a:extLst>
             <a:ext uri="{C572A759-6A51-4108-AA02-DFA0A04FC94B}">
-              <ma14:wrappingTextBoxFlag xmlns="" xmlns:m="http://schemas.openxmlformats.org/officeDocument/2006/math" xmlns:a14="http://schemas.microsoft.com/office/drawing/2010/main" xmlns:ma14="http://schemas.microsoft.com/office/mac/drawingml/2011/main" val="1"/>
+              <ma14:wrappingTextBoxFlag xmlns:ma14="http://schemas.microsoft.com/office/mac/drawingml/2011/main" xmlns:a14="http://schemas.microsoft.com/office/drawing/2010/main" xmlns:m="http://schemas.openxmlformats.org/officeDocument/2006/math" xmlns="" val="1"/>
             </a:ext>
           </a:extLst>
         </p:spPr>
@@ -3497,7 +3481,7 @@
           </a:ln>
           <a:extLst>
             <a:ext uri="{C572A759-6A51-4108-AA02-DFA0A04FC94B}">
-              <ma14:wrappingTextBoxFlag xmlns="" xmlns:m="http://schemas.openxmlformats.org/officeDocument/2006/math" xmlns:a14="http://schemas.microsoft.com/office/drawing/2010/main" xmlns:ma14="http://schemas.microsoft.com/office/mac/drawingml/2011/main" val="1"/>
+              <ma14:wrappingTextBoxFlag xmlns:ma14="http://schemas.microsoft.com/office/mac/drawingml/2011/main" xmlns:a14="http://schemas.microsoft.com/office/drawing/2010/main" xmlns:m="http://schemas.openxmlformats.org/officeDocument/2006/math" xmlns="" val="1"/>
             </a:ext>
           </a:extLst>
         </p:spPr>
@@ -3542,7 +3526,7 @@
           </a:ln>
           <a:extLst>
             <a:ext uri="{C572A759-6A51-4108-AA02-DFA0A04FC94B}">
-              <ma14:wrappingTextBoxFlag xmlns="" xmlns:m="http://schemas.openxmlformats.org/officeDocument/2006/math" xmlns:a14="http://schemas.microsoft.com/office/drawing/2010/main" xmlns:ma14="http://schemas.microsoft.com/office/mac/drawingml/2011/main" val="1"/>
+              <ma14:wrappingTextBoxFlag xmlns:ma14="http://schemas.microsoft.com/office/mac/drawingml/2011/main" xmlns:a14="http://schemas.microsoft.com/office/drawing/2010/main" xmlns:m="http://schemas.openxmlformats.org/officeDocument/2006/math" xmlns="" val="1"/>
             </a:ext>
           </a:extLst>
         </p:spPr>
@@ -3688,7 +3672,7 @@
           </a:ln>
           <a:extLst>
             <a:ext uri="{C572A759-6A51-4108-AA02-DFA0A04FC94B}">
-              <ma14:wrappingTextBoxFlag xmlns="" xmlns:m="http://schemas.openxmlformats.org/officeDocument/2006/math" xmlns:a14="http://schemas.microsoft.com/office/drawing/2010/main" xmlns:ma14="http://schemas.microsoft.com/office/mac/drawingml/2011/main" val="1"/>
+              <ma14:wrappingTextBoxFlag xmlns:ma14="http://schemas.microsoft.com/office/mac/drawingml/2011/main" xmlns:a14="http://schemas.microsoft.com/office/drawing/2010/main" xmlns:m="http://schemas.openxmlformats.org/officeDocument/2006/math" xmlns="" val="1"/>
             </a:ext>
           </a:extLst>
         </p:spPr>
@@ -3782,7 +3766,7 @@
           </a:ln>
           <a:extLst>
             <a:ext uri="{C572A759-6A51-4108-AA02-DFA0A04FC94B}">
-              <ma14:wrappingTextBoxFlag xmlns="" xmlns:m="http://schemas.openxmlformats.org/officeDocument/2006/math" xmlns:a14="http://schemas.microsoft.com/office/drawing/2010/main" xmlns:ma14="http://schemas.microsoft.com/office/mac/drawingml/2011/main" val="1"/>
+              <ma14:wrappingTextBoxFlag xmlns:ma14="http://schemas.microsoft.com/office/mac/drawingml/2011/main" xmlns:a14="http://schemas.microsoft.com/office/drawing/2010/main" xmlns:m="http://schemas.openxmlformats.org/officeDocument/2006/math" xmlns="" val="1"/>
             </a:ext>
           </a:extLst>
         </p:spPr>
@@ -3856,7 +3840,7 @@
           </a:ln>
           <a:extLst>
             <a:ext uri="{C572A759-6A51-4108-AA02-DFA0A04FC94B}">
-              <ma14:wrappingTextBoxFlag xmlns="" xmlns:m="http://schemas.openxmlformats.org/officeDocument/2006/math" xmlns:a14="http://schemas.microsoft.com/office/drawing/2010/main" xmlns:ma14="http://schemas.microsoft.com/office/mac/drawingml/2011/main" val="1"/>
+              <ma14:wrappingTextBoxFlag xmlns:ma14="http://schemas.microsoft.com/office/mac/drawingml/2011/main" xmlns:a14="http://schemas.microsoft.com/office/drawing/2010/main" xmlns:m="http://schemas.openxmlformats.org/officeDocument/2006/math" xmlns="" val="1"/>
             </a:ext>
           </a:extLst>
         </p:spPr>
@@ -3901,7 +3885,7 @@
           </a:ln>
           <a:extLst>
             <a:ext uri="{C572A759-6A51-4108-AA02-DFA0A04FC94B}">
-              <ma14:wrappingTextBoxFlag xmlns="" xmlns:m="http://schemas.openxmlformats.org/officeDocument/2006/math" xmlns:a14="http://schemas.microsoft.com/office/drawing/2010/main" xmlns:ma14="http://schemas.microsoft.com/office/mac/drawingml/2011/main" val="1"/>
+              <ma14:wrappingTextBoxFlag xmlns:ma14="http://schemas.microsoft.com/office/mac/drawingml/2011/main" xmlns:a14="http://schemas.microsoft.com/office/drawing/2010/main" xmlns:m="http://schemas.openxmlformats.org/officeDocument/2006/math" xmlns="" val="1"/>
             </a:ext>
           </a:extLst>
         </p:spPr>
@@ -3986,7 +3970,7 @@
           </a:ln>
           <a:extLst>
             <a:ext uri="{C572A759-6A51-4108-AA02-DFA0A04FC94B}">
-              <ma14:wrappingTextBoxFlag xmlns="" xmlns:m="http://schemas.openxmlformats.org/officeDocument/2006/math" xmlns:a14="http://schemas.microsoft.com/office/drawing/2010/main" xmlns:ma14="http://schemas.microsoft.com/office/mac/drawingml/2011/main" val="1"/>
+              <ma14:wrappingTextBoxFlag xmlns:ma14="http://schemas.microsoft.com/office/mac/drawingml/2011/main" xmlns:a14="http://schemas.microsoft.com/office/drawing/2010/main" xmlns:m="http://schemas.openxmlformats.org/officeDocument/2006/math" xmlns="" val="1"/>
             </a:ext>
           </a:extLst>
         </p:spPr>
@@ -4128,7 +4112,7 @@
           </a:ln>
           <a:extLst>
             <a:ext uri="{C572A759-6A51-4108-AA02-DFA0A04FC94B}">
-              <ma14:wrappingTextBoxFlag xmlns="" xmlns:m="http://schemas.openxmlformats.org/officeDocument/2006/math" xmlns:a14="http://schemas.microsoft.com/office/drawing/2010/main" xmlns:ma14="http://schemas.microsoft.com/office/mac/drawingml/2011/main" val="1"/>
+              <ma14:wrappingTextBoxFlag xmlns:ma14="http://schemas.microsoft.com/office/mac/drawingml/2011/main" xmlns:a14="http://schemas.microsoft.com/office/drawing/2010/main" xmlns:m="http://schemas.openxmlformats.org/officeDocument/2006/math" xmlns="" val="1"/>
             </a:ext>
           </a:extLst>
         </p:spPr>
@@ -4173,7 +4157,7 @@
           </a:ln>
           <a:extLst>
             <a:ext uri="{C572A759-6A51-4108-AA02-DFA0A04FC94B}">
-              <ma14:wrappingTextBoxFlag xmlns="" xmlns:m="http://schemas.openxmlformats.org/officeDocument/2006/math" xmlns:a14="http://schemas.microsoft.com/office/drawing/2010/main" xmlns:ma14="http://schemas.microsoft.com/office/mac/drawingml/2011/main" val="1"/>
+              <ma14:wrappingTextBoxFlag xmlns:ma14="http://schemas.microsoft.com/office/mac/drawingml/2011/main" xmlns:a14="http://schemas.microsoft.com/office/drawing/2010/main" xmlns:m="http://schemas.openxmlformats.org/officeDocument/2006/math" xmlns="" val="1"/>
             </a:ext>
           </a:extLst>
         </p:spPr>
@@ -4258,7 +4242,7 @@
           </a:ln>
           <a:extLst>
             <a:ext uri="{C572A759-6A51-4108-AA02-DFA0A04FC94B}">
-              <ma14:wrappingTextBoxFlag xmlns="" xmlns:m="http://schemas.openxmlformats.org/officeDocument/2006/math" xmlns:a14="http://schemas.microsoft.com/office/drawing/2010/main" xmlns:ma14="http://schemas.microsoft.com/office/mac/drawingml/2011/main" val="1"/>
+              <ma14:wrappingTextBoxFlag xmlns:ma14="http://schemas.microsoft.com/office/mac/drawingml/2011/main" xmlns:a14="http://schemas.microsoft.com/office/drawing/2010/main" xmlns:m="http://schemas.openxmlformats.org/officeDocument/2006/math" xmlns="" val="1"/>
             </a:ext>
           </a:extLst>
         </p:spPr>
@@ -4472,7 +4456,7 @@
           </a:ln>
           <a:extLst>
             <a:ext uri="{C572A759-6A51-4108-AA02-DFA0A04FC94B}">
-              <ma14:wrappingTextBoxFlag xmlns="" xmlns:m="http://schemas.openxmlformats.org/officeDocument/2006/math" xmlns:a14="http://schemas.microsoft.com/office/drawing/2010/main" xmlns:ma14="http://schemas.microsoft.com/office/mac/drawingml/2011/main" val="1"/>
+              <ma14:wrappingTextBoxFlag xmlns:ma14="http://schemas.microsoft.com/office/mac/drawingml/2011/main" xmlns:a14="http://schemas.microsoft.com/office/drawing/2010/main" xmlns:m="http://schemas.openxmlformats.org/officeDocument/2006/math" xmlns="" val="1"/>
             </a:ext>
           </a:extLst>
         </p:spPr>
@@ -4517,7 +4501,7 @@
           </a:ln>
           <a:extLst>
             <a:ext uri="{C572A759-6A51-4108-AA02-DFA0A04FC94B}">
-              <ma14:wrappingTextBoxFlag xmlns="" xmlns:m="http://schemas.openxmlformats.org/officeDocument/2006/math" xmlns:a14="http://schemas.microsoft.com/office/drawing/2010/main" xmlns:ma14="http://schemas.microsoft.com/office/mac/drawingml/2011/main" val="1"/>
+              <ma14:wrappingTextBoxFlag xmlns:ma14="http://schemas.microsoft.com/office/mac/drawingml/2011/main" xmlns:a14="http://schemas.microsoft.com/office/drawing/2010/main" xmlns:m="http://schemas.openxmlformats.org/officeDocument/2006/math" xmlns="" val="1"/>
             </a:ext>
           </a:extLst>
         </p:spPr>
@@ -4602,7 +4586,7 @@
           </a:ln>
           <a:extLst>
             <a:ext uri="{C572A759-6A51-4108-AA02-DFA0A04FC94B}">
-              <ma14:wrappingTextBoxFlag xmlns="" xmlns:m="http://schemas.openxmlformats.org/officeDocument/2006/math" xmlns:a14="http://schemas.microsoft.com/office/drawing/2010/main" xmlns:ma14="http://schemas.microsoft.com/office/mac/drawingml/2011/main" val="1"/>
+              <ma14:wrappingTextBoxFlag xmlns:ma14="http://schemas.microsoft.com/office/mac/drawingml/2011/main" xmlns:a14="http://schemas.microsoft.com/office/drawing/2010/main" xmlns:m="http://schemas.openxmlformats.org/officeDocument/2006/math" xmlns="" val="1"/>
             </a:ext>
           </a:extLst>
         </p:spPr>
@@ -4668,7 +4652,7 @@
           </a:ln>
           <a:extLst>
             <a:ext uri="{C572A759-6A51-4108-AA02-DFA0A04FC94B}">
-              <ma14:wrappingTextBoxFlag xmlns="" xmlns:m="http://schemas.openxmlformats.org/officeDocument/2006/math" xmlns:a14="http://schemas.microsoft.com/office/drawing/2010/main" xmlns:ma14="http://schemas.microsoft.com/office/mac/drawingml/2011/main" val="1"/>
+              <ma14:wrappingTextBoxFlag xmlns:ma14="http://schemas.microsoft.com/office/mac/drawingml/2011/main" xmlns:a14="http://schemas.microsoft.com/office/drawing/2010/main" xmlns:m="http://schemas.openxmlformats.org/officeDocument/2006/math" xmlns="" val="1"/>
             </a:ext>
           </a:extLst>
         </p:spPr>
@@ -4841,7 +4825,7 @@
           </a:ln>
           <a:extLst>
             <a:ext uri="{C572A759-6A51-4108-AA02-DFA0A04FC94B}">
-              <ma14:wrappingTextBoxFlag xmlns="" xmlns:m="http://schemas.openxmlformats.org/officeDocument/2006/math" xmlns:a14="http://schemas.microsoft.com/office/drawing/2010/main" xmlns:ma14="http://schemas.microsoft.com/office/mac/drawingml/2011/main" val="1"/>
+              <ma14:wrappingTextBoxFlag xmlns:ma14="http://schemas.microsoft.com/office/mac/drawingml/2011/main" xmlns:a14="http://schemas.microsoft.com/office/drawing/2010/main" xmlns:m="http://schemas.openxmlformats.org/officeDocument/2006/math" xmlns="" val="1"/>
             </a:ext>
           </a:extLst>
         </p:spPr>
@@ -4883,7 +4867,7 @@
           </a:ln>
           <a:extLst>
             <a:ext uri="{C572A759-6A51-4108-AA02-DFA0A04FC94B}">
-              <ma14:wrappingTextBoxFlag xmlns="" xmlns:m="http://schemas.openxmlformats.org/officeDocument/2006/math" xmlns:a14="http://schemas.microsoft.com/office/drawing/2010/main" xmlns:ma14="http://schemas.microsoft.com/office/mac/drawingml/2011/main" val="1"/>
+              <ma14:wrappingTextBoxFlag xmlns:ma14="http://schemas.microsoft.com/office/mac/drawingml/2011/main" xmlns:a14="http://schemas.microsoft.com/office/drawing/2010/main" xmlns:m="http://schemas.openxmlformats.org/officeDocument/2006/math" xmlns="" val="1"/>
             </a:ext>
           </a:extLst>
         </p:spPr>
@@ -4966,7 +4950,7 @@
           </a:ln>
           <a:extLst>
             <a:ext uri="{C572A759-6A51-4108-AA02-DFA0A04FC94B}">
-              <ma14:wrappingTextBoxFlag xmlns="" xmlns:m="http://schemas.openxmlformats.org/officeDocument/2006/math" xmlns:a14="http://schemas.microsoft.com/office/drawing/2010/main" xmlns:ma14="http://schemas.microsoft.com/office/mac/drawingml/2011/main" val="1"/>
+              <ma14:wrappingTextBoxFlag xmlns:ma14="http://schemas.microsoft.com/office/mac/drawingml/2011/main" xmlns:a14="http://schemas.microsoft.com/office/drawing/2010/main" xmlns:m="http://schemas.openxmlformats.org/officeDocument/2006/math" xmlns="" val="1"/>
             </a:ext>
           </a:extLst>
         </p:spPr>
@@ -5051,7 +5035,7 @@
           </a:ln>
           <a:extLst>
             <a:ext uri="{C572A759-6A51-4108-AA02-DFA0A04FC94B}">
-              <ma14:wrappingTextBoxFlag xmlns="" xmlns:m="http://schemas.openxmlformats.org/officeDocument/2006/math" xmlns:a14="http://schemas.microsoft.com/office/drawing/2010/main" xmlns:ma14="http://schemas.microsoft.com/office/mac/drawingml/2011/main" val="1"/>
+              <ma14:wrappingTextBoxFlag xmlns:ma14="http://schemas.microsoft.com/office/mac/drawingml/2011/main" xmlns:a14="http://schemas.microsoft.com/office/drawing/2010/main" xmlns:m="http://schemas.openxmlformats.org/officeDocument/2006/math" xmlns="" val="1"/>
             </a:ext>
           </a:extLst>
         </p:spPr>
@@ -5096,7 +5080,7 @@
           </a:ln>
           <a:extLst>
             <a:ext uri="{C572A759-6A51-4108-AA02-DFA0A04FC94B}">
-              <ma14:wrappingTextBoxFlag xmlns="" xmlns:m="http://schemas.openxmlformats.org/officeDocument/2006/math" xmlns:a14="http://schemas.microsoft.com/office/drawing/2010/main" xmlns:ma14="http://schemas.microsoft.com/office/mac/drawingml/2011/main" val="1"/>
+              <ma14:wrappingTextBoxFlag xmlns:ma14="http://schemas.microsoft.com/office/mac/drawingml/2011/main" xmlns:a14="http://schemas.microsoft.com/office/drawing/2010/main" xmlns:m="http://schemas.openxmlformats.org/officeDocument/2006/math" xmlns="" val="1"/>
             </a:ext>
           </a:extLst>
         </p:spPr>
@@ -5242,7 +5226,7 @@
           </a:ln>
           <a:extLst>
             <a:ext uri="{C572A759-6A51-4108-AA02-DFA0A04FC94B}">
-              <ma14:wrappingTextBoxFlag xmlns="" xmlns:m="http://schemas.openxmlformats.org/officeDocument/2006/math" xmlns:a14="http://schemas.microsoft.com/office/drawing/2010/main" xmlns:ma14="http://schemas.microsoft.com/office/mac/drawingml/2011/main" val="1"/>
+              <ma14:wrappingTextBoxFlag xmlns:ma14="http://schemas.microsoft.com/office/mac/drawingml/2011/main" xmlns:a14="http://schemas.microsoft.com/office/drawing/2010/main" xmlns:m="http://schemas.openxmlformats.org/officeDocument/2006/math" xmlns="" val="1"/>
             </a:ext>
           </a:extLst>
         </p:spPr>
@@ -5330,7 +5314,7 @@
           </a:ln>
           <a:extLst>
             <a:ext uri="{C572A759-6A51-4108-AA02-DFA0A04FC94B}">
-              <ma14:wrappingTextBoxFlag xmlns="" xmlns:m="http://schemas.openxmlformats.org/officeDocument/2006/math" xmlns:a14="http://schemas.microsoft.com/office/drawing/2010/main" xmlns:ma14="http://schemas.microsoft.com/office/mac/drawingml/2011/main" val="1"/>
+              <ma14:wrappingTextBoxFlag xmlns:ma14="http://schemas.microsoft.com/office/mac/drawingml/2011/main" xmlns:a14="http://schemas.microsoft.com/office/drawing/2010/main" xmlns:m="http://schemas.openxmlformats.org/officeDocument/2006/math" xmlns="" val="1"/>
             </a:ext>
           </a:extLst>
         </p:spPr>
@@ -5447,7 +5431,7 @@
           </a:ln>
           <a:extLst>
             <a:ext uri="{C572A759-6A51-4108-AA02-DFA0A04FC94B}">
-              <ma14:wrappingTextBoxFlag xmlns="" xmlns:m="http://schemas.openxmlformats.org/officeDocument/2006/math" xmlns:a14="http://schemas.microsoft.com/office/drawing/2010/main" xmlns:ma14="http://schemas.microsoft.com/office/mac/drawingml/2011/main" val="1"/>
+              <ma14:wrappingTextBoxFlag xmlns:ma14="http://schemas.microsoft.com/office/mac/drawingml/2011/main" xmlns:a14="http://schemas.microsoft.com/office/drawing/2010/main" xmlns:m="http://schemas.openxmlformats.org/officeDocument/2006/math" xmlns="" val="1"/>
             </a:ext>
           </a:extLst>
         </p:spPr>
@@ -5535,7 +5519,7 @@
           </a:ln>
           <a:extLst>
             <a:ext uri="{C572A759-6A51-4108-AA02-DFA0A04FC94B}">
-              <ma14:wrappingTextBoxFlag xmlns="" xmlns:m="http://schemas.openxmlformats.org/officeDocument/2006/math" xmlns:a14="http://schemas.microsoft.com/office/drawing/2010/main" xmlns:ma14="http://schemas.microsoft.com/office/mac/drawingml/2011/main" val="1"/>
+              <ma14:wrappingTextBoxFlag xmlns:ma14="http://schemas.microsoft.com/office/mac/drawingml/2011/main" xmlns:a14="http://schemas.microsoft.com/office/drawing/2010/main" xmlns:m="http://schemas.openxmlformats.org/officeDocument/2006/math" xmlns="" val="1"/>
             </a:ext>
           </a:extLst>
         </p:spPr>
@@ -5741,7 +5725,7 @@
           </a:ln>
           <a:extLst>
             <a:ext uri="{C572A759-6A51-4108-AA02-DFA0A04FC94B}">
-              <ma14:wrappingTextBoxFlag xmlns="" xmlns:m="http://schemas.openxmlformats.org/officeDocument/2006/math" xmlns:a14="http://schemas.microsoft.com/office/drawing/2010/main" xmlns:ma14="http://schemas.microsoft.com/office/mac/drawingml/2011/main" val="1"/>
+              <ma14:wrappingTextBoxFlag xmlns:ma14="http://schemas.microsoft.com/office/mac/drawingml/2011/main" xmlns:a14="http://schemas.microsoft.com/office/drawing/2010/main" xmlns:m="http://schemas.openxmlformats.org/officeDocument/2006/math" xmlns="" val="1"/>
             </a:ext>
           </a:extLst>
         </p:spPr>
@@ -5827,7 +5811,7 @@
           </a:ln>
           <a:extLst>
             <a:ext uri="{C572A759-6A51-4108-AA02-DFA0A04FC94B}">
-              <ma14:wrappingTextBoxFlag xmlns="" xmlns:m="http://schemas.openxmlformats.org/officeDocument/2006/math" xmlns:a14="http://schemas.microsoft.com/office/drawing/2010/main" xmlns:ma14="http://schemas.microsoft.com/office/mac/drawingml/2011/main" val="1"/>
+              <ma14:wrappingTextBoxFlag xmlns:ma14="http://schemas.microsoft.com/office/mac/drawingml/2011/main" xmlns:a14="http://schemas.microsoft.com/office/drawing/2010/main" xmlns:m="http://schemas.openxmlformats.org/officeDocument/2006/math" xmlns="" val="1"/>
             </a:ext>
           </a:extLst>
         </p:spPr>
@@ -5915,7 +5899,7 @@
           </a:ln>
           <a:extLst>
             <a:ext uri="{C572A759-6A51-4108-AA02-DFA0A04FC94B}">
-              <ma14:wrappingTextBoxFlag xmlns="" xmlns:m="http://schemas.openxmlformats.org/officeDocument/2006/math" xmlns:a14="http://schemas.microsoft.com/office/drawing/2010/main" xmlns:ma14="http://schemas.microsoft.com/office/mac/drawingml/2011/main" val="1"/>
+              <ma14:wrappingTextBoxFlag xmlns:ma14="http://schemas.microsoft.com/office/mac/drawingml/2011/main" xmlns:a14="http://schemas.microsoft.com/office/drawing/2010/main" xmlns:m="http://schemas.openxmlformats.org/officeDocument/2006/math" xmlns="" val="1"/>
             </a:ext>
           </a:extLst>
         </p:spPr>
@@ -6052,7 +6036,7 @@
           </a:ln>
           <a:extLst>
             <a:ext uri="{C572A759-6A51-4108-AA02-DFA0A04FC94B}">
-              <ma14:wrappingTextBoxFlag xmlns="" xmlns:m="http://schemas.openxmlformats.org/officeDocument/2006/math" xmlns:a14="http://schemas.microsoft.com/office/drawing/2010/main" xmlns:ma14="http://schemas.microsoft.com/office/mac/drawingml/2011/main" val="1"/>
+              <ma14:wrappingTextBoxFlag xmlns:ma14="http://schemas.microsoft.com/office/mac/drawingml/2011/main" xmlns:a14="http://schemas.microsoft.com/office/drawing/2010/main" xmlns:m="http://schemas.openxmlformats.org/officeDocument/2006/math" xmlns="" val="1"/>
             </a:ext>
           </a:extLst>
         </p:spPr>
@@ -6140,7 +6124,7 @@
           </a:ln>
           <a:extLst>
             <a:ext uri="{C572A759-6A51-4108-AA02-DFA0A04FC94B}">
-              <ma14:wrappingTextBoxFlag xmlns="" xmlns:m="http://schemas.openxmlformats.org/officeDocument/2006/math" xmlns:a14="http://schemas.microsoft.com/office/drawing/2010/main" xmlns:ma14="http://schemas.microsoft.com/office/mac/drawingml/2011/main" val="1"/>
+              <ma14:wrappingTextBoxFlag xmlns:ma14="http://schemas.microsoft.com/office/mac/drawingml/2011/main" xmlns:a14="http://schemas.microsoft.com/office/drawing/2010/main" xmlns:m="http://schemas.openxmlformats.org/officeDocument/2006/math" xmlns="" val="1"/>
             </a:ext>
           </a:extLst>
         </p:spPr>
@@ -6184,10 +6168,10 @@
       </p:sp>
       <p:pic>
         <p:nvPicPr>
-          <p:cNvPr id="8" name="Picture 7" descr="A picture containing clock&#10;&#10;Description automatically generated">
+          <p:cNvPr id="3" name="Picture 2" descr="A picture containing drawing&#10;&#10;Description automatically generated">
             <a:extLst>
               <a:ext uri="{FF2B5EF4-FFF2-40B4-BE49-F238E27FC236}">
-                <a16:creationId xmlns:a16="http://schemas.microsoft.com/office/drawing/2014/main" id="{E1865247-B707-1849-AC45-92D90B598974}"/>
+                <a16:creationId xmlns:a16="http://schemas.microsoft.com/office/drawing/2014/main" id="{57A128ED-1E9D-6143-9765-E9B565B52A64}"/>
               </a:ext>
             </a:extLst>
           </p:cNvPr>
@@ -6210,8 +6194,8 @@
         </p:blipFill>
         <p:spPr>
           <a:xfrm>
-            <a:off x="1924050" y="6193920"/>
-            <a:ext cx="13529310" cy="5276738"/>
+            <a:off x="1930399" y="5673273"/>
+            <a:ext cx="17813697" cy="5510712"/>
           </a:xfrm>
           <a:prstGeom prst="rect">
             <a:avLst/>
@@ -6268,7 +6252,7 @@
           </a:ln>
           <a:extLst>
             <a:ext uri="{C572A759-6A51-4108-AA02-DFA0A04FC94B}">
-              <ma14:wrappingTextBoxFlag xmlns="" xmlns:m="http://schemas.openxmlformats.org/officeDocument/2006/math" xmlns:a14="http://schemas.microsoft.com/office/drawing/2010/main" xmlns:ma14="http://schemas.microsoft.com/office/mac/drawingml/2011/main" val="1"/>
+              <ma14:wrappingTextBoxFlag xmlns:ma14="http://schemas.microsoft.com/office/mac/drawingml/2011/main" xmlns:a14="http://schemas.microsoft.com/office/drawing/2010/main" xmlns:m="http://schemas.openxmlformats.org/officeDocument/2006/math" xmlns="" val="1"/>
             </a:ext>
           </a:extLst>
         </p:spPr>
@@ -6356,7 +6340,7 @@
           </a:ln>
           <a:extLst>
             <a:ext uri="{C572A759-6A51-4108-AA02-DFA0A04FC94B}">
-              <ma14:wrappingTextBoxFlag xmlns="" xmlns:m="http://schemas.openxmlformats.org/officeDocument/2006/math" xmlns:a14="http://schemas.microsoft.com/office/drawing/2010/main" xmlns:ma14="http://schemas.microsoft.com/office/mac/drawingml/2011/main" val="1"/>
+              <ma14:wrappingTextBoxFlag xmlns:ma14="http://schemas.microsoft.com/office/mac/drawingml/2011/main" xmlns:a14="http://schemas.microsoft.com/office/drawing/2010/main" xmlns:m="http://schemas.openxmlformats.org/officeDocument/2006/math" xmlns="" val="1"/>
             </a:ext>
           </a:extLst>
         </p:spPr>
@@ -6423,7 +6407,7 @@
           </a:ln>
           <a:extLst>
             <a:ext uri="{C572A759-6A51-4108-AA02-DFA0A04FC94B}">
-              <ma14:wrappingTextBoxFlag xmlns="" xmlns:m="http://schemas.openxmlformats.org/officeDocument/2006/math" xmlns:a14="http://schemas.microsoft.com/office/drawing/2010/main" xmlns:ma14="http://schemas.microsoft.com/office/mac/drawingml/2011/main" val="1"/>
+              <ma14:wrappingTextBoxFlag xmlns:ma14="http://schemas.microsoft.com/office/mac/drawingml/2011/main" xmlns:a14="http://schemas.microsoft.com/office/drawing/2010/main" xmlns:m="http://schemas.openxmlformats.org/officeDocument/2006/math" xmlns="" val="1"/>
             </a:ext>
           </a:extLst>
         </p:spPr>
@@ -6453,13 +6437,19 @@
             </a:r>
             <a:r>
               <a:rPr lang="en-US" sz="4400" dirty="0" err="1">
-                <a:latin typeface="+mj-lt"/>
+                <a:highlight>
+                  <a:srgbClr val="C0C0C0"/>
+                </a:highlight>
+                <a:latin typeface="Courier" pitchFamily="2" charset="0"/>
                 <a:sym typeface="Avenir Next"/>
               </a:rPr>
               <a:t>parseInt</a:t>
             </a:r>
             <a:endParaRPr lang="en-US" sz="4400" dirty="0">
-              <a:latin typeface="+mj-lt"/>
+              <a:highlight>
+                <a:srgbClr val="C0C0C0"/>
+              </a:highlight>
+              <a:latin typeface="Courier" pitchFamily="2" charset="0"/>
               <a:sym typeface="Avenir Next"/>
             </a:endParaRPr>
           </a:p>
@@ -6551,7 +6541,7 @@
           </a:ln>
           <a:extLst>
             <a:ext uri="{C572A759-6A51-4108-AA02-DFA0A04FC94B}">
-              <ma14:wrappingTextBoxFlag xmlns="" xmlns:m="http://schemas.openxmlformats.org/officeDocument/2006/math" xmlns:a14="http://schemas.microsoft.com/office/drawing/2010/main" xmlns:ma14="http://schemas.microsoft.com/office/mac/drawingml/2011/main" val="1"/>
+              <ma14:wrappingTextBoxFlag xmlns:ma14="http://schemas.microsoft.com/office/mac/drawingml/2011/main" xmlns:a14="http://schemas.microsoft.com/office/drawing/2010/main" xmlns:m="http://schemas.openxmlformats.org/officeDocument/2006/math" xmlns="" val="1"/>
             </a:ext>
           </a:extLst>
         </p:spPr>
@@ -6636,7 +6626,7 @@
           </a:ln>
           <a:extLst>
             <a:ext uri="{C572A759-6A51-4108-AA02-DFA0A04FC94B}">
-              <ma14:wrappingTextBoxFlag xmlns="" xmlns:m="http://schemas.openxmlformats.org/officeDocument/2006/math" xmlns:a14="http://schemas.microsoft.com/office/drawing/2010/main" xmlns:ma14="http://schemas.microsoft.com/office/mac/drawingml/2011/main" val="1"/>
+              <ma14:wrappingTextBoxFlag xmlns:ma14="http://schemas.microsoft.com/office/mac/drawingml/2011/main" xmlns:a14="http://schemas.microsoft.com/office/drawing/2010/main" xmlns:m="http://schemas.openxmlformats.org/officeDocument/2006/math" xmlns="" val="1"/>
             </a:ext>
           </a:extLst>
         </p:spPr>
@@ -6724,7 +6714,7 @@
           </a:ln>
           <a:extLst>
             <a:ext uri="{C572A759-6A51-4108-AA02-DFA0A04FC94B}">
-              <ma14:wrappingTextBoxFlag xmlns="" xmlns:m="http://schemas.openxmlformats.org/officeDocument/2006/math" xmlns:a14="http://schemas.microsoft.com/office/drawing/2010/main" xmlns:ma14="http://schemas.microsoft.com/office/mac/drawingml/2011/main" val="1"/>
+              <ma14:wrappingTextBoxFlag xmlns:ma14="http://schemas.microsoft.com/office/mac/drawingml/2011/main" xmlns:a14="http://schemas.microsoft.com/office/drawing/2010/main" xmlns:m="http://schemas.openxmlformats.org/officeDocument/2006/math" xmlns="" val="1"/>
             </a:ext>
           </a:extLst>
         </p:spPr>
@@ -6885,7 +6875,7 @@
           </a:ln>
           <a:extLst>
             <a:ext uri="{C572A759-6A51-4108-AA02-DFA0A04FC94B}">
-              <ma14:wrappingTextBoxFlag xmlns="" xmlns:m="http://schemas.openxmlformats.org/officeDocument/2006/math" xmlns:a14="http://schemas.microsoft.com/office/drawing/2010/main" xmlns:ma14="http://schemas.microsoft.com/office/mac/drawingml/2011/main" val="1"/>
+              <ma14:wrappingTextBoxFlag xmlns:ma14="http://schemas.microsoft.com/office/mac/drawingml/2011/main" xmlns:a14="http://schemas.microsoft.com/office/drawing/2010/main" xmlns:m="http://schemas.openxmlformats.org/officeDocument/2006/math" xmlns="" val="1"/>
             </a:ext>
           </a:extLst>
         </p:spPr>
@@ -6978,7 +6968,7 @@
           </a:ln>
           <a:extLst>
             <a:ext uri="{C572A759-6A51-4108-AA02-DFA0A04FC94B}">
-              <ma14:wrappingTextBoxFlag xmlns="" xmlns:m="http://schemas.openxmlformats.org/officeDocument/2006/math" xmlns:a14="http://schemas.microsoft.com/office/drawing/2010/main" xmlns:ma14="http://schemas.microsoft.com/office/mac/drawingml/2011/main" val="1"/>
+              <ma14:wrappingTextBoxFlag xmlns:ma14="http://schemas.microsoft.com/office/mac/drawingml/2011/main" xmlns:a14="http://schemas.microsoft.com/office/drawing/2010/main" xmlns:m="http://schemas.openxmlformats.org/officeDocument/2006/math" xmlns="" val="1"/>
             </a:ext>
           </a:extLst>
         </p:spPr>
@@ -7119,7 +7109,7 @@
           </a:ln>
           <a:extLst>
             <a:ext uri="{C572A759-6A51-4108-AA02-DFA0A04FC94B}">
-              <ma14:wrappingTextBoxFlag xmlns="" xmlns:m="http://schemas.openxmlformats.org/officeDocument/2006/math" xmlns:a14="http://schemas.microsoft.com/office/drawing/2010/main" xmlns:ma14="http://schemas.microsoft.com/office/mac/drawingml/2011/main" val="1"/>
+              <ma14:wrappingTextBoxFlag xmlns:ma14="http://schemas.microsoft.com/office/mac/drawingml/2011/main" xmlns:a14="http://schemas.microsoft.com/office/drawing/2010/main" xmlns:m="http://schemas.openxmlformats.org/officeDocument/2006/math" xmlns="" val="1"/>
             </a:ext>
           </a:extLst>
         </p:spPr>
@@ -7164,7 +7154,7 @@
           </a:ln>
           <a:extLst>
             <a:ext uri="{C572A759-6A51-4108-AA02-DFA0A04FC94B}">
-              <ma14:wrappingTextBoxFlag xmlns="" xmlns:m="http://schemas.openxmlformats.org/officeDocument/2006/math" xmlns:a14="http://schemas.microsoft.com/office/drawing/2010/main" xmlns:ma14="http://schemas.microsoft.com/office/mac/drawingml/2011/main" val="1"/>
+              <ma14:wrappingTextBoxFlag xmlns:ma14="http://schemas.microsoft.com/office/mac/drawingml/2011/main" xmlns:a14="http://schemas.microsoft.com/office/drawing/2010/main" xmlns:m="http://schemas.openxmlformats.org/officeDocument/2006/math" xmlns="" val="1"/>
             </a:ext>
           </a:extLst>
         </p:spPr>
@@ -7243,7 +7233,7 @@
           </a:ln>
           <a:extLst>
             <a:ext uri="{C572A759-6A51-4108-AA02-DFA0A04FC94B}">
-              <ma14:wrappingTextBoxFlag xmlns="" xmlns:m="http://schemas.openxmlformats.org/officeDocument/2006/math" xmlns:a14="http://schemas.microsoft.com/office/drawing/2010/main" xmlns:ma14="http://schemas.microsoft.com/office/mac/drawingml/2011/main" val="1"/>
+              <ma14:wrappingTextBoxFlag xmlns:ma14="http://schemas.microsoft.com/office/mac/drawingml/2011/main" xmlns:a14="http://schemas.microsoft.com/office/drawing/2010/main" xmlns:m="http://schemas.openxmlformats.org/officeDocument/2006/math" xmlns="" val="1"/>
             </a:ext>
           </a:extLst>
         </p:spPr>
@@ -7486,7 +7476,7 @@
           </a:ln>
           <a:extLst>
             <a:ext uri="{C572A759-6A51-4108-AA02-DFA0A04FC94B}">
-              <ma14:wrappingTextBoxFlag xmlns="" xmlns:m="http://schemas.openxmlformats.org/officeDocument/2006/math" xmlns:a14="http://schemas.microsoft.com/office/drawing/2010/main" xmlns:ma14="http://schemas.microsoft.com/office/mac/drawingml/2011/main" val="1"/>
+              <ma14:wrappingTextBoxFlag xmlns:ma14="http://schemas.microsoft.com/office/mac/drawingml/2011/main" xmlns:a14="http://schemas.microsoft.com/office/drawing/2010/main" xmlns:m="http://schemas.openxmlformats.org/officeDocument/2006/math" xmlns="" val="1"/>
             </a:ext>
           </a:extLst>
         </p:spPr>
@@ -7574,7 +7564,7 @@
           </a:ln>
           <a:extLst>
             <a:ext uri="{C572A759-6A51-4108-AA02-DFA0A04FC94B}">
-              <ma14:wrappingTextBoxFlag xmlns="" xmlns:m="http://schemas.openxmlformats.org/officeDocument/2006/math" xmlns:a14="http://schemas.microsoft.com/office/drawing/2010/main" xmlns:ma14="http://schemas.microsoft.com/office/mac/drawingml/2011/main" val="1"/>
+              <ma14:wrappingTextBoxFlag xmlns:ma14="http://schemas.microsoft.com/office/mac/drawingml/2011/main" xmlns:a14="http://schemas.microsoft.com/office/drawing/2010/main" xmlns:m="http://schemas.openxmlformats.org/officeDocument/2006/math" xmlns="" val="1"/>
             </a:ext>
           </a:extLst>
         </p:spPr>
@@ -7815,7 +7805,7 @@
           </a:ln>
           <a:extLst>
             <a:ext uri="{C572A759-6A51-4108-AA02-DFA0A04FC94B}">
-              <ma14:wrappingTextBoxFlag xmlns="" xmlns:m="http://schemas.openxmlformats.org/officeDocument/2006/math" xmlns:a14="http://schemas.microsoft.com/office/drawing/2010/main" xmlns:ma14="http://schemas.microsoft.com/office/mac/drawingml/2011/main" val="1"/>
+              <ma14:wrappingTextBoxFlag xmlns:ma14="http://schemas.microsoft.com/office/mac/drawingml/2011/main" xmlns:a14="http://schemas.microsoft.com/office/drawing/2010/main" xmlns:m="http://schemas.openxmlformats.org/officeDocument/2006/math" xmlns="" val="1"/>
             </a:ext>
           </a:extLst>
         </p:spPr>
@@ -7894,7 +7884,7 @@
           </a:ln>
           <a:extLst>
             <a:ext uri="{C572A759-6A51-4108-AA02-DFA0A04FC94B}">
-              <ma14:wrappingTextBoxFlag xmlns="" xmlns:m="http://schemas.openxmlformats.org/officeDocument/2006/math" xmlns:a14="http://schemas.microsoft.com/office/drawing/2010/main" xmlns:ma14="http://schemas.microsoft.com/office/mac/drawingml/2011/main" val="1"/>
+              <ma14:wrappingTextBoxFlag xmlns:ma14="http://schemas.microsoft.com/office/mac/drawingml/2011/main" xmlns:a14="http://schemas.microsoft.com/office/drawing/2010/main" xmlns:m="http://schemas.openxmlformats.org/officeDocument/2006/math" xmlns="" val="1"/>
             </a:ext>
           </a:extLst>
         </p:spPr>
@@ -7982,7 +7972,7 @@
           </a:ln>
           <a:extLst>
             <a:ext uri="{C572A759-6A51-4108-AA02-DFA0A04FC94B}">
-              <ma14:wrappingTextBoxFlag xmlns="" xmlns:m="http://schemas.openxmlformats.org/officeDocument/2006/math" xmlns:a14="http://schemas.microsoft.com/office/drawing/2010/main" xmlns:ma14="http://schemas.microsoft.com/office/mac/drawingml/2011/main" val="1"/>
+              <ma14:wrappingTextBoxFlag xmlns:ma14="http://schemas.microsoft.com/office/mac/drawingml/2011/main" xmlns:a14="http://schemas.microsoft.com/office/drawing/2010/main" xmlns:m="http://schemas.openxmlformats.org/officeDocument/2006/math" xmlns="" val="1"/>
             </a:ext>
           </a:extLst>
         </p:spPr>
@@ -8240,7 +8230,7 @@
           </a:ln>
           <a:extLst>
             <a:ext uri="{C572A759-6A51-4108-AA02-DFA0A04FC94B}">
-              <ma14:wrappingTextBoxFlag xmlns="" xmlns:m="http://schemas.openxmlformats.org/officeDocument/2006/math" xmlns:a14="http://schemas.microsoft.com/office/drawing/2010/main" xmlns:ma14="http://schemas.microsoft.com/office/mac/drawingml/2011/main" val="1"/>
+              <ma14:wrappingTextBoxFlag xmlns:ma14="http://schemas.microsoft.com/office/mac/drawingml/2011/main" xmlns:a14="http://schemas.microsoft.com/office/drawing/2010/main" xmlns:m="http://schemas.openxmlformats.org/officeDocument/2006/math" xmlns="" val="1"/>
             </a:ext>
           </a:extLst>
         </p:spPr>
@@ -8328,7 +8318,7 @@
           </a:ln>
           <a:extLst>
             <a:ext uri="{C572A759-6A51-4108-AA02-DFA0A04FC94B}">
-              <ma14:wrappingTextBoxFlag xmlns="" xmlns:m="http://schemas.openxmlformats.org/officeDocument/2006/math" xmlns:a14="http://schemas.microsoft.com/office/drawing/2010/main" xmlns:ma14="http://schemas.microsoft.com/office/mac/drawingml/2011/main" val="1"/>
+              <ma14:wrappingTextBoxFlag xmlns:ma14="http://schemas.microsoft.com/office/mac/drawingml/2011/main" xmlns:a14="http://schemas.microsoft.com/office/drawing/2010/main" xmlns:m="http://schemas.openxmlformats.org/officeDocument/2006/math" xmlns="" val="1"/>
             </a:ext>
           </a:extLst>
         </p:spPr>
@@ -8443,7 +8433,7 @@
           </a:ln>
           <a:extLst>
             <a:ext uri="{C572A759-6A51-4108-AA02-DFA0A04FC94B}">
-              <ma14:wrappingTextBoxFlag xmlns="" xmlns:m="http://schemas.openxmlformats.org/officeDocument/2006/math" xmlns:a14="http://schemas.microsoft.com/office/drawing/2010/main" xmlns:ma14="http://schemas.microsoft.com/office/mac/drawingml/2011/main" val="1"/>
+              <ma14:wrappingTextBoxFlag xmlns:ma14="http://schemas.microsoft.com/office/mac/drawingml/2011/main" xmlns:a14="http://schemas.microsoft.com/office/drawing/2010/main" xmlns:m="http://schemas.openxmlformats.org/officeDocument/2006/math" xmlns="" val="1"/>
             </a:ext>
           </a:extLst>
         </p:spPr>
@@ -8531,7 +8521,7 @@
           </a:ln>
           <a:extLst>
             <a:ext uri="{C572A759-6A51-4108-AA02-DFA0A04FC94B}">
-              <ma14:wrappingTextBoxFlag xmlns="" xmlns:m="http://schemas.openxmlformats.org/officeDocument/2006/math" xmlns:a14="http://schemas.microsoft.com/office/drawing/2010/main" xmlns:ma14="http://schemas.microsoft.com/office/mac/drawingml/2011/main" val="1"/>
+              <ma14:wrappingTextBoxFlag xmlns:ma14="http://schemas.microsoft.com/office/mac/drawingml/2011/main" xmlns:a14="http://schemas.microsoft.com/office/drawing/2010/main" xmlns:m="http://schemas.openxmlformats.org/officeDocument/2006/math" xmlns="" val="1"/>
             </a:ext>
           </a:extLst>
         </p:spPr>
@@ -8646,7 +8636,7 @@
           </a:ln>
           <a:extLst>
             <a:ext uri="{C572A759-6A51-4108-AA02-DFA0A04FC94B}">
-              <ma14:wrappingTextBoxFlag xmlns="" xmlns:m="http://schemas.openxmlformats.org/officeDocument/2006/math" xmlns:a14="http://schemas.microsoft.com/office/drawing/2010/main" xmlns:ma14="http://schemas.microsoft.com/office/mac/drawingml/2011/main" val="1"/>
+              <ma14:wrappingTextBoxFlag xmlns:ma14="http://schemas.microsoft.com/office/mac/drawingml/2011/main" xmlns:a14="http://schemas.microsoft.com/office/drawing/2010/main" xmlns:m="http://schemas.openxmlformats.org/officeDocument/2006/math" xmlns="" val="1"/>
             </a:ext>
           </a:extLst>
         </p:spPr>
@@ -8731,7 +8721,7 @@
           </a:ln>
           <a:extLst>
             <a:ext uri="{C572A759-6A51-4108-AA02-DFA0A04FC94B}">
-              <ma14:wrappingTextBoxFlag xmlns="" xmlns:m="http://schemas.openxmlformats.org/officeDocument/2006/math" xmlns:a14="http://schemas.microsoft.com/office/drawing/2010/main" xmlns:ma14="http://schemas.microsoft.com/office/mac/drawingml/2011/main" val="1"/>
+              <ma14:wrappingTextBoxFlag xmlns:ma14="http://schemas.microsoft.com/office/mac/drawingml/2011/main" xmlns:a14="http://schemas.microsoft.com/office/drawing/2010/main" xmlns:m="http://schemas.openxmlformats.org/officeDocument/2006/math" xmlns="" val="1"/>
             </a:ext>
           </a:extLst>
         </p:spPr>
@@ -8819,7 +8809,7 @@
           </a:ln>
           <a:extLst>
             <a:ext uri="{C572A759-6A51-4108-AA02-DFA0A04FC94B}">
-              <ma14:wrappingTextBoxFlag xmlns="" xmlns:m="http://schemas.openxmlformats.org/officeDocument/2006/math" xmlns:a14="http://schemas.microsoft.com/office/drawing/2010/main" xmlns:ma14="http://schemas.microsoft.com/office/mac/drawingml/2011/main" val="1"/>
+              <ma14:wrappingTextBoxFlag xmlns:ma14="http://schemas.microsoft.com/office/mac/drawingml/2011/main" xmlns:a14="http://schemas.microsoft.com/office/drawing/2010/main" xmlns:m="http://schemas.openxmlformats.org/officeDocument/2006/math" xmlns="" val="1"/>
             </a:ext>
           </a:extLst>
         </p:spPr>
@@ -8934,7 +8924,7 @@
           </a:ln>
           <a:extLst>
             <a:ext uri="{C572A759-6A51-4108-AA02-DFA0A04FC94B}">
-              <ma14:wrappingTextBoxFlag xmlns="" xmlns:m="http://schemas.openxmlformats.org/officeDocument/2006/math" xmlns:a14="http://schemas.microsoft.com/office/drawing/2010/main" xmlns:ma14="http://schemas.microsoft.com/office/mac/drawingml/2011/main" val="1"/>
+              <ma14:wrappingTextBoxFlag xmlns:ma14="http://schemas.microsoft.com/office/mac/drawingml/2011/main" xmlns:a14="http://schemas.microsoft.com/office/drawing/2010/main" xmlns:m="http://schemas.openxmlformats.org/officeDocument/2006/math" xmlns="" val="1"/>
             </a:ext>
           </a:extLst>
         </p:spPr>
@@ -9019,7 +9009,7 @@
           </a:ln>
           <a:extLst>
             <a:ext uri="{C572A759-6A51-4108-AA02-DFA0A04FC94B}">
-              <ma14:wrappingTextBoxFlag xmlns="" xmlns:m="http://schemas.openxmlformats.org/officeDocument/2006/math" xmlns:a14="http://schemas.microsoft.com/office/drawing/2010/main" xmlns:ma14="http://schemas.microsoft.com/office/mac/drawingml/2011/main" val="1"/>
+              <ma14:wrappingTextBoxFlag xmlns:ma14="http://schemas.microsoft.com/office/mac/drawingml/2011/main" xmlns:a14="http://schemas.microsoft.com/office/drawing/2010/main" xmlns:m="http://schemas.openxmlformats.org/officeDocument/2006/math" xmlns="" val="1"/>
             </a:ext>
           </a:extLst>
         </p:spPr>
@@ -9104,7 +9094,7 @@
           </a:ln>
           <a:extLst>
             <a:ext uri="{C572A759-6A51-4108-AA02-DFA0A04FC94B}">
-              <ma14:wrappingTextBoxFlag xmlns="" xmlns:m="http://schemas.openxmlformats.org/officeDocument/2006/math" xmlns:a14="http://schemas.microsoft.com/office/drawing/2010/main" xmlns:ma14="http://schemas.microsoft.com/office/mac/drawingml/2011/main" val="1"/>
+              <ma14:wrappingTextBoxFlag xmlns:ma14="http://schemas.microsoft.com/office/mac/drawingml/2011/main" xmlns:a14="http://schemas.microsoft.com/office/drawing/2010/main" xmlns:m="http://schemas.openxmlformats.org/officeDocument/2006/math" xmlns="" val="1"/>
             </a:ext>
           </a:extLst>
         </p:spPr>
@@ -9192,7 +9182,7 @@
           </a:ln>
           <a:extLst>
             <a:ext uri="{C572A759-6A51-4108-AA02-DFA0A04FC94B}">
-              <ma14:wrappingTextBoxFlag xmlns="" xmlns:m="http://schemas.openxmlformats.org/officeDocument/2006/math" xmlns:a14="http://schemas.microsoft.com/office/drawing/2010/main" xmlns:ma14="http://schemas.microsoft.com/office/mac/drawingml/2011/main" val="1"/>
+              <ma14:wrappingTextBoxFlag xmlns:ma14="http://schemas.microsoft.com/office/mac/drawingml/2011/main" xmlns:a14="http://schemas.microsoft.com/office/drawing/2010/main" xmlns:m="http://schemas.openxmlformats.org/officeDocument/2006/math" xmlns="" val="1"/>
             </a:ext>
           </a:extLst>
         </p:spPr>
@@ -9223,10 +9213,10 @@
       </p:sp>
       <p:pic>
         <p:nvPicPr>
-          <p:cNvPr id="3" name="Picture 2" descr="A screenshot of text&#10;&#10;Description automatically generated">
+          <p:cNvPr id="4" name="Picture 3" descr="A screenshot of a cell phone&#10;&#10;Description automatically generated">
             <a:extLst>
               <a:ext uri="{FF2B5EF4-FFF2-40B4-BE49-F238E27FC236}">
-                <a16:creationId xmlns:a16="http://schemas.microsoft.com/office/drawing/2014/main" id="{BB9AE402-3913-6F42-AA2A-6B6FB8101B78}"/>
+                <a16:creationId xmlns:a16="http://schemas.microsoft.com/office/drawing/2014/main" id="{D5D33347-04C5-B74B-A88F-1AE2D3C59AA7}"/>
               </a:ext>
             </a:extLst>
           </p:cNvPr>
@@ -9249,8 +9239,8 @@
         </p:blipFill>
         <p:spPr>
           <a:xfrm>
-            <a:off x="11525250" y="2290730"/>
-            <a:ext cx="11090910" cy="10914863"/>
+            <a:off x="10826214" y="2242293"/>
+            <a:ext cx="12811026" cy="10183123"/>
           </a:xfrm>
           <a:prstGeom prst="rect">
             <a:avLst/>
@@ -9315,7 +9305,7 @@
           </a:ln>
           <a:extLst>
             <a:ext uri="{C572A759-6A51-4108-AA02-DFA0A04FC94B}">
-              <ma14:wrappingTextBoxFlag xmlns="" xmlns:m="http://schemas.openxmlformats.org/officeDocument/2006/math" xmlns:a14="http://schemas.microsoft.com/office/drawing/2010/main" xmlns:ma14="http://schemas.microsoft.com/office/mac/drawingml/2011/main" val="1"/>
+              <ma14:wrappingTextBoxFlag xmlns:ma14="http://schemas.microsoft.com/office/mac/drawingml/2011/main" xmlns:a14="http://schemas.microsoft.com/office/drawing/2010/main" xmlns:m="http://schemas.openxmlformats.org/officeDocument/2006/math" xmlns="" val="1"/>
             </a:ext>
           </a:extLst>
         </p:spPr>
@@ -9395,7 +9385,7 @@
           </a:ln>
           <a:extLst>
             <a:ext uri="{C572A759-6A51-4108-AA02-DFA0A04FC94B}">
-              <ma14:wrappingTextBoxFlag xmlns="" xmlns:m="http://schemas.openxmlformats.org/officeDocument/2006/math" xmlns:a14="http://schemas.microsoft.com/office/drawing/2010/main" xmlns:ma14="http://schemas.microsoft.com/office/mac/drawingml/2011/main" val="1"/>
+              <ma14:wrappingTextBoxFlag xmlns:ma14="http://schemas.microsoft.com/office/mac/drawingml/2011/main" xmlns:a14="http://schemas.microsoft.com/office/drawing/2010/main" xmlns:m="http://schemas.openxmlformats.org/officeDocument/2006/math" xmlns="" val="1"/>
             </a:ext>
           </a:extLst>
         </p:spPr>
@@ -9480,7 +9470,7 @@
           </a:ln>
           <a:extLst>
             <a:ext uri="{C572A759-6A51-4108-AA02-DFA0A04FC94B}">
-              <ma14:wrappingTextBoxFlag xmlns="" xmlns:m="http://schemas.openxmlformats.org/officeDocument/2006/math" xmlns:a14="http://schemas.microsoft.com/office/drawing/2010/main" xmlns:ma14="http://schemas.microsoft.com/office/mac/drawingml/2011/main" val="1"/>
+              <ma14:wrappingTextBoxFlag xmlns:ma14="http://schemas.microsoft.com/office/mac/drawingml/2011/main" xmlns:a14="http://schemas.microsoft.com/office/drawing/2010/main" xmlns:m="http://schemas.openxmlformats.org/officeDocument/2006/math" xmlns="" val="1"/>
             </a:ext>
           </a:extLst>
         </p:spPr>
@@ -9568,7 +9558,7 @@
           </a:ln>
           <a:extLst>
             <a:ext uri="{C572A759-6A51-4108-AA02-DFA0A04FC94B}">
-              <ma14:wrappingTextBoxFlag xmlns="" xmlns:m="http://schemas.openxmlformats.org/officeDocument/2006/math" xmlns:a14="http://schemas.microsoft.com/office/drawing/2010/main" xmlns:ma14="http://schemas.microsoft.com/office/mac/drawingml/2011/main" val="1"/>
+              <ma14:wrappingTextBoxFlag xmlns:ma14="http://schemas.microsoft.com/office/mac/drawingml/2011/main" xmlns:a14="http://schemas.microsoft.com/office/drawing/2010/main" xmlns:m="http://schemas.openxmlformats.org/officeDocument/2006/math" xmlns="" val="1"/>
             </a:ext>
           </a:extLst>
         </p:spPr>
@@ -9683,7 +9673,7 @@
           </a:ln>
           <a:extLst>
             <a:ext uri="{C572A759-6A51-4108-AA02-DFA0A04FC94B}">
-              <ma14:wrappingTextBoxFlag xmlns="" xmlns:m="http://schemas.openxmlformats.org/officeDocument/2006/math" xmlns:a14="http://schemas.microsoft.com/office/drawing/2010/main" xmlns:ma14="http://schemas.microsoft.com/office/mac/drawingml/2011/main" val="1"/>
+              <ma14:wrappingTextBoxFlag xmlns:ma14="http://schemas.microsoft.com/office/mac/drawingml/2011/main" xmlns:a14="http://schemas.microsoft.com/office/drawing/2010/main" xmlns:m="http://schemas.openxmlformats.org/officeDocument/2006/math" xmlns="" val="1"/>
             </a:ext>
           </a:extLst>
         </p:spPr>
@@ -9768,7 +9758,7 @@
           </a:ln>
           <a:extLst>
             <a:ext uri="{C572A759-6A51-4108-AA02-DFA0A04FC94B}">
-              <ma14:wrappingTextBoxFlag xmlns="" xmlns:m="http://schemas.openxmlformats.org/officeDocument/2006/math" xmlns:a14="http://schemas.microsoft.com/office/drawing/2010/main" xmlns:ma14="http://schemas.microsoft.com/office/mac/drawingml/2011/main" val="1"/>
+              <ma14:wrappingTextBoxFlag xmlns:ma14="http://schemas.microsoft.com/office/mac/drawingml/2011/main" xmlns:a14="http://schemas.microsoft.com/office/drawing/2010/main" xmlns:m="http://schemas.openxmlformats.org/officeDocument/2006/math" xmlns="" val="1"/>
             </a:ext>
           </a:extLst>
         </p:spPr>
@@ -9856,7 +9846,7 @@
           </a:ln>
           <a:extLst>
             <a:ext uri="{C572A759-6A51-4108-AA02-DFA0A04FC94B}">
-              <ma14:wrappingTextBoxFlag xmlns="" xmlns:m="http://schemas.openxmlformats.org/officeDocument/2006/math" xmlns:a14="http://schemas.microsoft.com/office/drawing/2010/main" xmlns:ma14="http://schemas.microsoft.com/office/mac/drawingml/2011/main" val="1"/>
+              <ma14:wrappingTextBoxFlag xmlns:ma14="http://schemas.microsoft.com/office/mac/drawingml/2011/main" xmlns:a14="http://schemas.microsoft.com/office/drawing/2010/main" xmlns:m="http://schemas.openxmlformats.org/officeDocument/2006/math" xmlns="" val="1"/>
             </a:ext>
           </a:extLst>
         </p:spPr>
@@ -9971,7 +9961,7 @@
           </a:ln>
           <a:extLst>
             <a:ext uri="{C572A759-6A51-4108-AA02-DFA0A04FC94B}">
-              <ma14:wrappingTextBoxFlag xmlns="" xmlns:m="http://schemas.openxmlformats.org/officeDocument/2006/math" xmlns:a14="http://schemas.microsoft.com/office/drawing/2010/main" xmlns:ma14="http://schemas.microsoft.com/office/mac/drawingml/2011/main" val="1"/>
+              <ma14:wrappingTextBoxFlag xmlns:ma14="http://schemas.microsoft.com/office/mac/drawingml/2011/main" xmlns:a14="http://schemas.microsoft.com/office/drawing/2010/main" xmlns:m="http://schemas.openxmlformats.org/officeDocument/2006/math" xmlns="" val="1"/>
             </a:ext>
           </a:extLst>
         </p:spPr>
@@ -10064,7 +10054,7 @@
           </a:ln>
           <a:extLst>
             <a:ext uri="{C572A759-6A51-4108-AA02-DFA0A04FC94B}">
-              <ma14:wrappingTextBoxFlag xmlns="" xmlns:m="http://schemas.openxmlformats.org/officeDocument/2006/math" xmlns:a14="http://schemas.microsoft.com/office/drawing/2010/main" xmlns:ma14="http://schemas.microsoft.com/office/mac/drawingml/2011/main" val="1"/>
+              <ma14:wrappingTextBoxFlag xmlns:ma14="http://schemas.microsoft.com/office/mac/drawingml/2011/main" xmlns:a14="http://schemas.microsoft.com/office/drawing/2010/main" xmlns:m="http://schemas.openxmlformats.org/officeDocument/2006/math" xmlns="" val="1"/>
             </a:ext>
           </a:extLst>
         </p:spPr>
@@ -10143,7 +10133,7 @@
           </a:ln>
           <a:extLst>
             <a:ext uri="{C572A759-6A51-4108-AA02-DFA0A04FC94B}">
-              <ma14:wrappingTextBoxFlag xmlns="" xmlns:m="http://schemas.openxmlformats.org/officeDocument/2006/math" xmlns:a14="http://schemas.microsoft.com/office/drawing/2010/main" xmlns:ma14="http://schemas.microsoft.com/office/mac/drawingml/2011/main" val="1"/>
+              <ma14:wrappingTextBoxFlag xmlns:ma14="http://schemas.microsoft.com/office/mac/drawingml/2011/main" xmlns:a14="http://schemas.microsoft.com/office/drawing/2010/main" xmlns:m="http://schemas.openxmlformats.org/officeDocument/2006/math" xmlns="" val="1"/>
             </a:ext>
           </a:extLst>
         </p:spPr>
@@ -10231,7 +10221,7 @@
           </a:ln>
           <a:extLst>
             <a:ext uri="{C572A759-6A51-4108-AA02-DFA0A04FC94B}">
-              <ma14:wrappingTextBoxFlag xmlns="" xmlns:m="http://schemas.openxmlformats.org/officeDocument/2006/math" xmlns:a14="http://schemas.microsoft.com/office/drawing/2010/main" xmlns:ma14="http://schemas.microsoft.com/office/mac/drawingml/2011/main" val="1"/>
+              <ma14:wrappingTextBoxFlag xmlns:ma14="http://schemas.microsoft.com/office/mac/drawingml/2011/main" xmlns:a14="http://schemas.microsoft.com/office/drawing/2010/main" xmlns:m="http://schemas.openxmlformats.org/officeDocument/2006/math" xmlns="" val="1"/>
             </a:ext>
           </a:extLst>
         </p:spPr>
@@ -10381,7 +10371,7 @@
           </a:ln>
           <a:extLst>
             <a:ext uri="{C572A759-6A51-4108-AA02-DFA0A04FC94B}">
-              <ma14:wrappingTextBoxFlag xmlns="" xmlns:m="http://schemas.openxmlformats.org/officeDocument/2006/math" xmlns:a14="http://schemas.microsoft.com/office/drawing/2010/main" xmlns:ma14="http://schemas.microsoft.com/office/mac/drawingml/2011/main" val="1"/>
+              <ma14:wrappingTextBoxFlag xmlns:ma14="http://schemas.microsoft.com/office/mac/drawingml/2011/main" xmlns:a14="http://schemas.microsoft.com/office/drawing/2010/main" xmlns:m="http://schemas.openxmlformats.org/officeDocument/2006/math" xmlns="" val="1"/>
             </a:ext>
           </a:extLst>
         </p:spPr>
@@ -10469,7 +10459,7 @@
           </a:ln>
           <a:extLst>
             <a:ext uri="{C572A759-6A51-4108-AA02-DFA0A04FC94B}">
-              <ma14:wrappingTextBoxFlag xmlns="" xmlns:m="http://schemas.openxmlformats.org/officeDocument/2006/math" xmlns:a14="http://schemas.microsoft.com/office/drawing/2010/main" xmlns:ma14="http://schemas.microsoft.com/office/mac/drawingml/2011/main" val="1"/>
+              <ma14:wrappingTextBoxFlag xmlns:ma14="http://schemas.microsoft.com/office/mac/drawingml/2011/main" xmlns:a14="http://schemas.microsoft.com/office/drawing/2010/main" xmlns:m="http://schemas.openxmlformats.org/officeDocument/2006/math" xmlns="" val="1"/>
             </a:ext>
           </a:extLst>
         </p:spPr>
@@ -10600,7 +10590,7 @@
           </a:ln>
           <a:extLst>
             <a:ext uri="{C572A759-6A51-4108-AA02-DFA0A04FC94B}">
-              <ma14:wrappingTextBoxFlag xmlns="" xmlns:m="http://schemas.openxmlformats.org/officeDocument/2006/math" xmlns:a14="http://schemas.microsoft.com/office/drawing/2010/main" xmlns:ma14="http://schemas.microsoft.com/office/mac/drawingml/2011/main" val="1"/>
+              <ma14:wrappingTextBoxFlag xmlns:ma14="http://schemas.microsoft.com/office/mac/drawingml/2011/main" xmlns:a14="http://schemas.microsoft.com/office/drawing/2010/main" xmlns:m="http://schemas.openxmlformats.org/officeDocument/2006/math" xmlns="" val="1"/>
             </a:ext>
           </a:extLst>
         </p:spPr>
@@ -10688,7 +10678,7 @@
           </a:ln>
           <a:extLst>
             <a:ext uri="{C572A759-6A51-4108-AA02-DFA0A04FC94B}">
-              <ma14:wrappingTextBoxFlag xmlns="" xmlns:m="http://schemas.openxmlformats.org/officeDocument/2006/math" xmlns:a14="http://schemas.microsoft.com/office/drawing/2010/main" xmlns:ma14="http://schemas.microsoft.com/office/mac/drawingml/2011/main" val="1"/>
+              <ma14:wrappingTextBoxFlag xmlns:ma14="http://schemas.microsoft.com/office/mac/drawingml/2011/main" xmlns:a14="http://schemas.microsoft.com/office/drawing/2010/main" xmlns:m="http://schemas.openxmlformats.org/officeDocument/2006/math" xmlns="" val="1"/>
             </a:ext>
           </a:extLst>
         </p:spPr>
@@ -10819,7 +10809,7 @@
           </a:ln>
           <a:extLst>
             <a:ext uri="{C572A759-6A51-4108-AA02-DFA0A04FC94B}">
-              <ma14:wrappingTextBoxFlag xmlns="" xmlns:m="http://schemas.openxmlformats.org/officeDocument/2006/math" xmlns:a14="http://schemas.microsoft.com/office/drawing/2010/main" xmlns:ma14="http://schemas.microsoft.com/office/mac/drawingml/2011/main" val="1"/>
+              <ma14:wrappingTextBoxFlag xmlns:ma14="http://schemas.microsoft.com/office/mac/drawingml/2011/main" xmlns:a14="http://schemas.microsoft.com/office/drawing/2010/main" xmlns:m="http://schemas.openxmlformats.org/officeDocument/2006/math" xmlns="" val="1"/>
             </a:ext>
           </a:extLst>
         </p:spPr>
@@ -10907,7 +10897,7 @@
           </a:ln>
           <a:extLst>
             <a:ext uri="{C572A759-6A51-4108-AA02-DFA0A04FC94B}">
-              <ma14:wrappingTextBoxFlag xmlns="" xmlns:m="http://schemas.openxmlformats.org/officeDocument/2006/math" xmlns:a14="http://schemas.microsoft.com/office/drawing/2010/main" xmlns:ma14="http://schemas.microsoft.com/office/mac/drawingml/2011/main" val="1"/>
+              <ma14:wrappingTextBoxFlag xmlns:ma14="http://schemas.microsoft.com/office/mac/drawingml/2011/main" xmlns:a14="http://schemas.microsoft.com/office/drawing/2010/main" xmlns:m="http://schemas.openxmlformats.org/officeDocument/2006/math" xmlns="" val="1"/>
             </a:ext>
           </a:extLst>
         </p:spPr>
@@ -11031,7 +11021,7 @@
           </a:ln>
           <a:extLst>
             <a:ext uri="{C572A759-6A51-4108-AA02-DFA0A04FC94B}">
-              <ma14:wrappingTextBoxFlag xmlns="" xmlns:m="http://schemas.openxmlformats.org/officeDocument/2006/math" xmlns:a14="http://schemas.microsoft.com/office/drawing/2010/main" xmlns:ma14="http://schemas.microsoft.com/office/mac/drawingml/2011/main" val="1"/>
+              <ma14:wrappingTextBoxFlag xmlns:ma14="http://schemas.microsoft.com/office/mac/drawingml/2011/main" xmlns:a14="http://schemas.microsoft.com/office/drawing/2010/main" xmlns:m="http://schemas.openxmlformats.org/officeDocument/2006/math" xmlns="" val="1"/>
             </a:ext>
           </a:extLst>
         </p:spPr>
@@ -11076,7 +11066,7 @@
           </a:ln>
           <a:extLst>
             <a:ext uri="{C572A759-6A51-4108-AA02-DFA0A04FC94B}">
-              <ma14:wrappingTextBoxFlag xmlns="" xmlns:m="http://schemas.openxmlformats.org/officeDocument/2006/math" xmlns:a14="http://schemas.microsoft.com/office/drawing/2010/main" xmlns:ma14="http://schemas.microsoft.com/office/mac/drawingml/2011/main" val="1"/>
+              <ma14:wrappingTextBoxFlag xmlns:ma14="http://schemas.microsoft.com/office/mac/drawingml/2011/main" xmlns:a14="http://schemas.microsoft.com/office/drawing/2010/main" xmlns:m="http://schemas.openxmlformats.org/officeDocument/2006/math" xmlns="" val="1"/>
             </a:ext>
           </a:extLst>
         </p:spPr>
@@ -11155,7 +11145,7 @@
           </a:ln>
           <a:extLst>
             <a:ext uri="{C572A759-6A51-4108-AA02-DFA0A04FC94B}">
-              <ma14:wrappingTextBoxFlag xmlns="" xmlns:m="http://schemas.openxmlformats.org/officeDocument/2006/math" xmlns:a14="http://schemas.microsoft.com/office/drawing/2010/main" xmlns:ma14="http://schemas.microsoft.com/office/mac/drawingml/2011/main" val="1"/>
+              <ma14:wrappingTextBoxFlag xmlns:ma14="http://schemas.microsoft.com/office/mac/drawingml/2011/main" xmlns:a14="http://schemas.microsoft.com/office/drawing/2010/main" xmlns:m="http://schemas.openxmlformats.org/officeDocument/2006/math" xmlns="" val="1"/>
             </a:ext>
           </a:extLst>
         </p:spPr>
@@ -11399,7 +11389,7 @@
           </a:ln>
           <a:extLst>
             <a:ext uri="{C572A759-6A51-4108-AA02-DFA0A04FC94B}">
-              <ma14:wrappingTextBoxFlag xmlns="" xmlns:m="http://schemas.openxmlformats.org/officeDocument/2006/math" xmlns:a14="http://schemas.microsoft.com/office/drawing/2010/main" xmlns:ma14="http://schemas.microsoft.com/office/mac/drawingml/2011/main" val="1"/>
+              <ma14:wrappingTextBoxFlag xmlns:ma14="http://schemas.microsoft.com/office/mac/drawingml/2011/main" xmlns:a14="http://schemas.microsoft.com/office/drawing/2010/main" xmlns:m="http://schemas.openxmlformats.org/officeDocument/2006/math" xmlns="" val="1"/>
             </a:ext>
           </a:extLst>
         </p:spPr>
@@ -11485,7 +11475,7 @@
           </a:ln>
           <a:extLst>
             <a:ext uri="{C572A759-6A51-4108-AA02-DFA0A04FC94B}">
-              <ma14:wrappingTextBoxFlag xmlns="" xmlns:m="http://schemas.openxmlformats.org/officeDocument/2006/math" xmlns:a14="http://schemas.microsoft.com/office/drawing/2010/main" xmlns:ma14="http://schemas.microsoft.com/office/mac/drawingml/2011/main" val="1"/>
+              <ma14:wrappingTextBoxFlag xmlns:ma14="http://schemas.microsoft.com/office/mac/drawingml/2011/main" xmlns:a14="http://schemas.microsoft.com/office/drawing/2010/main" xmlns:m="http://schemas.openxmlformats.org/officeDocument/2006/math" xmlns="" val="1"/>
             </a:ext>
           </a:extLst>
         </p:spPr>
@@ -11563,7 +11553,7 @@
         <p:spPr>
           <a:xfrm>
             <a:off x="2641600" y="4363371"/>
-            <a:ext cx="19179617" cy="3899786"/>
+            <a:ext cx="19179617" cy="5700278"/>
           </a:xfrm>
           <a:prstGeom prst="rect">
             <a:avLst/>
@@ -11573,7 +11563,7 @@
           </a:ln>
           <a:extLst>
             <a:ext uri="{C572A759-6A51-4108-AA02-DFA0A04FC94B}">
-              <ma14:wrappingTextBoxFlag xmlns="" xmlns:m="http://schemas.openxmlformats.org/officeDocument/2006/math" xmlns:a14="http://schemas.microsoft.com/office/drawing/2010/main" xmlns:ma14="http://schemas.microsoft.com/office/mac/drawingml/2011/main" val="1"/>
+              <ma14:wrappingTextBoxFlag xmlns:ma14="http://schemas.microsoft.com/office/mac/drawingml/2011/main" xmlns:a14="http://schemas.microsoft.com/office/drawing/2010/main" xmlns:m="http://schemas.openxmlformats.org/officeDocument/2006/math" xmlns="" val="1"/>
             </a:ext>
           </a:extLst>
         </p:spPr>
@@ -11665,6 +11655,47 @@
               </a:rPr>
               <a:t>Keep them pure when possible:</a:t>
             </a:r>
+          </a:p>
+          <a:p>
+            <a:pPr algn="l">
+              <a:lnSpc>
+                <a:spcPct val="150000"/>
+              </a:lnSpc>
+              <a:defRPr sz="4200">
+                <a:latin typeface="+mj-lt"/>
+                <a:ea typeface="+mj-ea"/>
+                <a:cs typeface="+mj-cs"/>
+                <a:sym typeface="Avenir Next"/>
+              </a:defRPr>
+            </a:pPr>
+            <a:r>
+              <a:rPr lang="en-US" sz="2800" dirty="0">
+                <a:sym typeface="Avenir Next"/>
+                <a:hlinkClick r:id="rId2"/>
+              </a:rPr>
+              <a:t>https://www.freecodecamp.org/news/what-is-a-pure-function-in-javascript-acb887375dfe/</a:t>
+            </a:r>
+            <a:endParaRPr lang="en-US" sz="2800" dirty="0">
+              <a:sym typeface="Avenir Next"/>
+            </a:endParaRPr>
+          </a:p>
+          <a:p>
+            <a:pPr marL="571500" indent="-571500" algn="l">
+              <a:lnSpc>
+                <a:spcPct val="150000"/>
+              </a:lnSpc>
+              <a:buFont typeface="Arial" panose="020B0604020202020204" pitchFamily="34" charset="0"/>
+              <a:buChar char="•"/>
+              <a:defRPr sz="4200">
+                <a:latin typeface="+mj-lt"/>
+                <a:ea typeface="+mj-ea"/>
+                <a:cs typeface="+mj-cs"/>
+                <a:sym typeface="Avenir Next"/>
+              </a:defRPr>
+            </a:pPr>
+            <a:endParaRPr lang="en-US" dirty="0">
+              <a:sym typeface="Avenir Next"/>
+            </a:endParaRPr>
           </a:p>
         </p:txBody>
       </p:sp>
@@ -11682,7 +11713,7 @@
         </p:nvSpPr>
         <p:spPr>
           <a:xfrm>
-            <a:off x="3810000" y="8263157"/>
+            <a:off x="3911600" y="9035563"/>
             <a:ext cx="19179617" cy="1960793"/>
           </a:xfrm>
           <a:prstGeom prst="rect">
@@ -11693,7 +11724,7 @@
           </a:ln>
           <a:extLst>
             <a:ext uri="{C572A759-6A51-4108-AA02-DFA0A04FC94B}">
-              <ma14:wrappingTextBoxFlag xmlns="" xmlns:m="http://schemas.openxmlformats.org/officeDocument/2006/math" xmlns:a14="http://schemas.microsoft.com/office/drawing/2010/main" xmlns:ma14="http://schemas.microsoft.com/office/mac/drawingml/2011/main" val="1"/>
+              <ma14:wrappingTextBoxFlag xmlns:ma14="http://schemas.microsoft.com/office/mac/drawingml/2011/main" xmlns:a14="http://schemas.microsoft.com/office/drawing/2010/main" xmlns:m="http://schemas.openxmlformats.org/officeDocument/2006/math" xmlns="" val="1"/>
             </a:ext>
           </a:extLst>
         </p:spPr>
@@ -11796,7 +11827,7 @@
           </a:ln>
           <a:extLst>
             <a:ext uri="{C572A759-6A51-4108-AA02-DFA0A04FC94B}">
-              <ma14:wrappingTextBoxFlag xmlns="" xmlns:m="http://schemas.openxmlformats.org/officeDocument/2006/math" xmlns:a14="http://schemas.microsoft.com/office/drawing/2010/main" xmlns:ma14="http://schemas.microsoft.com/office/mac/drawingml/2011/main" val="1"/>
+              <ma14:wrappingTextBoxFlag xmlns:ma14="http://schemas.microsoft.com/office/mac/drawingml/2011/main" xmlns:a14="http://schemas.microsoft.com/office/drawing/2010/main" xmlns:m="http://schemas.openxmlformats.org/officeDocument/2006/math" xmlns="" val="1"/>
             </a:ext>
           </a:extLst>
         </p:spPr>
@@ -11884,7 +11915,7 @@
           </a:ln>
           <a:extLst>
             <a:ext uri="{C572A759-6A51-4108-AA02-DFA0A04FC94B}">
-              <ma14:wrappingTextBoxFlag xmlns="" xmlns:m="http://schemas.openxmlformats.org/officeDocument/2006/math" xmlns:a14="http://schemas.microsoft.com/office/drawing/2010/main" xmlns:ma14="http://schemas.microsoft.com/office/mac/drawingml/2011/main" val="1"/>
+              <ma14:wrappingTextBoxFlag xmlns:ma14="http://schemas.microsoft.com/office/mac/drawingml/2011/main" xmlns:a14="http://schemas.microsoft.com/office/drawing/2010/main" xmlns:m="http://schemas.openxmlformats.org/officeDocument/2006/math" xmlns="" val="1"/>
             </a:ext>
           </a:extLst>
         </p:spPr>
@@ -12069,7 +12100,7 @@
           </a:ln>
           <a:extLst>
             <a:ext uri="{C572A759-6A51-4108-AA02-DFA0A04FC94B}">
-              <ma14:wrappingTextBoxFlag xmlns="" xmlns:m="http://schemas.openxmlformats.org/officeDocument/2006/math" xmlns:a14="http://schemas.microsoft.com/office/drawing/2010/main" xmlns:ma14="http://schemas.microsoft.com/office/mac/drawingml/2011/main" val="1"/>
+              <ma14:wrappingTextBoxFlag xmlns:ma14="http://schemas.microsoft.com/office/mac/drawingml/2011/main" xmlns:a14="http://schemas.microsoft.com/office/drawing/2010/main" xmlns:m="http://schemas.openxmlformats.org/officeDocument/2006/math" xmlns="" val="1"/>
             </a:ext>
           </a:extLst>
         </p:spPr>
@@ -12157,7 +12188,7 @@
           </a:ln>
           <a:extLst>
             <a:ext uri="{C572A759-6A51-4108-AA02-DFA0A04FC94B}">
-              <ma14:wrappingTextBoxFlag xmlns="" xmlns:m="http://schemas.openxmlformats.org/officeDocument/2006/math" xmlns:a14="http://schemas.microsoft.com/office/drawing/2010/main" xmlns:ma14="http://schemas.microsoft.com/office/mac/drawingml/2011/main" val="1"/>
+              <ma14:wrappingTextBoxFlag xmlns:ma14="http://schemas.microsoft.com/office/mac/drawingml/2011/main" xmlns:a14="http://schemas.microsoft.com/office/drawing/2010/main" xmlns:m="http://schemas.openxmlformats.org/officeDocument/2006/math" xmlns="" val="1"/>
             </a:ext>
           </a:extLst>
         </p:spPr>
@@ -12260,7 +12291,7 @@
           </a:ln>
           <a:extLst>
             <a:ext uri="{C572A759-6A51-4108-AA02-DFA0A04FC94B}">
-              <ma14:wrappingTextBoxFlag xmlns="" xmlns:m="http://schemas.openxmlformats.org/officeDocument/2006/math" xmlns:a14="http://schemas.microsoft.com/office/drawing/2010/main" xmlns:ma14="http://schemas.microsoft.com/office/mac/drawingml/2011/main" val="1"/>
+              <ma14:wrappingTextBoxFlag xmlns:ma14="http://schemas.microsoft.com/office/mac/drawingml/2011/main" xmlns:a14="http://schemas.microsoft.com/office/drawing/2010/main" xmlns:m="http://schemas.openxmlformats.org/officeDocument/2006/math" xmlns="" val="1"/>
             </a:ext>
           </a:extLst>
         </p:spPr>
@@ -12348,7 +12379,7 @@
           </a:ln>
           <a:extLst>
             <a:ext uri="{C572A759-6A51-4108-AA02-DFA0A04FC94B}">
-              <ma14:wrappingTextBoxFlag xmlns="" xmlns:m="http://schemas.openxmlformats.org/officeDocument/2006/math" xmlns:a14="http://schemas.microsoft.com/office/drawing/2010/main" xmlns:ma14="http://schemas.microsoft.com/office/mac/drawingml/2011/main" val="1"/>
+              <ma14:wrappingTextBoxFlag xmlns:ma14="http://schemas.microsoft.com/office/mac/drawingml/2011/main" xmlns:a14="http://schemas.microsoft.com/office/drawing/2010/main" xmlns:m="http://schemas.openxmlformats.org/officeDocument/2006/math" xmlns="" val="1"/>
             </a:ext>
           </a:extLst>
         </p:spPr>
@@ -12379,10 +12410,10 @@
       </p:sp>
       <p:pic>
         <p:nvPicPr>
-          <p:cNvPr id="3" name="Picture 2" descr="A screen shot of a smart phone&#10;&#10;Description automatically generated">
+          <p:cNvPr id="4" name="Picture 3" descr="A close up of text on a screen&#10;&#10;Description automatically generated">
             <a:extLst>
               <a:ext uri="{FF2B5EF4-FFF2-40B4-BE49-F238E27FC236}">
-                <a16:creationId xmlns:a16="http://schemas.microsoft.com/office/drawing/2014/main" id="{EFB6330E-F93D-0A40-9243-2C4BDFAD5D60}"/>
+                <a16:creationId xmlns:a16="http://schemas.microsoft.com/office/drawing/2014/main" id="{C2CABE7B-53FD-8743-A5F2-9ABF35B75555}"/>
               </a:ext>
             </a:extLst>
           </p:cNvPr>
@@ -12405,8 +12436,8 @@
         </p:blipFill>
         <p:spPr>
           <a:xfrm>
-            <a:off x="2075102" y="3786970"/>
-            <a:ext cx="12860097" cy="9343464"/>
+            <a:off x="11976100" y="2185669"/>
+            <a:ext cx="9024620" cy="10288067"/>
           </a:xfrm>
           <a:prstGeom prst="rect">
             <a:avLst/>
@@ -12463,7 +12494,7 @@
           </a:ln>
           <a:extLst>
             <a:ext uri="{C572A759-6A51-4108-AA02-DFA0A04FC94B}">
-              <ma14:wrappingTextBoxFlag xmlns="" xmlns:m="http://schemas.openxmlformats.org/officeDocument/2006/math" xmlns:a14="http://schemas.microsoft.com/office/drawing/2010/main" xmlns:ma14="http://schemas.microsoft.com/office/mac/drawingml/2011/main" val="1"/>
+              <ma14:wrappingTextBoxFlag xmlns:ma14="http://schemas.microsoft.com/office/mac/drawingml/2011/main" xmlns:a14="http://schemas.microsoft.com/office/drawing/2010/main" xmlns:m="http://schemas.openxmlformats.org/officeDocument/2006/math" xmlns="" val="1"/>
             </a:ext>
           </a:extLst>
         </p:spPr>
@@ -12551,7 +12582,7 @@
           </a:ln>
           <a:extLst>
             <a:ext uri="{C572A759-6A51-4108-AA02-DFA0A04FC94B}">
-              <ma14:wrappingTextBoxFlag xmlns="" xmlns:m="http://schemas.openxmlformats.org/officeDocument/2006/math" xmlns:a14="http://schemas.microsoft.com/office/drawing/2010/main" xmlns:ma14="http://schemas.microsoft.com/office/mac/drawingml/2011/main" val="1"/>
+              <ma14:wrappingTextBoxFlag xmlns:ma14="http://schemas.microsoft.com/office/mac/drawingml/2011/main" xmlns:a14="http://schemas.microsoft.com/office/drawing/2010/main" xmlns:m="http://schemas.openxmlformats.org/officeDocument/2006/math" xmlns="" val="1"/>
             </a:ext>
           </a:extLst>
         </p:spPr>
@@ -12666,7 +12697,7 @@
           </a:ln>
           <a:extLst>
             <a:ext uri="{C572A759-6A51-4108-AA02-DFA0A04FC94B}">
-              <ma14:wrappingTextBoxFlag xmlns="" xmlns:m="http://schemas.openxmlformats.org/officeDocument/2006/math" xmlns:a14="http://schemas.microsoft.com/office/drawing/2010/main" xmlns:ma14="http://schemas.microsoft.com/office/mac/drawingml/2011/main" val="1"/>
+              <ma14:wrappingTextBoxFlag xmlns:ma14="http://schemas.microsoft.com/office/mac/drawingml/2011/main" xmlns:a14="http://schemas.microsoft.com/office/drawing/2010/main" xmlns:m="http://schemas.openxmlformats.org/officeDocument/2006/math" xmlns="" val="1"/>
             </a:ext>
           </a:extLst>
         </p:spPr>
@@ -12752,7 +12783,7 @@
           </a:ln>
           <a:extLst>
             <a:ext uri="{C572A759-6A51-4108-AA02-DFA0A04FC94B}">
-              <ma14:wrappingTextBoxFlag xmlns="" xmlns:m="http://schemas.openxmlformats.org/officeDocument/2006/math" xmlns:a14="http://schemas.microsoft.com/office/drawing/2010/main" xmlns:ma14="http://schemas.microsoft.com/office/mac/drawingml/2011/main" val="1"/>
+              <ma14:wrappingTextBoxFlag xmlns:ma14="http://schemas.microsoft.com/office/mac/drawingml/2011/main" xmlns:a14="http://schemas.microsoft.com/office/drawing/2010/main" xmlns:m="http://schemas.openxmlformats.org/officeDocument/2006/math" xmlns="" val="1"/>
             </a:ext>
           </a:extLst>
         </p:spPr>
@@ -12840,7 +12871,7 @@
           </a:ln>
           <a:extLst>
             <a:ext uri="{C572A759-6A51-4108-AA02-DFA0A04FC94B}">
-              <ma14:wrappingTextBoxFlag xmlns="" xmlns:m="http://schemas.openxmlformats.org/officeDocument/2006/math" xmlns:a14="http://schemas.microsoft.com/office/drawing/2010/main" xmlns:ma14="http://schemas.microsoft.com/office/mac/drawingml/2011/main" val="1"/>
+              <ma14:wrappingTextBoxFlag xmlns:ma14="http://schemas.microsoft.com/office/mac/drawingml/2011/main" xmlns:a14="http://schemas.microsoft.com/office/drawing/2010/main" xmlns:m="http://schemas.openxmlformats.org/officeDocument/2006/math" xmlns="" val="1"/>
             </a:ext>
           </a:extLst>
         </p:spPr>
@@ -13034,7 +13065,7 @@
           </a:ln>
           <a:extLst>
             <a:ext uri="{C572A759-6A51-4108-AA02-DFA0A04FC94B}">
-              <ma14:wrappingTextBoxFlag xmlns="" xmlns:m="http://schemas.openxmlformats.org/officeDocument/2006/math" xmlns:a14="http://schemas.microsoft.com/office/drawing/2010/main" xmlns:ma14="http://schemas.microsoft.com/office/mac/drawingml/2011/main" val="1"/>
+              <ma14:wrappingTextBoxFlag xmlns:ma14="http://schemas.microsoft.com/office/mac/drawingml/2011/main" xmlns:a14="http://schemas.microsoft.com/office/drawing/2010/main" xmlns:m="http://schemas.openxmlformats.org/officeDocument/2006/math" xmlns="" val="1"/>
             </a:ext>
           </a:extLst>
         </p:spPr>
@@ -13122,7 +13153,7 @@
           </a:ln>
           <a:extLst>
             <a:ext uri="{C572A759-6A51-4108-AA02-DFA0A04FC94B}">
-              <ma14:wrappingTextBoxFlag xmlns="" xmlns:m="http://schemas.openxmlformats.org/officeDocument/2006/math" xmlns:a14="http://schemas.microsoft.com/office/drawing/2010/main" xmlns:ma14="http://schemas.microsoft.com/office/mac/drawingml/2011/main" val="1"/>
+              <ma14:wrappingTextBoxFlag xmlns:ma14="http://schemas.microsoft.com/office/mac/drawingml/2011/main" xmlns:a14="http://schemas.microsoft.com/office/drawing/2010/main" xmlns:m="http://schemas.openxmlformats.org/officeDocument/2006/math" xmlns="" val="1"/>
             </a:ext>
           </a:extLst>
         </p:spPr>
@@ -13238,7 +13269,7 @@
           </a:ln>
           <a:extLst>
             <a:ext uri="{C572A759-6A51-4108-AA02-DFA0A04FC94B}">
-              <ma14:wrappingTextBoxFlag xmlns="" xmlns:m="http://schemas.openxmlformats.org/officeDocument/2006/math" xmlns:a14="http://schemas.microsoft.com/office/drawing/2010/main" xmlns:ma14="http://schemas.microsoft.com/office/mac/drawingml/2011/main" val="1"/>
+              <ma14:wrappingTextBoxFlag xmlns:ma14="http://schemas.microsoft.com/office/mac/drawingml/2011/main" xmlns:a14="http://schemas.microsoft.com/office/drawing/2010/main" xmlns:m="http://schemas.openxmlformats.org/officeDocument/2006/math" xmlns="" val="1"/>
             </a:ext>
           </a:extLst>
         </p:spPr>
@@ -13326,7 +13357,7 @@
           </a:ln>
           <a:extLst>
             <a:ext uri="{C572A759-6A51-4108-AA02-DFA0A04FC94B}">
-              <ma14:wrappingTextBoxFlag xmlns="" xmlns:m="http://schemas.openxmlformats.org/officeDocument/2006/math" xmlns:a14="http://schemas.microsoft.com/office/drawing/2010/main" xmlns:ma14="http://schemas.microsoft.com/office/mac/drawingml/2011/main" val="1"/>
+              <ma14:wrappingTextBoxFlag xmlns:ma14="http://schemas.microsoft.com/office/mac/drawingml/2011/main" xmlns:a14="http://schemas.microsoft.com/office/drawing/2010/main" xmlns:m="http://schemas.openxmlformats.org/officeDocument/2006/math" xmlns="" val="1"/>
             </a:ext>
           </a:extLst>
         </p:spPr>
@@ -13441,7 +13472,7 @@
           </a:ln>
           <a:extLst>
             <a:ext uri="{C572A759-6A51-4108-AA02-DFA0A04FC94B}">
-              <ma14:wrappingTextBoxFlag xmlns="" xmlns:m="http://schemas.openxmlformats.org/officeDocument/2006/math" xmlns:a14="http://schemas.microsoft.com/office/drawing/2010/main" xmlns:ma14="http://schemas.microsoft.com/office/mac/drawingml/2011/main" val="1"/>
+              <ma14:wrappingTextBoxFlag xmlns:ma14="http://schemas.microsoft.com/office/mac/drawingml/2011/main" xmlns:a14="http://schemas.microsoft.com/office/drawing/2010/main" xmlns:m="http://schemas.openxmlformats.org/officeDocument/2006/math" xmlns="" val="1"/>
             </a:ext>
           </a:extLst>
         </p:spPr>
@@ -13486,7 +13517,7 @@
           </a:ln>
           <a:extLst>
             <a:ext uri="{C572A759-6A51-4108-AA02-DFA0A04FC94B}">
-              <ma14:wrappingTextBoxFlag xmlns="" xmlns:m="http://schemas.openxmlformats.org/officeDocument/2006/math" xmlns:a14="http://schemas.microsoft.com/office/drawing/2010/main" xmlns:ma14="http://schemas.microsoft.com/office/mac/drawingml/2011/main" val="1"/>
+              <ma14:wrappingTextBoxFlag xmlns:ma14="http://schemas.microsoft.com/office/mac/drawingml/2011/main" xmlns:a14="http://schemas.microsoft.com/office/drawing/2010/main" xmlns:m="http://schemas.openxmlformats.org/officeDocument/2006/math" xmlns="" val="1"/>
             </a:ext>
           </a:extLst>
         </p:spPr>
@@ -13561,7 +13592,7 @@
         <p:spPr>
           <a:xfrm>
             <a:off x="2572664" y="4640231"/>
-            <a:ext cx="19179617" cy="7412286"/>
+            <a:ext cx="19179617" cy="7735451"/>
           </a:xfrm>
           <a:prstGeom prst="rect">
             <a:avLst/>
@@ -13571,7 +13602,7 @@
           </a:ln>
           <a:extLst>
             <a:ext uri="{C572A759-6A51-4108-AA02-DFA0A04FC94B}">
-              <ma14:wrappingTextBoxFlag xmlns="" xmlns:m="http://schemas.openxmlformats.org/officeDocument/2006/math" xmlns:a14="http://schemas.microsoft.com/office/drawing/2010/main" xmlns:ma14="http://schemas.microsoft.com/office/mac/drawingml/2011/main" val="1"/>
+              <ma14:wrappingTextBoxFlag xmlns:ma14="http://schemas.microsoft.com/office/mac/drawingml/2011/main" xmlns:a14="http://schemas.microsoft.com/office/drawing/2010/main" xmlns:m="http://schemas.openxmlformats.org/officeDocument/2006/math" xmlns="" val="1"/>
             </a:ext>
           </a:extLst>
         </p:spPr>
@@ -13612,13 +13643,13 @@
               </a:defRPr>
             </a:pPr>
             <a:r>
-              <a:rPr lang="en-US" sz="4000" dirty="0">
+              <a:rPr lang="en-US" sz="5400" dirty="0">
                 <a:sym typeface="Avenir Next"/>
                 <a:hlinkClick r:id="rId2"/>
               </a:rPr>
               <a:t>https://github.com/jpotapova/js-lecture-1</a:t>
             </a:r>
-            <a:endParaRPr lang="en-US" sz="4000" dirty="0">
+            <a:endParaRPr lang="en-US" sz="5400" dirty="0">
               <a:sym typeface="Avenir Next"/>
             </a:endParaRPr>
           </a:p>
@@ -13829,7 +13860,7 @@
           </a:ln>
           <a:extLst>
             <a:ext uri="{C572A759-6A51-4108-AA02-DFA0A04FC94B}">
-              <ma14:wrappingTextBoxFlag xmlns="" xmlns:m="http://schemas.openxmlformats.org/officeDocument/2006/math" xmlns:a14="http://schemas.microsoft.com/office/drawing/2010/main" xmlns:ma14="http://schemas.microsoft.com/office/mac/drawingml/2011/main" val="1"/>
+              <ma14:wrappingTextBoxFlag xmlns:ma14="http://schemas.microsoft.com/office/mac/drawingml/2011/main" xmlns:a14="http://schemas.microsoft.com/office/drawing/2010/main" xmlns:m="http://schemas.openxmlformats.org/officeDocument/2006/math" xmlns="" val="1"/>
             </a:ext>
           </a:extLst>
         </p:spPr>
@@ -13917,7 +13948,7 @@
           </a:ln>
           <a:extLst>
             <a:ext uri="{C572A759-6A51-4108-AA02-DFA0A04FC94B}">
-              <ma14:wrappingTextBoxFlag xmlns="" xmlns:m="http://schemas.openxmlformats.org/officeDocument/2006/math" xmlns:a14="http://schemas.microsoft.com/office/drawing/2010/main" xmlns:ma14="http://schemas.microsoft.com/office/mac/drawingml/2011/main" val="1"/>
+              <ma14:wrappingTextBoxFlag xmlns:ma14="http://schemas.microsoft.com/office/mac/drawingml/2011/main" xmlns:a14="http://schemas.microsoft.com/office/drawing/2010/main" xmlns:m="http://schemas.openxmlformats.org/officeDocument/2006/math" xmlns="" val="1"/>
             </a:ext>
           </a:extLst>
         </p:spPr>
@@ -14032,7 +14063,7 @@
           </a:ln>
           <a:extLst>
             <a:ext uri="{C572A759-6A51-4108-AA02-DFA0A04FC94B}">
-              <ma14:wrappingTextBoxFlag xmlns="" xmlns:m="http://schemas.openxmlformats.org/officeDocument/2006/math" xmlns:a14="http://schemas.microsoft.com/office/drawing/2010/main" xmlns:ma14="http://schemas.microsoft.com/office/mac/drawingml/2011/main" val="1"/>
+              <ma14:wrappingTextBoxFlag xmlns:ma14="http://schemas.microsoft.com/office/mac/drawingml/2011/main" xmlns:a14="http://schemas.microsoft.com/office/drawing/2010/main" xmlns:m="http://schemas.openxmlformats.org/officeDocument/2006/math" xmlns="" val="1"/>
             </a:ext>
           </a:extLst>
         </p:spPr>
@@ -14120,7 +14151,7 @@
           </a:ln>
           <a:extLst>
             <a:ext uri="{C572A759-6A51-4108-AA02-DFA0A04FC94B}">
-              <ma14:wrappingTextBoxFlag xmlns="" xmlns:m="http://schemas.openxmlformats.org/officeDocument/2006/math" xmlns:a14="http://schemas.microsoft.com/office/drawing/2010/main" xmlns:ma14="http://schemas.microsoft.com/office/mac/drawingml/2011/main" val="1"/>
+              <ma14:wrappingTextBoxFlag xmlns:ma14="http://schemas.microsoft.com/office/mac/drawingml/2011/main" xmlns:a14="http://schemas.microsoft.com/office/drawing/2010/main" xmlns:m="http://schemas.openxmlformats.org/officeDocument/2006/math" xmlns="" val="1"/>
             </a:ext>
           </a:extLst>
         </p:spPr>
@@ -14274,7 +14305,7 @@
           </a:ln>
           <a:extLst>
             <a:ext uri="{C572A759-6A51-4108-AA02-DFA0A04FC94B}">
-              <ma14:wrappingTextBoxFlag xmlns="" xmlns:m="http://schemas.openxmlformats.org/officeDocument/2006/math" xmlns:a14="http://schemas.microsoft.com/office/drawing/2010/main" xmlns:ma14="http://schemas.microsoft.com/office/mac/drawingml/2011/main" val="1"/>
+              <ma14:wrappingTextBoxFlag xmlns:ma14="http://schemas.microsoft.com/office/mac/drawingml/2011/main" xmlns:a14="http://schemas.microsoft.com/office/drawing/2010/main" xmlns:m="http://schemas.openxmlformats.org/officeDocument/2006/math" xmlns="" val="1"/>
             </a:ext>
           </a:extLst>
         </p:spPr>
@@ -14327,6 +14358,14 @@
 <file path=ppt/slides/slide63.xml><?xml version="1.0" encoding="utf-8"?>
 <p:sld xmlns:a="http://schemas.openxmlformats.org/drawingml/2006/main" xmlns:r="http://schemas.openxmlformats.org/officeDocument/2006/relationships" xmlns:p="http://schemas.openxmlformats.org/presentationml/2006/main">
   <p:cSld>
+    <p:bg>
+      <p:bgPr>
+        <a:solidFill>
+          <a:srgbClr val="404CFA"/>
+        </a:solidFill>
+        <a:effectLst/>
+      </p:bgPr>
+    </p:bg>
     <p:spTree>
       <p:nvGrpSpPr>
         <p:cNvPr id="1" name=""/>
@@ -14343,14 +14382,14 @@
       </p:grpSpPr>
       <p:sp>
         <p:nvSpPr>
-          <p:cNvPr id="76" name="Title goes here"/>
+          <p:cNvPr id="72" name="Section title"/>
           <p:cNvSpPr txBox="1"/>
           <p:nvPr/>
         </p:nvSpPr>
         <p:spPr>
           <a:xfrm>
-            <a:off x="2572664" y="2699493"/>
-            <a:ext cx="6421630" cy="1087477"/>
+            <a:off x="4492795" y="5821818"/>
+            <a:ext cx="15398446" cy="2072362"/>
           </a:xfrm>
           <a:prstGeom prst="rect">
             <a:avLst/>
@@ -14360,7 +14399,7 @@
           </a:ln>
           <a:extLst>
             <a:ext uri="{C572A759-6A51-4108-AA02-DFA0A04FC94B}">
-              <ma14:wrappingTextBoxFlag xmlns="" xmlns:m="http://schemas.openxmlformats.org/officeDocument/2006/math" xmlns:a14="http://schemas.microsoft.com/office/drawing/2010/main" xmlns:ma14="http://schemas.microsoft.com/office/mac/drawingml/2011/main" val="1"/>
+              <ma14:wrappingTextBoxFlag xmlns:ma14="http://schemas.microsoft.com/office/mac/drawingml/2011/main" xmlns:a14="http://schemas.microsoft.com/office/drawing/2010/main" xmlns:m="http://schemas.openxmlformats.org/officeDocument/2006/math" xmlns="" val="1"/>
             </a:ext>
           </a:extLst>
         </p:spPr>
@@ -14369,8 +14408,11 @@
             <a:spAutoFit/>
           </a:bodyPr>
           <a:lstStyle>
-            <a:lvl1pPr algn="l">
-              <a:defRPr sz="6400" b="1">
+            <a:lvl1pPr>
+              <a:defRPr sz="12800" b="1">
+                <a:solidFill>
+                  <a:srgbClr val="FFFFFF"/>
+                </a:solidFill>
                 <a:latin typeface="+mj-lt"/>
                 <a:ea typeface="+mj-ea"/>
                 <a:cs typeface="+mj-cs"/>
@@ -14381,88 +14423,16 @@
           <a:p>
             <a:r>
               <a:rPr lang="en-US" dirty="0"/>
-              <a:t>13. Arrays: map</a:t>
-            </a:r>
-          </a:p>
-        </p:txBody>
-      </p:sp>
-      <p:sp>
-        <p:nvSpPr>
-          <p:cNvPr id="78" name="Line"/>
-          <p:cNvSpPr/>
-          <p:nvPr/>
-        </p:nvSpPr>
-        <p:spPr>
-          <a:xfrm>
-            <a:off x="2641600" y="1846231"/>
-            <a:ext cx="1516409" cy="1"/>
-          </a:xfrm>
-          <a:prstGeom prst="line">
-            <a:avLst/>
-          </a:prstGeom>
-          <a:ln w="203200">
-            <a:solidFill>
-              <a:srgbClr val="FF3454"/>
-            </a:solidFill>
-            <a:miter lim="400000"/>
-          </a:ln>
-        </p:spPr>
-        <p:txBody>
-          <a:bodyPr lIns="50800" tIns="50800" rIns="50800" bIns="50800" anchor="ctr"/>
-          <a:lstStyle/>
-          <a:p>
-            <a:pPr algn="l">
-              <a:defRPr sz="2800">
-                <a:latin typeface="+mj-lt"/>
-                <a:ea typeface="+mj-ea"/>
-                <a:cs typeface="+mj-cs"/>
-                <a:sym typeface="Avenir Next"/>
-              </a:defRPr>
-            </a:pPr>
-            <a:endParaRPr/>
-          </a:p>
-        </p:txBody>
-      </p:sp>
-      <p:pic>
-        <p:nvPicPr>
-          <p:cNvPr id="3" name="Picture 2" descr="A screenshot of a computer screen&#10;&#10;Description automatically generated">
-            <a:extLst>
-              <a:ext uri="{FF2B5EF4-FFF2-40B4-BE49-F238E27FC236}">
-                <a16:creationId xmlns:a16="http://schemas.microsoft.com/office/drawing/2014/main" id="{2FC9C661-5CF5-1F45-BE51-10BCC416DCBC}"/>
-              </a:ext>
-            </a:extLst>
-          </p:cNvPr>
-          <p:cNvPicPr>
-            <a:picLocks noChangeAspect="1"/>
-          </p:cNvPicPr>
-          <p:nvPr/>
-        </p:nvPicPr>
-        <p:blipFill>
-          <a:blip r:embed="rId2">
-            <a:extLst>
-              <a:ext uri="{28A0092B-C50C-407E-A947-70E740481C1C}">
-                <a14:useLocalDpi xmlns:a14="http://schemas.microsoft.com/office/drawing/2010/main" val="0"/>
-              </a:ext>
-            </a:extLst>
-          </a:blip>
-          <a:stretch>
-            <a:fillRect/>
-          </a:stretch>
-        </p:blipFill>
-        <p:spPr>
-          <a:xfrm>
-            <a:off x="2301394" y="3786969"/>
-            <a:ext cx="11770206" cy="9693111"/>
-          </a:xfrm>
-          <a:prstGeom prst="rect">
-            <a:avLst/>
-          </a:prstGeom>
-        </p:spPr>
-      </p:pic>
+              <a:t>JS and the browser</a:t>
+            </a:r>
+            <a:endParaRPr dirty="0"/>
+          </a:p>
+        </p:txBody>
+      </p:sp>
     </p:spTree>
     <p:extLst>
       <p:ext uri="{BB962C8B-B14F-4D97-AF65-F5344CB8AC3E}">
-        <p14:creationId xmlns:p14="http://schemas.microsoft.com/office/powerpoint/2010/main" val="1872409777"/>
+        <p14:creationId xmlns:p14="http://schemas.microsoft.com/office/powerpoint/2010/main" val="2398421426"/>
       </p:ext>
     </p:extLst>
   </p:cSld>
@@ -14499,7 +14469,7 @@
         <p:spPr>
           <a:xfrm>
             <a:off x="2572664" y="2699493"/>
-            <a:ext cx="6565900" cy="1087477"/>
+            <a:ext cx="15454552" cy="1087477"/>
           </a:xfrm>
           <a:prstGeom prst="rect">
             <a:avLst/>
@@ -14509,7 +14479,7 @@
           </a:ln>
           <a:extLst>
             <a:ext uri="{C572A759-6A51-4108-AA02-DFA0A04FC94B}">
-              <ma14:wrappingTextBoxFlag xmlns="" xmlns:m="http://schemas.openxmlformats.org/officeDocument/2006/math" xmlns:a14="http://schemas.microsoft.com/office/drawing/2010/main" xmlns:ma14="http://schemas.microsoft.com/office/mac/drawingml/2011/main" val="1"/>
+              <ma14:wrappingTextBoxFlag xmlns:ma14="http://schemas.microsoft.com/office/mac/drawingml/2011/main" xmlns:a14="http://schemas.microsoft.com/office/drawing/2010/main" xmlns:m="http://schemas.openxmlformats.org/officeDocument/2006/math" xmlns="" val="1"/>
             </a:ext>
           </a:extLst>
         </p:spPr>
@@ -14530,7 +14500,7 @@
           <a:p>
             <a:r>
               <a:rPr lang="en-US" dirty="0"/>
-              <a:t>13. Arrays: filter</a:t>
+              <a:t>13. Adding a script to a website: inline</a:t>
             </a:r>
           </a:p>
         </p:txBody>
@@ -14574,10 +14544,10 @@
       </p:sp>
       <p:pic>
         <p:nvPicPr>
-          <p:cNvPr id="7" name="Picture 6" descr="A screenshot of a computer&#10;&#10;Description automatically generated">
+          <p:cNvPr id="3" name="Picture 2" descr="A close up of a screen&#10;&#10;Description automatically generated">
             <a:extLst>
               <a:ext uri="{FF2B5EF4-FFF2-40B4-BE49-F238E27FC236}">
-                <a16:creationId xmlns:a16="http://schemas.microsoft.com/office/drawing/2014/main" id="{B719B4E5-77EC-FD4F-A756-7AD521D8DF8B}"/>
+                <a16:creationId xmlns:a16="http://schemas.microsoft.com/office/drawing/2014/main" id="{80A17CFF-3D79-6742-826A-4710090B82C8}"/>
               </a:ext>
             </a:extLst>
           </p:cNvPr>
@@ -14600,8 +14570,8 @@
         </p:blipFill>
         <p:spPr>
           <a:xfrm>
-            <a:off x="2255164" y="4137830"/>
-            <a:ext cx="10571836" cy="9084543"/>
+            <a:off x="1644118" y="4052076"/>
+            <a:ext cx="20545322" cy="2955745"/>
           </a:xfrm>
           <a:prstGeom prst="rect">
             <a:avLst/>
@@ -14611,7 +14581,7 @@
     </p:spTree>
     <p:extLst>
       <p:ext uri="{BB962C8B-B14F-4D97-AF65-F5344CB8AC3E}">
-        <p14:creationId xmlns:p14="http://schemas.microsoft.com/office/powerpoint/2010/main" val="4194918780"/>
+        <p14:creationId xmlns:p14="http://schemas.microsoft.com/office/powerpoint/2010/main" val="2587649359"/>
       </p:ext>
     </p:extLst>
   </p:cSld>
@@ -14641,14 +14611,14 @@
       </p:grpSpPr>
       <p:sp>
         <p:nvSpPr>
-          <p:cNvPr id="74" name="Red section title"/>
+          <p:cNvPr id="76" name="Title goes here"/>
           <p:cNvSpPr txBox="1"/>
           <p:nvPr/>
         </p:nvSpPr>
         <p:spPr>
           <a:xfrm>
-            <a:off x="6406784" y="4836933"/>
-            <a:ext cx="11570476" cy="4042132"/>
+            <a:off x="2572664" y="2699493"/>
+            <a:ext cx="16305746" cy="1087477"/>
           </a:xfrm>
           <a:prstGeom prst="rect">
             <a:avLst/>
@@ -14658,7 +14628,7 @@
           </a:ln>
           <a:extLst>
             <a:ext uri="{C572A759-6A51-4108-AA02-DFA0A04FC94B}">
-              <ma14:wrappingTextBoxFlag xmlns="" xmlns:m="http://schemas.openxmlformats.org/officeDocument/2006/math" xmlns:a14="http://schemas.microsoft.com/office/drawing/2010/main" xmlns:ma14="http://schemas.microsoft.com/office/mac/drawingml/2011/main" val="1"/>
+              <ma14:wrappingTextBoxFlag xmlns:ma14="http://schemas.microsoft.com/office/mac/drawingml/2011/main" xmlns:a14="http://schemas.microsoft.com/office/drawing/2010/main" xmlns:m="http://schemas.openxmlformats.org/officeDocument/2006/math" xmlns="" val="1"/>
             </a:ext>
           </a:extLst>
         </p:spPr>
@@ -14667,11 +14637,8 @@
             <a:spAutoFit/>
           </a:bodyPr>
           <a:lstStyle>
-            <a:lvl1pPr>
-              <a:defRPr sz="12800" b="1">
-                <a:solidFill>
-                  <a:srgbClr val="FFFFFF"/>
-                </a:solidFill>
+            <a:lvl1pPr algn="l">
+              <a:defRPr sz="6400" b="1">
                 <a:latin typeface="+mj-lt"/>
                 <a:ea typeface="+mj-ea"/>
                 <a:cs typeface="+mj-cs"/>
@@ -14681,23 +14648,89 @@
           </a:lstStyle>
           <a:p>
             <a:r>
-              <a:rPr lang="lt-LT" dirty="0"/>
-              <a:t>TASK:</a:t>
-            </a:r>
-          </a:p>
-          <a:p>
-            <a:r>
-              <a:rPr lang="lt-LT" dirty="0"/>
-              <a:t>arrays.task2.js</a:t>
-            </a:r>
-            <a:endParaRPr dirty="0"/>
-          </a:p>
-        </p:txBody>
-      </p:sp>
+              <a:rPr lang="en-US" dirty="0"/>
+              <a:t>13. Adding a script to a website: internal</a:t>
+            </a:r>
+          </a:p>
+        </p:txBody>
+      </p:sp>
+      <p:sp>
+        <p:nvSpPr>
+          <p:cNvPr id="78" name="Line"/>
+          <p:cNvSpPr/>
+          <p:nvPr/>
+        </p:nvSpPr>
+        <p:spPr>
+          <a:xfrm>
+            <a:off x="2641600" y="1846231"/>
+            <a:ext cx="1516409" cy="1"/>
+          </a:xfrm>
+          <a:prstGeom prst="line">
+            <a:avLst/>
+          </a:prstGeom>
+          <a:ln w="203200">
+            <a:solidFill>
+              <a:srgbClr val="FF3454"/>
+            </a:solidFill>
+            <a:miter lim="400000"/>
+          </a:ln>
+        </p:spPr>
+        <p:txBody>
+          <a:bodyPr lIns="50800" tIns="50800" rIns="50800" bIns="50800" anchor="ctr"/>
+          <a:lstStyle/>
+          <a:p>
+            <a:pPr algn="l">
+              <a:defRPr sz="2800">
+                <a:latin typeface="+mj-lt"/>
+                <a:ea typeface="+mj-ea"/>
+                <a:cs typeface="+mj-cs"/>
+                <a:sym typeface="Avenir Next"/>
+              </a:defRPr>
+            </a:pPr>
+            <a:endParaRPr/>
+          </a:p>
+        </p:txBody>
+      </p:sp>
+      <p:pic>
+        <p:nvPicPr>
+          <p:cNvPr id="4" name="Picture 3" descr="A picture containing food&#10;&#10;Description automatically generated">
+            <a:extLst>
+              <a:ext uri="{FF2B5EF4-FFF2-40B4-BE49-F238E27FC236}">
+                <a16:creationId xmlns:a16="http://schemas.microsoft.com/office/drawing/2014/main" id="{5B416AD4-DC27-D14B-8E07-564457582CF8}"/>
+              </a:ext>
+            </a:extLst>
+          </p:cNvPr>
+          <p:cNvPicPr>
+            <a:picLocks noChangeAspect="1"/>
+          </p:cNvPicPr>
+          <p:nvPr/>
+        </p:nvPicPr>
+        <p:blipFill>
+          <a:blip r:embed="rId2">
+            <a:extLst>
+              <a:ext uri="{28A0092B-C50C-407E-A947-70E740481C1C}">
+                <a14:useLocalDpi xmlns:a14="http://schemas.microsoft.com/office/drawing/2010/main" val="0"/>
+              </a:ext>
+            </a:extLst>
+          </a:blip>
+          <a:stretch>
+            <a:fillRect/>
+          </a:stretch>
+        </p:blipFill>
+        <p:spPr>
+          <a:xfrm>
+            <a:off x="1688744" y="4361094"/>
+            <a:ext cx="16074968" cy="4993811"/>
+          </a:xfrm>
+          <a:prstGeom prst="rect">
+            <a:avLst/>
+          </a:prstGeom>
+        </p:spPr>
+      </p:pic>
     </p:spTree>
     <p:extLst>
       <p:ext uri="{BB962C8B-B14F-4D97-AF65-F5344CB8AC3E}">
-        <p14:creationId xmlns:p14="http://schemas.microsoft.com/office/powerpoint/2010/main" val="1135073881"/>
+        <p14:creationId xmlns:p14="http://schemas.microsoft.com/office/powerpoint/2010/main" val="1974777588"/>
       </p:ext>
     </p:extLst>
   </p:cSld>
@@ -14711,14 +14744,6 @@
 <file path=ppt/slides/slide66.xml><?xml version="1.0" encoding="utf-8"?>
 <p:sld xmlns:a="http://schemas.openxmlformats.org/drawingml/2006/main" xmlns:r="http://schemas.openxmlformats.org/officeDocument/2006/relationships" xmlns:p="http://schemas.openxmlformats.org/presentationml/2006/main">
   <p:cSld>
-    <p:bg>
-      <p:bgPr>
-        <a:solidFill>
-          <a:srgbClr val="404CFA"/>
-        </a:solidFill>
-        <a:effectLst/>
-      </p:bgPr>
-    </p:bg>
     <p:spTree>
       <p:nvGrpSpPr>
         <p:cNvPr id="1" name=""/>
@@ -14735,14 +14760,14 @@
       </p:grpSpPr>
       <p:sp>
         <p:nvSpPr>
-          <p:cNvPr id="72" name="Section title"/>
+          <p:cNvPr id="76" name="Title goes here"/>
           <p:cNvSpPr txBox="1"/>
           <p:nvPr/>
         </p:nvSpPr>
         <p:spPr>
           <a:xfrm>
-            <a:off x="4492795" y="5821818"/>
-            <a:ext cx="15398446" cy="2072362"/>
+            <a:off x="2572664" y="2699493"/>
+            <a:ext cx="16533372" cy="1087477"/>
           </a:xfrm>
           <a:prstGeom prst="rect">
             <a:avLst/>
@@ -14752,7 +14777,7 @@
           </a:ln>
           <a:extLst>
             <a:ext uri="{C572A759-6A51-4108-AA02-DFA0A04FC94B}">
-              <ma14:wrappingTextBoxFlag xmlns="" xmlns:m="http://schemas.openxmlformats.org/officeDocument/2006/math" xmlns:a14="http://schemas.microsoft.com/office/drawing/2010/main" xmlns:ma14="http://schemas.microsoft.com/office/mac/drawingml/2011/main" val="1"/>
+              <ma14:wrappingTextBoxFlag xmlns:ma14="http://schemas.microsoft.com/office/mac/drawingml/2011/main" xmlns:a14="http://schemas.microsoft.com/office/drawing/2010/main" xmlns:m="http://schemas.openxmlformats.org/officeDocument/2006/math" xmlns="" val="1"/>
             </a:ext>
           </a:extLst>
         </p:spPr>
@@ -14761,11 +14786,8 @@
             <a:spAutoFit/>
           </a:bodyPr>
           <a:lstStyle>
-            <a:lvl1pPr>
-              <a:defRPr sz="12800" b="1">
-                <a:solidFill>
-                  <a:srgbClr val="FFFFFF"/>
-                </a:solidFill>
+            <a:lvl1pPr algn="l">
+              <a:defRPr sz="6400" b="1">
                 <a:latin typeface="+mj-lt"/>
                 <a:ea typeface="+mj-ea"/>
                 <a:cs typeface="+mj-cs"/>
@@ -14776,16 +14798,88 @@
           <a:p>
             <a:r>
               <a:rPr lang="en-US" dirty="0"/>
-              <a:t>JS and the browser</a:t>
-            </a:r>
-            <a:endParaRPr dirty="0"/>
-          </a:p>
-        </p:txBody>
-      </p:sp>
+              <a:t>13. Adding a script to a website: external</a:t>
+            </a:r>
+          </a:p>
+        </p:txBody>
+      </p:sp>
+      <p:sp>
+        <p:nvSpPr>
+          <p:cNvPr id="78" name="Line"/>
+          <p:cNvSpPr/>
+          <p:nvPr/>
+        </p:nvSpPr>
+        <p:spPr>
+          <a:xfrm>
+            <a:off x="2641600" y="1846231"/>
+            <a:ext cx="1516409" cy="1"/>
+          </a:xfrm>
+          <a:prstGeom prst="line">
+            <a:avLst/>
+          </a:prstGeom>
+          <a:ln w="203200">
+            <a:solidFill>
+              <a:srgbClr val="FF3454"/>
+            </a:solidFill>
+            <a:miter lim="400000"/>
+          </a:ln>
+        </p:spPr>
+        <p:txBody>
+          <a:bodyPr lIns="50800" tIns="50800" rIns="50800" bIns="50800" anchor="ctr"/>
+          <a:lstStyle/>
+          <a:p>
+            <a:pPr algn="l">
+              <a:defRPr sz="2800">
+                <a:latin typeface="+mj-lt"/>
+                <a:ea typeface="+mj-ea"/>
+                <a:cs typeface="+mj-cs"/>
+                <a:sym typeface="Avenir Next"/>
+              </a:defRPr>
+            </a:pPr>
+            <a:endParaRPr/>
+          </a:p>
+        </p:txBody>
+      </p:sp>
+      <p:pic>
+        <p:nvPicPr>
+          <p:cNvPr id="3" name="Picture 2" descr="A close up of a screen&#10;&#10;Description automatically generated">
+            <a:extLst>
+              <a:ext uri="{FF2B5EF4-FFF2-40B4-BE49-F238E27FC236}">
+                <a16:creationId xmlns:a16="http://schemas.microsoft.com/office/drawing/2014/main" id="{A3D0EEB2-AAD5-2E40-9EC3-AA82F40E7762}"/>
+              </a:ext>
+            </a:extLst>
+          </p:cNvPr>
+          <p:cNvPicPr>
+            <a:picLocks noChangeAspect="1"/>
+          </p:cNvPicPr>
+          <p:nvPr/>
+        </p:nvPicPr>
+        <p:blipFill>
+          <a:blip r:embed="rId2">
+            <a:extLst>
+              <a:ext uri="{28A0092B-C50C-407E-A947-70E740481C1C}">
+                <a14:useLocalDpi xmlns:a14="http://schemas.microsoft.com/office/drawing/2010/main" val="0"/>
+              </a:ext>
+            </a:extLst>
+          </a:blip>
+          <a:stretch>
+            <a:fillRect/>
+          </a:stretch>
+        </p:blipFill>
+        <p:spPr>
+          <a:xfrm>
+            <a:off x="1963064" y="4640231"/>
+            <a:ext cx="13014900" cy="3010249"/>
+          </a:xfrm>
+          <a:prstGeom prst="rect">
+            <a:avLst/>
+          </a:prstGeom>
+        </p:spPr>
+      </p:pic>
     </p:spTree>
     <p:extLst>
       <p:ext uri="{BB962C8B-B14F-4D97-AF65-F5344CB8AC3E}">
-        <p14:creationId xmlns:p14="http://schemas.microsoft.com/office/powerpoint/2010/main" val="2398421426"/>
+        <p14:creationId xmlns:p14="http://schemas.microsoft.com/office/powerpoint/2010/main" val="1916686671"/>
       </p:ext>
     </p:extLst>
   </p:cSld>
@@ -14815,14 +14909,14 @@
       </p:grpSpPr>
       <p:sp>
         <p:nvSpPr>
-          <p:cNvPr id="76" name="Title goes here"/>
+          <p:cNvPr id="74" name="Red section title"/>
           <p:cNvSpPr txBox="1"/>
           <p:nvPr/>
         </p:nvSpPr>
         <p:spPr>
           <a:xfrm>
-            <a:off x="2572664" y="2699493"/>
-            <a:ext cx="15454552" cy="1087477"/>
+            <a:off x="6785891" y="4836933"/>
+            <a:ext cx="10812255" cy="4042132"/>
           </a:xfrm>
           <a:prstGeom prst="rect">
             <a:avLst/>
@@ -14832,7 +14926,7 @@
           </a:ln>
           <a:extLst>
             <a:ext uri="{C572A759-6A51-4108-AA02-DFA0A04FC94B}">
-              <ma14:wrappingTextBoxFlag xmlns="" xmlns:m="http://schemas.openxmlformats.org/officeDocument/2006/math" xmlns:a14="http://schemas.microsoft.com/office/drawing/2010/main" xmlns:ma14="http://schemas.microsoft.com/office/mac/drawingml/2011/main" val="1"/>
+              <ma14:wrappingTextBoxFlag xmlns:ma14="http://schemas.microsoft.com/office/mac/drawingml/2011/main" xmlns:a14="http://schemas.microsoft.com/office/drawing/2010/main" xmlns:m="http://schemas.openxmlformats.org/officeDocument/2006/math" xmlns="" val="1"/>
             </a:ext>
           </a:extLst>
         </p:spPr>
@@ -14841,8 +14935,11 @@
             <a:spAutoFit/>
           </a:bodyPr>
           <a:lstStyle>
-            <a:lvl1pPr algn="l">
-              <a:defRPr sz="6400" b="1">
+            <a:lvl1pPr>
+              <a:defRPr sz="12800" b="1">
+                <a:solidFill>
+                  <a:srgbClr val="FFFFFF"/>
+                </a:solidFill>
                 <a:latin typeface="+mj-lt"/>
                 <a:ea typeface="+mj-ea"/>
                 <a:cs typeface="+mj-cs"/>
@@ -14852,89 +14949,22 @@
           </a:lstStyle>
           <a:p>
             <a:r>
-              <a:rPr lang="en-US" dirty="0"/>
-              <a:t>13. Adding a script to a website: inline</a:t>
-            </a:r>
-          </a:p>
-        </p:txBody>
-      </p:sp>
-      <p:sp>
-        <p:nvSpPr>
-          <p:cNvPr id="78" name="Line"/>
-          <p:cNvSpPr/>
-          <p:nvPr/>
-        </p:nvSpPr>
-        <p:spPr>
-          <a:xfrm>
-            <a:off x="2641600" y="1846231"/>
-            <a:ext cx="1516409" cy="1"/>
-          </a:xfrm>
-          <a:prstGeom prst="line">
-            <a:avLst/>
-          </a:prstGeom>
-          <a:ln w="203200">
-            <a:solidFill>
-              <a:srgbClr val="FF3454"/>
-            </a:solidFill>
-            <a:miter lim="400000"/>
-          </a:ln>
-        </p:spPr>
-        <p:txBody>
-          <a:bodyPr lIns="50800" tIns="50800" rIns="50800" bIns="50800" anchor="ctr"/>
-          <a:lstStyle/>
-          <a:p>
-            <a:pPr algn="l">
-              <a:defRPr sz="2800">
-                <a:latin typeface="+mj-lt"/>
-                <a:ea typeface="+mj-ea"/>
-                <a:cs typeface="+mj-cs"/>
-                <a:sym typeface="Avenir Next"/>
-              </a:defRPr>
-            </a:pPr>
-            <a:endParaRPr/>
-          </a:p>
-        </p:txBody>
-      </p:sp>
-      <p:pic>
-        <p:nvPicPr>
-          <p:cNvPr id="3" name="Picture 2" descr="A close up of a screen&#10;&#10;Description automatically generated">
-            <a:extLst>
-              <a:ext uri="{FF2B5EF4-FFF2-40B4-BE49-F238E27FC236}">
-                <a16:creationId xmlns:a16="http://schemas.microsoft.com/office/drawing/2014/main" id="{80A17CFF-3D79-6742-826A-4710090B82C8}"/>
-              </a:ext>
-            </a:extLst>
-          </p:cNvPr>
-          <p:cNvPicPr>
-            <a:picLocks noChangeAspect="1"/>
-          </p:cNvPicPr>
-          <p:nvPr/>
-        </p:nvPicPr>
-        <p:blipFill>
-          <a:blip r:embed="rId2">
-            <a:extLst>
-              <a:ext uri="{28A0092B-C50C-407E-A947-70E740481C1C}">
-                <a14:useLocalDpi xmlns:a14="http://schemas.microsoft.com/office/drawing/2010/main" val="0"/>
-              </a:ext>
-            </a:extLst>
-          </a:blip>
-          <a:stretch>
-            <a:fillRect/>
-          </a:stretch>
-        </p:blipFill>
-        <p:spPr>
-          <a:xfrm>
-            <a:off x="1644118" y="4052076"/>
-            <a:ext cx="20545322" cy="2955745"/>
-          </a:xfrm>
-          <a:prstGeom prst="rect">
-            <a:avLst/>
-          </a:prstGeom>
-        </p:spPr>
-      </p:pic>
+              <a:rPr lang="lt-LT" dirty="0"/>
+              <a:t>TASK: </a:t>
+            </a:r>
+          </a:p>
+          <a:p>
+            <a:r>
+              <a:rPr lang="lt-LT" dirty="0"/>
+              <a:t>13-add-script</a:t>
+            </a:r>
+          </a:p>
+        </p:txBody>
+      </p:sp>
     </p:spTree>
     <p:extLst>
       <p:ext uri="{BB962C8B-B14F-4D97-AF65-F5344CB8AC3E}">
-        <p14:creationId xmlns:p14="http://schemas.microsoft.com/office/powerpoint/2010/main" val="2587649359"/>
+        <p14:creationId xmlns:p14="http://schemas.microsoft.com/office/powerpoint/2010/main" val="4136761610"/>
       </p:ext>
     </p:extLst>
   </p:cSld>
@@ -14971,7 +15001,7 @@
         <p:spPr>
           <a:xfrm>
             <a:off x="2572664" y="2699493"/>
-            <a:ext cx="16305746" cy="1087477"/>
+            <a:ext cx="3733394" cy="1087477"/>
           </a:xfrm>
           <a:prstGeom prst="rect">
             <a:avLst/>
@@ -14981,7 +15011,7 @@
           </a:ln>
           <a:extLst>
             <a:ext uri="{C572A759-6A51-4108-AA02-DFA0A04FC94B}">
-              <ma14:wrappingTextBoxFlag xmlns="" xmlns:m="http://schemas.openxmlformats.org/officeDocument/2006/math" xmlns:a14="http://schemas.microsoft.com/office/drawing/2010/main" xmlns:ma14="http://schemas.microsoft.com/office/mac/drawingml/2011/main" val="1"/>
+              <ma14:wrappingTextBoxFlag xmlns:ma14="http://schemas.microsoft.com/office/mac/drawingml/2011/main" xmlns:a14="http://schemas.microsoft.com/office/drawing/2010/main" xmlns:m="http://schemas.openxmlformats.org/officeDocument/2006/math" xmlns="" val="1"/>
             </a:ext>
           </a:extLst>
         </p:spPr>
@@ -15002,7 +15032,7 @@
           <a:p>
             <a:r>
               <a:rPr lang="en-US" dirty="0"/>
-              <a:t>13. Adding a script to a website: internal</a:t>
+              <a:t>14. DOM</a:t>
             </a:r>
           </a:p>
         </p:txBody>
@@ -15044,46 +15074,140 @@
           </a:p>
         </p:txBody>
       </p:sp>
-      <p:pic>
-        <p:nvPicPr>
-          <p:cNvPr id="4" name="Picture 3" descr="A picture containing food&#10;&#10;Description automatically generated">
+      <p:sp>
+        <p:nvSpPr>
+          <p:cNvPr id="5" name="Build products that are fast, effortless to use, and aesthetically pleasing. Make things meaningful and worthy of your time.…">
             <a:extLst>
               <a:ext uri="{FF2B5EF4-FFF2-40B4-BE49-F238E27FC236}">
-                <a16:creationId xmlns:a16="http://schemas.microsoft.com/office/drawing/2014/main" id="{5B416AD4-DC27-D14B-8E07-564457582CF8}"/>
+                <a16:creationId xmlns:a16="http://schemas.microsoft.com/office/drawing/2014/main" id="{7CB97C34-33FE-814D-8C51-742D4404DD26}"/>
               </a:ext>
             </a:extLst>
           </p:cNvPr>
-          <p:cNvPicPr>
-            <a:picLocks noChangeAspect="1"/>
-          </p:cNvPicPr>
-          <p:nvPr/>
-        </p:nvPicPr>
-        <p:blipFill>
-          <a:blip r:embed="rId2">
-            <a:extLst>
-              <a:ext uri="{28A0092B-C50C-407E-A947-70E740481C1C}">
-                <a14:useLocalDpi xmlns:a14="http://schemas.microsoft.com/office/drawing/2010/main" val="0"/>
-              </a:ext>
-            </a:extLst>
-          </a:blip>
-          <a:stretch>
-            <a:fillRect/>
-          </a:stretch>
-        </p:blipFill>
-        <p:spPr>
-          <a:xfrm>
-            <a:off x="1688744" y="4361094"/>
-            <a:ext cx="16074968" cy="4993811"/>
-          </a:xfrm>
-          <a:prstGeom prst="rect">
-            <a:avLst/>
-          </a:prstGeom>
-        </p:spPr>
-      </p:pic>
+          <p:cNvSpPr txBox="1"/>
+          <p:nvPr/>
+        </p:nvSpPr>
+        <p:spPr>
+          <a:xfrm>
+            <a:off x="2641600" y="4363371"/>
+            <a:ext cx="19179617" cy="3899786"/>
+          </a:xfrm>
+          <a:prstGeom prst="rect">
+            <a:avLst/>
+          </a:prstGeom>
+          <a:ln w="12700">
+            <a:miter lim="400000"/>
+          </a:ln>
+          <a:extLst>
+            <a:ext uri="{C572A759-6A51-4108-AA02-DFA0A04FC94B}">
+              <ma14:wrappingTextBoxFlag xmlns:ma14="http://schemas.microsoft.com/office/mac/drawingml/2011/main" xmlns:a14="http://schemas.microsoft.com/office/drawing/2010/main" xmlns:m="http://schemas.openxmlformats.org/officeDocument/2006/math" xmlns="" val="1"/>
+            </a:ext>
+          </a:extLst>
+        </p:spPr>
+        <p:txBody>
+          <a:bodyPr wrap="square" lIns="50800" tIns="50800" rIns="50800" bIns="50800">
+            <a:spAutoFit/>
+          </a:bodyPr>
+          <a:lstStyle/>
+          <a:p>
+            <a:pPr marL="571500" indent="-571500" algn="l">
+              <a:lnSpc>
+                <a:spcPct val="150000"/>
+              </a:lnSpc>
+              <a:buFont typeface="Arial" panose="020B0604020202020204" pitchFamily="34" charset="0"/>
+              <a:buChar char="•"/>
+              <a:defRPr sz="4200">
+                <a:latin typeface="+mj-lt"/>
+                <a:ea typeface="+mj-ea"/>
+                <a:cs typeface="+mj-cs"/>
+                <a:sym typeface="Avenir Next"/>
+              </a:defRPr>
+            </a:pPr>
+            <a:r>
+              <a:rPr lang="en-US" dirty="0">
+                <a:sym typeface="Avenir Next"/>
+              </a:rPr>
+              <a:t>Document Object Model</a:t>
+            </a:r>
+          </a:p>
+          <a:p>
+            <a:pPr marL="571500" indent="-571500" algn="l">
+              <a:lnSpc>
+                <a:spcPct val="150000"/>
+              </a:lnSpc>
+              <a:buFont typeface="Arial" panose="020B0604020202020204" pitchFamily="34" charset="0"/>
+              <a:buChar char="•"/>
+              <a:defRPr sz="4200">
+                <a:latin typeface="+mj-lt"/>
+                <a:ea typeface="+mj-ea"/>
+                <a:cs typeface="+mj-cs"/>
+                <a:sym typeface="Avenir Next"/>
+              </a:defRPr>
+            </a:pPr>
+            <a:r>
+              <a:rPr lang="en-US" dirty="0">
+                <a:sym typeface="Avenir Next"/>
+              </a:rPr>
+              <a:t>Page contents as objects that can be modified</a:t>
+            </a:r>
+          </a:p>
+          <a:p>
+            <a:pPr marL="571500" indent="-571500" algn="l">
+              <a:lnSpc>
+                <a:spcPct val="150000"/>
+              </a:lnSpc>
+              <a:buFont typeface="Arial" panose="020B0604020202020204" pitchFamily="34" charset="0"/>
+              <a:buChar char="•"/>
+              <a:defRPr sz="4200">
+                <a:latin typeface="+mj-lt"/>
+                <a:ea typeface="+mj-ea"/>
+                <a:cs typeface="+mj-cs"/>
+                <a:sym typeface="Avenir Next"/>
+              </a:defRPr>
+            </a:pPr>
+            <a:r>
+              <a:rPr lang="en-US" dirty="0">
+                <a:sym typeface="Avenir Next"/>
+              </a:rPr>
+              <a:t>DOM specification </a:t>
+            </a:r>
+            <a:r>
+              <a:rPr lang="en-US" sz="4200" dirty="0">
+                <a:sym typeface="Avenir Next"/>
+                <a:hlinkClick r:id="rId2"/>
+              </a:rPr>
+              <a:t>https://dom.spec.whatwg.org/</a:t>
+            </a:r>
+            <a:endParaRPr lang="en-US" sz="4200" dirty="0">
+              <a:sym typeface="Avenir Next"/>
+            </a:endParaRPr>
+          </a:p>
+          <a:p>
+            <a:pPr marL="571500" indent="-571500" algn="l">
+              <a:lnSpc>
+                <a:spcPct val="150000"/>
+              </a:lnSpc>
+              <a:buFont typeface="Arial" panose="020B0604020202020204" pitchFamily="34" charset="0"/>
+              <a:buChar char="•"/>
+              <a:defRPr sz="4200">
+                <a:latin typeface="+mj-lt"/>
+                <a:ea typeface="+mj-ea"/>
+                <a:cs typeface="+mj-cs"/>
+                <a:sym typeface="Avenir Next"/>
+              </a:defRPr>
+            </a:pPr>
+            <a:r>
+              <a:rPr lang="en-US" dirty="0">
+                <a:sym typeface="Avenir Next"/>
+              </a:rPr>
+              <a:t>DOM is not only for the browser</a:t>
+            </a:r>
+          </a:p>
+        </p:txBody>
+      </p:sp>
     </p:spTree>
     <p:extLst>
       <p:ext uri="{BB962C8B-B14F-4D97-AF65-F5344CB8AC3E}">
-        <p14:creationId xmlns:p14="http://schemas.microsoft.com/office/powerpoint/2010/main" val="1974777588"/>
+        <p14:creationId xmlns:p14="http://schemas.microsoft.com/office/powerpoint/2010/main" val="3036108895"/>
       </p:ext>
     </p:extLst>
   </p:cSld>
@@ -15120,7 +15244,7 @@
         <p:spPr>
           <a:xfrm>
             <a:off x="2572664" y="2699493"/>
-            <a:ext cx="16533372" cy="1087477"/>
+            <a:ext cx="7688002" cy="1087477"/>
           </a:xfrm>
           <a:prstGeom prst="rect">
             <a:avLst/>
@@ -15130,7 +15254,7 @@
           </a:ln>
           <a:extLst>
             <a:ext uri="{C572A759-6A51-4108-AA02-DFA0A04FC94B}">
-              <ma14:wrappingTextBoxFlag xmlns="" xmlns:m="http://schemas.openxmlformats.org/officeDocument/2006/math" xmlns:a14="http://schemas.microsoft.com/office/drawing/2010/main" xmlns:ma14="http://schemas.microsoft.com/office/mac/drawingml/2011/main" val="1"/>
+              <ma14:wrappingTextBoxFlag xmlns:ma14="http://schemas.microsoft.com/office/mac/drawingml/2011/main" xmlns:a14="http://schemas.microsoft.com/office/drawing/2010/main" xmlns:m="http://schemas.openxmlformats.org/officeDocument/2006/math" xmlns="" val="1"/>
             </a:ext>
           </a:extLst>
         </p:spPr>
@@ -15151,7 +15275,7 @@
           <a:p>
             <a:r>
               <a:rPr lang="en-US" dirty="0"/>
-              <a:t>13. Adding a script to a website: external</a:t>
+              <a:t>14. DOM: navigate</a:t>
             </a:r>
           </a:p>
         </p:txBody>
@@ -15193,12 +15317,121 @@
           </a:p>
         </p:txBody>
       </p:sp>
+      <p:sp>
+        <p:nvSpPr>
+          <p:cNvPr id="5" name="Build products that are fast, effortless to use, and aesthetically pleasing. Make things meaningful and worthy of your time.…">
+            <a:extLst>
+              <a:ext uri="{FF2B5EF4-FFF2-40B4-BE49-F238E27FC236}">
+                <a16:creationId xmlns:a16="http://schemas.microsoft.com/office/drawing/2014/main" id="{7CB97C34-33FE-814D-8C51-742D4404DD26}"/>
+              </a:ext>
+            </a:extLst>
+          </p:cNvPr>
+          <p:cNvSpPr txBox="1"/>
+          <p:nvPr/>
+        </p:nvSpPr>
+        <p:spPr>
+          <a:xfrm>
+            <a:off x="2641600" y="4363371"/>
+            <a:ext cx="19179617" cy="991297"/>
+          </a:xfrm>
+          <a:prstGeom prst="rect">
+            <a:avLst/>
+          </a:prstGeom>
+          <a:ln w="12700">
+            <a:miter lim="400000"/>
+          </a:ln>
+          <a:extLst>
+            <a:ext uri="{C572A759-6A51-4108-AA02-DFA0A04FC94B}">
+              <ma14:wrappingTextBoxFlag xmlns:ma14="http://schemas.microsoft.com/office/mac/drawingml/2011/main" xmlns:a14="http://schemas.microsoft.com/office/drawing/2010/main" xmlns:m="http://schemas.openxmlformats.org/officeDocument/2006/math" xmlns="" val="1"/>
+            </a:ext>
+          </a:extLst>
+        </p:spPr>
+        <p:txBody>
+          <a:bodyPr wrap="square" lIns="50800" tIns="50800" rIns="50800" bIns="50800">
+            <a:spAutoFit/>
+          </a:bodyPr>
+          <a:lstStyle/>
+          <a:p>
+            <a:pPr marL="571500" indent="-571500" algn="l">
+              <a:lnSpc>
+                <a:spcPct val="150000"/>
+              </a:lnSpc>
+              <a:buFont typeface="Arial" panose="020B0604020202020204" pitchFamily="34" charset="0"/>
+              <a:buChar char="•"/>
+              <a:defRPr sz="4200">
+                <a:latin typeface="+mj-lt"/>
+                <a:ea typeface="+mj-ea"/>
+                <a:cs typeface="+mj-cs"/>
+                <a:sym typeface="Avenir Next"/>
+              </a:defRPr>
+            </a:pPr>
+            <a:endParaRPr lang="en-US" dirty="0">
+              <a:sym typeface="Avenir Next"/>
+            </a:endParaRPr>
+          </a:p>
+        </p:txBody>
+      </p:sp>
+      <p:sp>
+        <p:nvSpPr>
+          <p:cNvPr id="6" name="Build products that are fast, effortless to use, and aesthetically pleasing. Make things meaningful and worthy of your time.…">
+            <a:extLst>
+              <a:ext uri="{FF2B5EF4-FFF2-40B4-BE49-F238E27FC236}">
+                <a16:creationId xmlns:a16="http://schemas.microsoft.com/office/drawing/2014/main" id="{8A639B89-E474-9B43-9D64-8054DDDB456D}"/>
+              </a:ext>
+            </a:extLst>
+          </p:cNvPr>
+          <p:cNvSpPr txBox="1"/>
+          <p:nvPr/>
+        </p:nvSpPr>
+        <p:spPr>
+          <a:xfrm>
+            <a:off x="2641600" y="4144582"/>
+            <a:ext cx="19179617" cy="991297"/>
+          </a:xfrm>
+          <a:prstGeom prst="rect">
+            <a:avLst/>
+          </a:prstGeom>
+          <a:ln w="12700">
+            <a:miter lim="400000"/>
+          </a:ln>
+          <a:extLst>
+            <a:ext uri="{C572A759-6A51-4108-AA02-DFA0A04FC94B}">
+              <ma14:wrappingTextBoxFlag xmlns:ma14="http://schemas.microsoft.com/office/mac/drawingml/2011/main" xmlns:a14="http://schemas.microsoft.com/office/drawing/2010/main" xmlns:m="http://schemas.openxmlformats.org/officeDocument/2006/math" xmlns="" val="1"/>
+            </a:ext>
+          </a:extLst>
+        </p:spPr>
+        <p:txBody>
+          <a:bodyPr wrap="square" lIns="50800" tIns="50800" rIns="50800" bIns="50800">
+            <a:spAutoFit/>
+          </a:bodyPr>
+          <a:lstStyle/>
+          <a:p>
+            <a:pPr algn="l">
+              <a:lnSpc>
+                <a:spcPct val="150000"/>
+              </a:lnSpc>
+              <a:defRPr sz="4200">
+                <a:latin typeface="+mj-lt"/>
+                <a:ea typeface="+mj-ea"/>
+                <a:cs typeface="+mj-cs"/>
+                <a:sym typeface="Avenir Next"/>
+              </a:defRPr>
+            </a:pPr>
+            <a:r>
+              <a:rPr lang="en-US" dirty="0">
+                <a:sym typeface="Avenir Next"/>
+              </a:rPr>
+              <a:t>Entry point, read text content</a:t>
+            </a:r>
+          </a:p>
+        </p:txBody>
+      </p:sp>
       <p:pic>
         <p:nvPicPr>
-          <p:cNvPr id="3" name="Picture 2" descr="A close up of a screen&#10;&#10;Description automatically generated">
+          <p:cNvPr id="10" name="Picture 9" descr="A picture containing sitting, food, drawing&#10;&#10;Description automatically generated">
             <a:extLst>
               <a:ext uri="{FF2B5EF4-FFF2-40B4-BE49-F238E27FC236}">
-                <a16:creationId xmlns:a16="http://schemas.microsoft.com/office/drawing/2014/main" id="{A3D0EEB2-AAD5-2E40-9EC3-AA82F40E7762}"/>
+                <a16:creationId xmlns:a16="http://schemas.microsoft.com/office/drawing/2014/main" id="{6181E9A8-2181-C240-BA47-8E40A18998ED}"/>
               </a:ext>
             </a:extLst>
           </p:cNvPr>
@@ -15221,8 +15454,8 @@
         </p:blipFill>
         <p:spPr>
           <a:xfrm>
-            <a:off x="1963064" y="4640231"/>
-            <a:ext cx="13014900" cy="3010249"/>
+            <a:off x="2178050" y="5354668"/>
+            <a:ext cx="10928350" cy="2527646"/>
           </a:xfrm>
           <a:prstGeom prst="rect">
             <a:avLst/>
@@ -15232,7 +15465,7 @@
     </p:spTree>
     <p:extLst>
       <p:ext uri="{BB962C8B-B14F-4D97-AF65-F5344CB8AC3E}">
-        <p14:creationId xmlns:p14="http://schemas.microsoft.com/office/powerpoint/2010/main" val="1916686671"/>
+        <p14:creationId xmlns:p14="http://schemas.microsoft.com/office/powerpoint/2010/main" val="892164560"/>
       </p:ext>
     </p:extLst>
   </p:cSld>
@@ -15279,7 +15512,7 @@
           </a:ln>
           <a:extLst>
             <a:ext uri="{C572A759-6A51-4108-AA02-DFA0A04FC94B}">
-              <ma14:wrappingTextBoxFlag xmlns="" xmlns:m="http://schemas.openxmlformats.org/officeDocument/2006/math" xmlns:a14="http://schemas.microsoft.com/office/drawing/2010/main" xmlns:ma14="http://schemas.microsoft.com/office/mac/drawingml/2011/main" val="1"/>
+              <ma14:wrappingTextBoxFlag xmlns:ma14="http://schemas.microsoft.com/office/mac/drawingml/2011/main" xmlns:a14="http://schemas.microsoft.com/office/drawing/2010/main" xmlns:m="http://schemas.openxmlformats.org/officeDocument/2006/math" xmlns="" val="1"/>
             </a:ext>
           </a:extLst>
         </p:spPr>
@@ -15324,7 +15557,7 @@
           </a:ln>
           <a:extLst>
             <a:ext uri="{C572A759-6A51-4108-AA02-DFA0A04FC94B}">
-              <ma14:wrappingTextBoxFlag xmlns="" xmlns:m="http://schemas.openxmlformats.org/officeDocument/2006/math" xmlns:a14="http://schemas.microsoft.com/office/drawing/2010/main" xmlns:ma14="http://schemas.microsoft.com/office/mac/drawingml/2011/main" val="1"/>
+              <ma14:wrappingTextBoxFlag xmlns:ma14="http://schemas.microsoft.com/office/mac/drawingml/2011/main" xmlns:a14="http://schemas.microsoft.com/office/drawing/2010/main" xmlns:m="http://schemas.openxmlformats.org/officeDocument/2006/math" xmlns="" val="1"/>
             </a:ext>
           </a:extLst>
         </p:spPr>
@@ -15393,7 +15626,7 @@
         <p:spPr>
           <a:xfrm>
             <a:off x="2572664" y="4640231"/>
-            <a:ext cx="19179617" cy="779701"/>
+            <a:ext cx="19179617" cy="995144"/>
           </a:xfrm>
           <a:prstGeom prst="rect">
             <a:avLst/>
@@ -15403,7 +15636,7 @@
           </a:ln>
           <a:extLst>
             <a:ext uri="{C572A759-6A51-4108-AA02-DFA0A04FC94B}">
-              <ma14:wrappingTextBoxFlag xmlns="" xmlns:m="http://schemas.openxmlformats.org/officeDocument/2006/math" xmlns:a14="http://schemas.microsoft.com/office/drawing/2010/main" xmlns:ma14="http://schemas.microsoft.com/office/mac/drawingml/2011/main" val="1"/>
+              <ma14:wrappingTextBoxFlag xmlns:ma14="http://schemas.microsoft.com/office/mac/drawingml/2011/main" xmlns:a14="http://schemas.microsoft.com/office/drawing/2010/main" xmlns:m="http://schemas.openxmlformats.org/officeDocument/2006/math" xmlns="" val="1"/>
             </a:ext>
           </a:extLst>
         </p:spPr>
@@ -15422,7 +15655,7 @@
               </a:defRPr>
             </a:pPr>
             <a:r>
-              <a:rPr lang="en-US" sz="4400" dirty="0">
+              <a:rPr lang="en-US" sz="5800" dirty="0">
                 <a:highlight>
                   <a:srgbClr val="C0C0C0"/>
                 </a:highlight>
@@ -15432,7 +15665,7 @@
               <a:t>node path/to/my-</a:t>
             </a:r>
             <a:r>
-              <a:rPr lang="en-US" sz="4400" dirty="0" err="1">
+              <a:rPr lang="en-US" sz="5800" dirty="0" err="1">
                 <a:highlight>
                   <a:srgbClr val="C0C0C0"/>
                 </a:highlight>
@@ -15441,7 +15674,7 @@
               </a:rPr>
               <a:t>script.js</a:t>
             </a:r>
-            <a:endParaRPr lang="en-US" sz="4400" dirty="0">
+            <a:endParaRPr lang="en-US" sz="5800" dirty="0">
               <a:highlight>
                 <a:srgbClr val="C0C0C0"/>
               </a:highlight>
@@ -15484,14 +15717,14 @@
       </p:grpSpPr>
       <p:sp>
         <p:nvSpPr>
-          <p:cNvPr id="74" name="Red section title"/>
+          <p:cNvPr id="76" name="Title goes here"/>
           <p:cNvSpPr txBox="1"/>
           <p:nvPr/>
         </p:nvSpPr>
         <p:spPr>
           <a:xfrm>
-            <a:off x="6785891" y="4836933"/>
-            <a:ext cx="10812255" cy="4042132"/>
+            <a:off x="2572664" y="2699493"/>
+            <a:ext cx="14568091" cy="1087477"/>
           </a:xfrm>
           <a:prstGeom prst="rect">
             <a:avLst/>
@@ -15501,7 +15734,7 @@
           </a:ln>
           <a:extLst>
             <a:ext uri="{C572A759-6A51-4108-AA02-DFA0A04FC94B}">
-              <ma14:wrappingTextBoxFlag xmlns="" xmlns:m="http://schemas.openxmlformats.org/officeDocument/2006/math" xmlns:a14="http://schemas.microsoft.com/office/drawing/2010/main" xmlns:ma14="http://schemas.microsoft.com/office/mac/drawingml/2011/main" val="1"/>
+              <ma14:wrappingTextBoxFlag xmlns:ma14="http://schemas.microsoft.com/office/mac/drawingml/2011/main" xmlns:a14="http://schemas.microsoft.com/office/drawing/2010/main" xmlns:m="http://schemas.openxmlformats.org/officeDocument/2006/math" xmlns="" val="1"/>
             </a:ext>
           </a:extLst>
         </p:spPr>
@@ -15510,11 +15743,8 @@
             <a:spAutoFit/>
           </a:bodyPr>
           <a:lstStyle>
-            <a:lvl1pPr>
-              <a:defRPr sz="12800" b="1">
-                <a:solidFill>
-                  <a:srgbClr val="FFFFFF"/>
-                </a:solidFill>
+            <a:lvl1pPr algn="l">
+              <a:defRPr sz="6400" b="1">
                 <a:latin typeface="+mj-lt"/>
                 <a:ea typeface="+mj-ea"/>
                 <a:cs typeface="+mj-cs"/>
@@ -15524,22 +15754,143 @@
           </a:lstStyle>
           <a:p>
             <a:r>
-              <a:rPr lang="lt-LT" dirty="0"/>
-              <a:t>TASK: </a:t>
-            </a:r>
-          </a:p>
-          <a:p>
-            <a:r>
-              <a:rPr lang="lt-LT" dirty="0"/>
-              <a:t>13-add-script</a:t>
-            </a:r>
-          </a:p>
-        </p:txBody>
-      </p:sp>
+              <a:rPr lang="en-US" dirty="0"/>
+              <a:t>14. DOM: single element navigation</a:t>
+            </a:r>
+          </a:p>
+        </p:txBody>
+      </p:sp>
+      <p:sp>
+        <p:nvSpPr>
+          <p:cNvPr id="78" name="Line"/>
+          <p:cNvSpPr/>
+          <p:nvPr/>
+        </p:nvSpPr>
+        <p:spPr>
+          <a:xfrm>
+            <a:off x="2641600" y="1846231"/>
+            <a:ext cx="1516409" cy="1"/>
+          </a:xfrm>
+          <a:prstGeom prst="line">
+            <a:avLst/>
+          </a:prstGeom>
+          <a:ln w="203200">
+            <a:solidFill>
+              <a:srgbClr val="FF3454"/>
+            </a:solidFill>
+            <a:miter lim="400000"/>
+          </a:ln>
+        </p:spPr>
+        <p:txBody>
+          <a:bodyPr lIns="50800" tIns="50800" rIns="50800" bIns="50800" anchor="ctr"/>
+          <a:lstStyle/>
+          <a:p>
+            <a:pPr algn="l">
+              <a:defRPr sz="2800">
+                <a:latin typeface="+mj-lt"/>
+                <a:ea typeface="+mj-ea"/>
+                <a:cs typeface="+mj-cs"/>
+                <a:sym typeface="Avenir Next"/>
+              </a:defRPr>
+            </a:pPr>
+            <a:endParaRPr/>
+          </a:p>
+        </p:txBody>
+      </p:sp>
+      <p:sp>
+        <p:nvSpPr>
+          <p:cNvPr id="5" name="Build products that are fast, effortless to use, and aesthetically pleasing. Make things meaningful and worthy of your time.…">
+            <a:extLst>
+              <a:ext uri="{FF2B5EF4-FFF2-40B4-BE49-F238E27FC236}">
+                <a16:creationId xmlns:a16="http://schemas.microsoft.com/office/drawing/2014/main" id="{7CB97C34-33FE-814D-8C51-742D4404DD26}"/>
+              </a:ext>
+            </a:extLst>
+          </p:cNvPr>
+          <p:cNvSpPr txBox="1"/>
+          <p:nvPr/>
+        </p:nvSpPr>
+        <p:spPr>
+          <a:xfrm>
+            <a:off x="2641600" y="4363371"/>
+            <a:ext cx="19179617" cy="991297"/>
+          </a:xfrm>
+          <a:prstGeom prst="rect">
+            <a:avLst/>
+          </a:prstGeom>
+          <a:ln w="12700">
+            <a:miter lim="400000"/>
+          </a:ln>
+          <a:extLst>
+            <a:ext uri="{C572A759-6A51-4108-AA02-DFA0A04FC94B}">
+              <ma14:wrappingTextBoxFlag xmlns:ma14="http://schemas.microsoft.com/office/mac/drawingml/2011/main" xmlns:a14="http://schemas.microsoft.com/office/drawing/2010/main" xmlns:m="http://schemas.openxmlformats.org/officeDocument/2006/math" xmlns="" val="1"/>
+            </a:ext>
+          </a:extLst>
+        </p:spPr>
+        <p:txBody>
+          <a:bodyPr wrap="square" lIns="50800" tIns="50800" rIns="50800" bIns="50800">
+            <a:spAutoFit/>
+          </a:bodyPr>
+          <a:lstStyle/>
+          <a:p>
+            <a:pPr marL="571500" indent="-571500" algn="l">
+              <a:lnSpc>
+                <a:spcPct val="150000"/>
+              </a:lnSpc>
+              <a:buFont typeface="Arial" panose="020B0604020202020204" pitchFamily="34" charset="0"/>
+              <a:buChar char="•"/>
+              <a:defRPr sz="4200">
+                <a:latin typeface="+mj-lt"/>
+                <a:ea typeface="+mj-ea"/>
+                <a:cs typeface="+mj-cs"/>
+                <a:sym typeface="Avenir Next"/>
+              </a:defRPr>
+            </a:pPr>
+            <a:endParaRPr lang="en-US" dirty="0">
+              <a:sym typeface="Avenir Next"/>
+            </a:endParaRPr>
+          </a:p>
+        </p:txBody>
+      </p:sp>
+      <p:pic>
+        <p:nvPicPr>
+          <p:cNvPr id="7" name="Picture 6" descr="A screenshot of a cell phone screen with text&#10;&#10;Description automatically generated">
+            <a:extLst>
+              <a:ext uri="{FF2B5EF4-FFF2-40B4-BE49-F238E27FC236}">
+                <a16:creationId xmlns:a16="http://schemas.microsoft.com/office/drawing/2014/main" id="{4C3E53BF-E7D8-8C40-BD0A-3706FD550D11}"/>
+              </a:ext>
+            </a:extLst>
+          </p:cNvPr>
+          <p:cNvPicPr>
+            <a:picLocks noChangeAspect="1"/>
+          </p:cNvPicPr>
+          <p:nvPr/>
+        </p:nvPicPr>
+        <p:blipFill>
+          <a:blip r:embed="rId2">
+            <a:extLst>
+              <a:ext uri="{28A0092B-C50C-407E-A947-70E740481C1C}">
+                <a14:useLocalDpi xmlns:a14="http://schemas.microsoft.com/office/drawing/2010/main" val="0"/>
+              </a:ext>
+            </a:extLst>
+          </a:blip>
+          <a:stretch>
+            <a:fillRect/>
+          </a:stretch>
+        </p:blipFill>
+        <p:spPr>
+          <a:xfrm>
+            <a:off x="2298699" y="4185570"/>
+            <a:ext cx="20941727" cy="6576937"/>
+          </a:xfrm>
+          <a:prstGeom prst="rect">
+            <a:avLst/>
+          </a:prstGeom>
+        </p:spPr>
+      </p:pic>
     </p:spTree>
     <p:extLst>
       <p:ext uri="{BB962C8B-B14F-4D97-AF65-F5344CB8AC3E}">
-        <p14:creationId xmlns:p14="http://schemas.microsoft.com/office/powerpoint/2010/main" val="4136761610"/>
+        <p14:creationId xmlns:p14="http://schemas.microsoft.com/office/powerpoint/2010/main" val="174656480"/>
       </p:ext>
     </p:extLst>
   </p:cSld>
@@ -15569,14 +15920,14 @@
       </p:grpSpPr>
       <p:sp>
         <p:nvSpPr>
-          <p:cNvPr id="76" name="Title goes here"/>
+          <p:cNvPr id="74" name="Red section title"/>
           <p:cNvSpPr txBox="1"/>
           <p:nvPr/>
         </p:nvSpPr>
         <p:spPr>
           <a:xfrm>
-            <a:off x="2572664" y="2699493"/>
-            <a:ext cx="3733394" cy="1087477"/>
+            <a:off x="7023146" y="4836933"/>
+            <a:ext cx="10337766" cy="4042132"/>
           </a:xfrm>
           <a:prstGeom prst="rect">
             <a:avLst/>
@@ -15586,7 +15937,7 @@
           </a:ln>
           <a:extLst>
             <a:ext uri="{C572A759-6A51-4108-AA02-DFA0A04FC94B}">
-              <ma14:wrappingTextBoxFlag xmlns="" xmlns:m="http://schemas.openxmlformats.org/officeDocument/2006/math" xmlns:a14="http://schemas.microsoft.com/office/drawing/2010/main" xmlns:ma14="http://schemas.microsoft.com/office/mac/drawingml/2011/main" val="1"/>
+              <ma14:wrappingTextBoxFlag xmlns:ma14="http://schemas.microsoft.com/office/mac/drawingml/2011/main" xmlns:a14="http://schemas.microsoft.com/office/drawing/2010/main" xmlns:m="http://schemas.openxmlformats.org/officeDocument/2006/math" xmlns="" val="1"/>
             </a:ext>
           </a:extLst>
         </p:spPr>
@@ -15595,8 +15946,11 @@
             <a:spAutoFit/>
           </a:bodyPr>
           <a:lstStyle>
-            <a:lvl1pPr algn="l">
-              <a:defRPr sz="6400" b="1">
+            <a:lvl1pPr>
+              <a:defRPr sz="12800" b="1">
+                <a:solidFill>
+                  <a:srgbClr val="FFFFFF"/>
+                </a:solidFill>
                 <a:latin typeface="+mj-lt"/>
                 <a:ea typeface="+mj-ea"/>
                 <a:cs typeface="+mj-cs"/>
@@ -15606,183 +15960,23 @@
           </a:lstStyle>
           <a:p>
             <a:r>
-              <a:rPr lang="en-US" dirty="0"/>
-              <a:t>14. DOM</a:t>
-            </a:r>
-          </a:p>
-        </p:txBody>
-      </p:sp>
-      <p:sp>
-        <p:nvSpPr>
-          <p:cNvPr id="78" name="Line"/>
-          <p:cNvSpPr/>
-          <p:nvPr/>
-        </p:nvSpPr>
-        <p:spPr>
-          <a:xfrm>
-            <a:off x="2641600" y="1846231"/>
-            <a:ext cx="1516409" cy="1"/>
-          </a:xfrm>
-          <a:prstGeom prst="line">
-            <a:avLst/>
-          </a:prstGeom>
-          <a:ln w="203200">
-            <a:solidFill>
-              <a:srgbClr val="FF3454"/>
-            </a:solidFill>
-            <a:miter lim="400000"/>
-          </a:ln>
-        </p:spPr>
-        <p:txBody>
-          <a:bodyPr lIns="50800" tIns="50800" rIns="50800" bIns="50800" anchor="ctr"/>
-          <a:lstStyle/>
-          <a:p>
-            <a:pPr algn="l">
-              <a:defRPr sz="2800">
-                <a:latin typeface="+mj-lt"/>
-                <a:ea typeface="+mj-ea"/>
-                <a:cs typeface="+mj-cs"/>
-                <a:sym typeface="Avenir Next"/>
-              </a:defRPr>
-            </a:pPr>
-            <a:endParaRPr/>
-          </a:p>
-        </p:txBody>
-      </p:sp>
-      <p:sp>
-        <p:nvSpPr>
-          <p:cNvPr id="5" name="Build products that are fast, effortless to use, and aesthetically pleasing. Make things meaningful and worthy of your time.…">
-            <a:extLst>
-              <a:ext uri="{FF2B5EF4-FFF2-40B4-BE49-F238E27FC236}">
-                <a16:creationId xmlns:a16="http://schemas.microsoft.com/office/drawing/2014/main" id="{7CB97C34-33FE-814D-8C51-742D4404DD26}"/>
-              </a:ext>
-            </a:extLst>
-          </p:cNvPr>
-          <p:cNvSpPr txBox="1"/>
-          <p:nvPr/>
-        </p:nvSpPr>
-        <p:spPr>
-          <a:xfrm>
-            <a:off x="2641600" y="4363371"/>
-            <a:ext cx="19179617" cy="3899786"/>
-          </a:xfrm>
-          <a:prstGeom prst="rect">
-            <a:avLst/>
-          </a:prstGeom>
-          <a:ln w="12700">
-            <a:miter lim="400000"/>
-          </a:ln>
-          <a:extLst>
-            <a:ext uri="{C572A759-6A51-4108-AA02-DFA0A04FC94B}">
-              <ma14:wrappingTextBoxFlag xmlns="" xmlns:m="http://schemas.openxmlformats.org/officeDocument/2006/math" xmlns:a14="http://schemas.microsoft.com/office/drawing/2010/main" xmlns:ma14="http://schemas.microsoft.com/office/mac/drawingml/2011/main" val="1"/>
-            </a:ext>
-          </a:extLst>
-        </p:spPr>
-        <p:txBody>
-          <a:bodyPr wrap="square" lIns="50800" tIns="50800" rIns="50800" bIns="50800">
-            <a:spAutoFit/>
-          </a:bodyPr>
-          <a:lstStyle/>
-          <a:p>
-            <a:pPr marL="571500" indent="-571500" algn="l">
-              <a:lnSpc>
-                <a:spcPct val="150000"/>
-              </a:lnSpc>
-              <a:buFont typeface="Arial" panose="020B0604020202020204" pitchFamily="34" charset="0"/>
-              <a:buChar char="•"/>
-              <a:defRPr sz="4200">
-                <a:latin typeface="+mj-lt"/>
-                <a:ea typeface="+mj-ea"/>
-                <a:cs typeface="+mj-cs"/>
-                <a:sym typeface="Avenir Next"/>
-              </a:defRPr>
-            </a:pPr>
-            <a:r>
-              <a:rPr lang="en-US" dirty="0">
-                <a:sym typeface="Avenir Next"/>
-              </a:rPr>
-              <a:t>Document Object Model</a:t>
-            </a:r>
-          </a:p>
-          <a:p>
-            <a:pPr marL="571500" indent="-571500" algn="l">
-              <a:lnSpc>
-                <a:spcPct val="150000"/>
-              </a:lnSpc>
-              <a:buFont typeface="Arial" panose="020B0604020202020204" pitchFamily="34" charset="0"/>
-              <a:buChar char="•"/>
-              <a:defRPr sz="4200">
-                <a:latin typeface="+mj-lt"/>
-                <a:ea typeface="+mj-ea"/>
-                <a:cs typeface="+mj-cs"/>
-                <a:sym typeface="Avenir Next"/>
-              </a:defRPr>
-            </a:pPr>
-            <a:r>
-              <a:rPr lang="en-US" dirty="0">
-                <a:sym typeface="Avenir Next"/>
-              </a:rPr>
-              <a:t>Page contents as objects that can be modified</a:t>
-            </a:r>
-          </a:p>
-          <a:p>
-            <a:pPr marL="571500" indent="-571500" algn="l">
-              <a:lnSpc>
-                <a:spcPct val="150000"/>
-              </a:lnSpc>
-              <a:buFont typeface="Arial" panose="020B0604020202020204" pitchFamily="34" charset="0"/>
-              <a:buChar char="•"/>
-              <a:defRPr sz="4200">
-                <a:latin typeface="+mj-lt"/>
-                <a:ea typeface="+mj-ea"/>
-                <a:cs typeface="+mj-cs"/>
-                <a:sym typeface="Avenir Next"/>
-              </a:defRPr>
-            </a:pPr>
-            <a:r>
-              <a:rPr lang="en-US" dirty="0">
-                <a:sym typeface="Avenir Next"/>
-              </a:rPr>
-              <a:t>DOM specification </a:t>
-            </a:r>
-            <a:r>
-              <a:rPr lang="en-US" sz="4200" dirty="0">
-                <a:sym typeface="Avenir Next"/>
-                <a:hlinkClick r:id="rId2"/>
-              </a:rPr>
-              <a:t>https://dom.spec.whatwg.org/</a:t>
-            </a:r>
-            <a:endParaRPr lang="en-US" sz="4200" dirty="0">
-              <a:sym typeface="Avenir Next"/>
-            </a:endParaRPr>
-          </a:p>
-          <a:p>
-            <a:pPr marL="571500" indent="-571500" algn="l">
-              <a:lnSpc>
-                <a:spcPct val="150000"/>
-              </a:lnSpc>
-              <a:buFont typeface="Arial" panose="020B0604020202020204" pitchFamily="34" charset="0"/>
-              <a:buChar char="•"/>
-              <a:defRPr sz="4200">
-                <a:latin typeface="+mj-lt"/>
-                <a:ea typeface="+mj-ea"/>
-                <a:cs typeface="+mj-cs"/>
-                <a:sym typeface="Avenir Next"/>
-              </a:defRPr>
-            </a:pPr>
-            <a:r>
-              <a:rPr lang="en-US" dirty="0">
-                <a:sym typeface="Avenir Next"/>
-              </a:rPr>
-              <a:t>DOM is not only for the browser</a:t>
-            </a:r>
+              <a:rPr lang="lt-LT" dirty="0"/>
+              <a:t>TASK:</a:t>
+            </a:r>
+          </a:p>
+          <a:p>
+            <a:r>
+              <a:rPr lang="lt-LT" dirty="0"/>
+              <a:t>dom.task1.js</a:t>
+            </a:r>
+            <a:endParaRPr dirty="0"/>
           </a:p>
         </p:txBody>
       </p:sp>
     </p:spTree>
     <p:extLst>
       <p:ext uri="{BB962C8B-B14F-4D97-AF65-F5344CB8AC3E}">
-        <p14:creationId xmlns:p14="http://schemas.microsoft.com/office/powerpoint/2010/main" val="3036108895"/>
+        <p14:creationId xmlns:p14="http://schemas.microsoft.com/office/powerpoint/2010/main" val="3656913422"/>
       </p:ext>
     </p:extLst>
   </p:cSld>
@@ -15819,7 +16013,7 @@
         <p:spPr>
           <a:xfrm>
             <a:off x="2572664" y="2699493"/>
-            <a:ext cx="7688002" cy="1087477"/>
+            <a:ext cx="8497519" cy="1087477"/>
           </a:xfrm>
           <a:prstGeom prst="rect">
             <a:avLst/>
@@ -15829,7 +16023,7 @@
           </a:ln>
           <a:extLst>
             <a:ext uri="{C572A759-6A51-4108-AA02-DFA0A04FC94B}">
-              <ma14:wrappingTextBoxFlag xmlns="" xmlns:m="http://schemas.openxmlformats.org/officeDocument/2006/math" xmlns:a14="http://schemas.microsoft.com/office/drawing/2010/main" xmlns:ma14="http://schemas.microsoft.com/office/mac/drawingml/2011/main" val="1"/>
+              <ma14:wrappingTextBoxFlag xmlns:ma14="http://schemas.microsoft.com/office/mac/drawingml/2011/main" xmlns:a14="http://schemas.microsoft.com/office/drawing/2010/main" xmlns:m="http://schemas.openxmlformats.org/officeDocument/2006/math" xmlns="" val="1"/>
             </a:ext>
           </a:extLst>
         </p:spPr>
@@ -15850,7 +16044,7 @@
           <a:p>
             <a:r>
               <a:rPr lang="en-US" dirty="0"/>
-              <a:t>14. DOM: navigate</a:t>
+              <a:t>14. DOM: collections</a:t>
             </a:r>
           </a:p>
         </p:txBody>
@@ -15907,7 +16101,7 @@
         <p:spPr>
           <a:xfrm>
             <a:off x="2641600" y="4363371"/>
-            <a:ext cx="19179617" cy="991297"/>
+            <a:ext cx="19179617" cy="1960793"/>
           </a:xfrm>
           <a:prstGeom prst="rect">
             <a:avLst/>
@@ -15917,7 +16111,7 @@
           </a:ln>
           <a:extLst>
             <a:ext uri="{C572A759-6A51-4108-AA02-DFA0A04FC94B}">
-              <ma14:wrappingTextBoxFlag xmlns="" xmlns:m="http://schemas.openxmlformats.org/officeDocument/2006/math" xmlns:a14="http://schemas.microsoft.com/office/drawing/2010/main" xmlns:ma14="http://schemas.microsoft.com/office/mac/drawingml/2011/main" val="1"/>
+              <ma14:wrappingTextBoxFlag xmlns:ma14="http://schemas.microsoft.com/office/mac/drawingml/2011/main" xmlns:a14="http://schemas.microsoft.com/office/drawing/2010/main" xmlns:m="http://schemas.openxmlformats.org/officeDocument/2006/math" xmlns="" val="1"/>
             </a:ext>
           </a:extLst>
         </p:spPr>
@@ -15940,51 +16134,20 @@
                 <a:sym typeface="Avenir Next"/>
               </a:defRPr>
             </a:pPr>
-            <a:endParaRPr lang="en-US" dirty="0">
-              <a:sym typeface="Avenir Next"/>
-            </a:endParaRPr>
-          </a:p>
-        </p:txBody>
-      </p:sp>
-      <p:sp>
-        <p:nvSpPr>
-          <p:cNvPr id="6" name="Build products that are fast, effortless to use, and aesthetically pleasing. Make things meaningful and worthy of your time.…">
-            <a:extLst>
-              <a:ext uri="{FF2B5EF4-FFF2-40B4-BE49-F238E27FC236}">
-                <a16:creationId xmlns:a16="http://schemas.microsoft.com/office/drawing/2014/main" id="{8A639B89-E474-9B43-9D64-8054DDDB456D}"/>
-              </a:ext>
-            </a:extLst>
-          </p:cNvPr>
-          <p:cNvSpPr txBox="1"/>
-          <p:nvPr/>
-        </p:nvSpPr>
-        <p:spPr>
-          <a:xfrm>
-            <a:off x="2641600" y="4144582"/>
-            <a:ext cx="19179617" cy="991297"/>
-          </a:xfrm>
-          <a:prstGeom prst="rect">
-            <a:avLst/>
-          </a:prstGeom>
-          <a:ln w="12700">
-            <a:miter lim="400000"/>
-          </a:ln>
-          <a:extLst>
-            <a:ext uri="{C572A759-6A51-4108-AA02-DFA0A04FC94B}">
-              <ma14:wrappingTextBoxFlag xmlns="" xmlns:m="http://schemas.openxmlformats.org/officeDocument/2006/math" xmlns:a14="http://schemas.microsoft.com/office/drawing/2010/main" xmlns:ma14="http://schemas.microsoft.com/office/mac/drawingml/2011/main" val="1"/>
-            </a:ext>
-          </a:extLst>
-        </p:spPr>
-        <p:txBody>
-          <a:bodyPr wrap="square" lIns="50800" tIns="50800" rIns="50800" bIns="50800">
-            <a:spAutoFit/>
-          </a:bodyPr>
-          <a:lstStyle/>
-          <a:p>
-            <a:pPr algn="l">
+            <a:r>
+              <a:rPr lang="en-US" dirty="0">
+                <a:sym typeface="Avenir Next"/>
+              </a:rPr>
+              <a:t>read-only, do not replace by reassigning</a:t>
+            </a:r>
+          </a:p>
+          <a:p>
+            <a:pPr marL="571500" indent="-571500" algn="l">
               <a:lnSpc>
                 <a:spcPct val="150000"/>
               </a:lnSpc>
+              <a:buFont typeface="Arial" panose="020B0604020202020204" pitchFamily="34" charset="0"/>
+              <a:buChar char="•"/>
               <a:defRPr sz="4200">
                 <a:latin typeface="+mj-lt"/>
                 <a:ea typeface="+mj-ea"/>
@@ -15996,17 +16159,17 @@
               <a:rPr lang="en-US" dirty="0">
                 <a:sym typeface="Avenir Next"/>
               </a:rPr>
-              <a:t>Entry point, read text content</a:t>
+              <a:t>live – reflect current state</a:t>
             </a:r>
           </a:p>
         </p:txBody>
       </p:sp>
       <p:pic>
         <p:nvPicPr>
-          <p:cNvPr id="10" name="Picture 9" descr="A picture containing sitting, food, drawing&#10;&#10;Description automatically generated">
+          <p:cNvPr id="3" name="Picture 2" descr="A picture containing sitting, table, black, man&#10;&#10;Description automatically generated">
             <a:extLst>
               <a:ext uri="{FF2B5EF4-FFF2-40B4-BE49-F238E27FC236}">
-                <a16:creationId xmlns:a16="http://schemas.microsoft.com/office/drawing/2014/main" id="{6181E9A8-2181-C240-BA47-8E40A18998ED}"/>
+                <a16:creationId xmlns:a16="http://schemas.microsoft.com/office/drawing/2014/main" id="{25D6E108-9C4F-FB4E-9B36-52FAE357CE2B}"/>
               </a:ext>
             </a:extLst>
           </p:cNvPr>
@@ -16029,8 +16192,8 @@
         </p:blipFill>
         <p:spPr>
           <a:xfrm>
-            <a:off x="2178050" y="5354668"/>
-            <a:ext cx="10928350" cy="2527646"/>
+            <a:off x="2025650" y="6494356"/>
+            <a:ext cx="11563350" cy="2674516"/>
           </a:xfrm>
           <a:prstGeom prst="rect">
             <a:avLst/>
@@ -16040,7 +16203,7 @@
     </p:spTree>
     <p:extLst>
       <p:ext uri="{BB962C8B-B14F-4D97-AF65-F5344CB8AC3E}">
-        <p14:creationId xmlns:p14="http://schemas.microsoft.com/office/powerpoint/2010/main" val="892164560"/>
+        <p14:creationId xmlns:p14="http://schemas.microsoft.com/office/powerpoint/2010/main" val="2926426952"/>
       </p:ext>
     </p:extLst>
   </p:cSld>
@@ -16070,14 +16233,14 @@
       </p:grpSpPr>
       <p:sp>
         <p:nvSpPr>
-          <p:cNvPr id="76" name="Title goes here"/>
+          <p:cNvPr id="74" name="Red section title"/>
           <p:cNvSpPr txBox="1"/>
           <p:nvPr/>
         </p:nvSpPr>
         <p:spPr>
           <a:xfrm>
-            <a:off x="2572664" y="2699493"/>
-            <a:ext cx="14568091" cy="1087477"/>
+            <a:off x="7023146" y="4836933"/>
+            <a:ext cx="10337766" cy="4042132"/>
           </a:xfrm>
           <a:prstGeom prst="rect">
             <a:avLst/>
@@ -16087,7 +16250,7 @@
           </a:ln>
           <a:extLst>
             <a:ext uri="{C572A759-6A51-4108-AA02-DFA0A04FC94B}">
-              <ma14:wrappingTextBoxFlag xmlns="" xmlns:m="http://schemas.openxmlformats.org/officeDocument/2006/math" xmlns:a14="http://schemas.microsoft.com/office/drawing/2010/main" xmlns:ma14="http://schemas.microsoft.com/office/mac/drawingml/2011/main" val="1"/>
+              <ma14:wrappingTextBoxFlag xmlns:ma14="http://schemas.microsoft.com/office/mac/drawingml/2011/main" xmlns:a14="http://schemas.microsoft.com/office/drawing/2010/main" xmlns:m="http://schemas.openxmlformats.org/officeDocument/2006/math" xmlns="" val="1"/>
             </a:ext>
           </a:extLst>
         </p:spPr>
@@ -16096,8 +16259,11 @@
             <a:spAutoFit/>
           </a:bodyPr>
           <a:lstStyle>
-            <a:lvl1pPr algn="l">
-              <a:defRPr sz="6400" b="1">
+            <a:lvl1pPr>
+              <a:defRPr sz="12800" b="1">
+                <a:solidFill>
+                  <a:srgbClr val="FFFFFF"/>
+                </a:solidFill>
                 <a:latin typeface="+mj-lt"/>
                 <a:ea typeface="+mj-ea"/>
                 <a:cs typeface="+mj-cs"/>
@@ -16107,143 +16273,23 @@
           </a:lstStyle>
           <a:p>
             <a:r>
-              <a:rPr lang="en-US" dirty="0"/>
-              <a:t>14. DOM: single element navigation</a:t>
-            </a:r>
-          </a:p>
-        </p:txBody>
-      </p:sp>
-      <p:sp>
-        <p:nvSpPr>
-          <p:cNvPr id="78" name="Line"/>
-          <p:cNvSpPr/>
-          <p:nvPr/>
-        </p:nvSpPr>
-        <p:spPr>
-          <a:xfrm>
-            <a:off x="2641600" y="1846231"/>
-            <a:ext cx="1516409" cy="1"/>
-          </a:xfrm>
-          <a:prstGeom prst="line">
-            <a:avLst/>
-          </a:prstGeom>
-          <a:ln w="203200">
-            <a:solidFill>
-              <a:srgbClr val="FF3454"/>
-            </a:solidFill>
-            <a:miter lim="400000"/>
-          </a:ln>
-        </p:spPr>
-        <p:txBody>
-          <a:bodyPr lIns="50800" tIns="50800" rIns="50800" bIns="50800" anchor="ctr"/>
-          <a:lstStyle/>
-          <a:p>
-            <a:pPr algn="l">
-              <a:defRPr sz="2800">
-                <a:latin typeface="+mj-lt"/>
-                <a:ea typeface="+mj-ea"/>
-                <a:cs typeface="+mj-cs"/>
-                <a:sym typeface="Avenir Next"/>
-              </a:defRPr>
-            </a:pPr>
-            <a:endParaRPr/>
-          </a:p>
-        </p:txBody>
-      </p:sp>
-      <p:sp>
-        <p:nvSpPr>
-          <p:cNvPr id="5" name="Build products that are fast, effortless to use, and aesthetically pleasing. Make things meaningful and worthy of your time.…">
-            <a:extLst>
-              <a:ext uri="{FF2B5EF4-FFF2-40B4-BE49-F238E27FC236}">
-                <a16:creationId xmlns:a16="http://schemas.microsoft.com/office/drawing/2014/main" id="{7CB97C34-33FE-814D-8C51-742D4404DD26}"/>
-              </a:ext>
-            </a:extLst>
-          </p:cNvPr>
-          <p:cNvSpPr txBox="1"/>
-          <p:nvPr/>
-        </p:nvSpPr>
-        <p:spPr>
-          <a:xfrm>
-            <a:off x="2641600" y="4363371"/>
-            <a:ext cx="19179617" cy="991297"/>
-          </a:xfrm>
-          <a:prstGeom prst="rect">
-            <a:avLst/>
-          </a:prstGeom>
-          <a:ln w="12700">
-            <a:miter lim="400000"/>
-          </a:ln>
-          <a:extLst>
-            <a:ext uri="{C572A759-6A51-4108-AA02-DFA0A04FC94B}">
-              <ma14:wrappingTextBoxFlag xmlns="" xmlns:m="http://schemas.openxmlformats.org/officeDocument/2006/math" xmlns:a14="http://schemas.microsoft.com/office/drawing/2010/main" xmlns:ma14="http://schemas.microsoft.com/office/mac/drawingml/2011/main" val="1"/>
-            </a:ext>
-          </a:extLst>
-        </p:spPr>
-        <p:txBody>
-          <a:bodyPr wrap="square" lIns="50800" tIns="50800" rIns="50800" bIns="50800">
-            <a:spAutoFit/>
-          </a:bodyPr>
-          <a:lstStyle/>
-          <a:p>
-            <a:pPr marL="571500" indent="-571500" algn="l">
-              <a:lnSpc>
-                <a:spcPct val="150000"/>
-              </a:lnSpc>
-              <a:buFont typeface="Arial" panose="020B0604020202020204" pitchFamily="34" charset="0"/>
-              <a:buChar char="•"/>
-              <a:defRPr sz="4200">
-                <a:latin typeface="+mj-lt"/>
-                <a:ea typeface="+mj-ea"/>
-                <a:cs typeface="+mj-cs"/>
-                <a:sym typeface="Avenir Next"/>
-              </a:defRPr>
-            </a:pPr>
-            <a:endParaRPr lang="en-US" dirty="0">
-              <a:sym typeface="Avenir Next"/>
-            </a:endParaRPr>
-          </a:p>
-        </p:txBody>
-      </p:sp>
-      <p:pic>
-        <p:nvPicPr>
-          <p:cNvPr id="7" name="Picture 6" descr="A screenshot of a cell phone screen with text&#10;&#10;Description automatically generated">
-            <a:extLst>
-              <a:ext uri="{FF2B5EF4-FFF2-40B4-BE49-F238E27FC236}">
-                <a16:creationId xmlns:a16="http://schemas.microsoft.com/office/drawing/2014/main" id="{4C3E53BF-E7D8-8C40-BD0A-3706FD550D11}"/>
-              </a:ext>
-            </a:extLst>
-          </p:cNvPr>
-          <p:cNvPicPr>
-            <a:picLocks noChangeAspect="1"/>
-          </p:cNvPicPr>
-          <p:nvPr/>
-        </p:nvPicPr>
-        <p:blipFill>
-          <a:blip r:embed="rId2">
-            <a:extLst>
-              <a:ext uri="{28A0092B-C50C-407E-A947-70E740481C1C}">
-                <a14:useLocalDpi xmlns:a14="http://schemas.microsoft.com/office/drawing/2010/main" val="0"/>
-              </a:ext>
-            </a:extLst>
-          </a:blip>
-          <a:stretch>
-            <a:fillRect/>
-          </a:stretch>
-        </p:blipFill>
-        <p:spPr>
-          <a:xfrm>
-            <a:off x="2298699" y="4185570"/>
-            <a:ext cx="20941727" cy="6576937"/>
-          </a:xfrm>
-          <a:prstGeom prst="rect">
-            <a:avLst/>
-          </a:prstGeom>
-        </p:spPr>
-      </p:pic>
+              <a:rPr lang="lt-LT" dirty="0"/>
+              <a:t>TASK:</a:t>
+            </a:r>
+          </a:p>
+          <a:p>
+            <a:r>
+              <a:rPr lang="lt-LT" dirty="0"/>
+              <a:t>dom.task2.js</a:t>
+            </a:r>
+            <a:endParaRPr dirty="0"/>
+          </a:p>
+        </p:txBody>
+      </p:sp>
     </p:spTree>
     <p:extLst>
       <p:ext uri="{BB962C8B-B14F-4D97-AF65-F5344CB8AC3E}">
-        <p14:creationId xmlns:p14="http://schemas.microsoft.com/office/powerpoint/2010/main" val="174656480"/>
+        <p14:creationId xmlns:p14="http://schemas.microsoft.com/office/powerpoint/2010/main" val="59211961"/>
       </p:ext>
     </p:extLst>
   </p:cSld>
@@ -16273,14 +16319,14 @@
       </p:grpSpPr>
       <p:sp>
         <p:nvSpPr>
-          <p:cNvPr id="74" name="Red section title"/>
+          <p:cNvPr id="76" name="Title goes here"/>
           <p:cNvSpPr txBox="1"/>
           <p:nvPr/>
         </p:nvSpPr>
         <p:spPr>
           <a:xfrm>
-            <a:off x="7023146" y="4836933"/>
-            <a:ext cx="10337766" cy="4042132"/>
+            <a:off x="2572664" y="2699493"/>
+            <a:ext cx="8087150" cy="1087477"/>
           </a:xfrm>
           <a:prstGeom prst="rect">
             <a:avLst/>
@@ -16290,7 +16336,7 @@
           </a:ln>
           <a:extLst>
             <a:ext uri="{C572A759-6A51-4108-AA02-DFA0A04FC94B}">
-              <ma14:wrappingTextBoxFlag xmlns="" xmlns:m="http://schemas.openxmlformats.org/officeDocument/2006/math" xmlns:a14="http://schemas.microsoft.com/office/drawing/2010/main" xmlns:ma14="http://schemas.microsoft.com/office/mac/drawingml/2011/main" val="1"/>
+              <ma14:wrappingTextBoxFlag xmlns:ma14="http://schemas.microsoft.com/office/mac/drawingml/2011/main" xmlns:a14="http://schemas.microsoft.com/office/drawing/2010/main" xmlns:m="http://schemas.openxmlformats.org/officeDocument/2006/math" xmlns="" val="1"/>
             </a:ext>
           </a:extLst>
         </p:spPr>
@@ -16299,11 +16345,8 @@
             <a:spAutoFit/>
           </a:bodyPr>
           <a:lstStyle>
-            <a:lvl1pPr>
-              <a:defRPr sz="12800" b="1">
-                <a:solidFill>
-                  <a:srgbClr val="FFFFFF"/>
-                </a:solidFill>
+            <a:lvl1pPr algn="l">
+              <a:defRPr sz="6400" b="1">
                 <a:latin typeface="+mj-lt"/>
                 <a:ea typeface="+mj-ea"/>
                 <a:cs typeface="+mj-cs"/>
@@ -16313,23 +16356,143 @@
           </a:lstStyle>
           <a:p>
             <a:r>
-              <a:rPr lang="lt-LT" dirty="0"/>
-              <a:t>TASK:</a:t>
-            </a:r>
-          </a:p>
-          <a:p>
-            <a:r>
-              <a:rPr lang="lt-LT" dirty="0"/>
-              <a:t>dom.task1.js</a:t>
-            </a:r>
-            <a:endParaRPr dirty="0"/>
-          </a:p>
-        </p:txBody>
-      </p:sp>
+              <a:rPr lang="en-US" dirty="0"/>
+              <a:t>14. DOM: searching</a:t>
+            </a:r>
+          </a:p>
+        </p:txBody>
+      </p:sp>
+      <p:sp>
+        <p:nvSpPr>
+          <p:cNvPr id="78" name="Line"/>
+          <p:cNvSpPr/>
+          <p:nvPr/>
+        </p:nvSpPr>
+        <p:spPr>
+          <a:xfrm>
+            <a:off x="2641600" y="1846231"/>
+            <a:ext cx="1516409" cy="1"/>
+          </a:xfrm>
+          <a:prstGeom prst="line">
+            <a:avLst/>
+          </a:prstGeom>
+          <a:ln w="203200">
+            <a:solidFill>
+              <a:srgbClr val="FF3454"/>
+            </a:solidFill>
+            <a:miter lim="400000"/>
+          </a:ln>
+        </p:spPr>
+        <p:txBody>
+          <a:bodyPr lIns="50800" tIns="50800" rIns="50800" bIns="50800" anchor="ctr"/>
+          <a:lstStyle/>
+          <a:p>
+            <a:pPr algn="l">
+              <a:defRPr sz="2800">
+                <a:latin typeface="+mj-lt"/>
+                <a:ea typeface="+mj-ea"/>
+                <a:cs typeface="+mj-cs"/>
+                <a:sym typeface="Avenir Next"/>
+              </a:defRPr>
+            </a:pPr>
+            <a:endParaRPr/>
+          </a:p>
+        </p:txBody>
+      </p:sp>
+      <p:sp>
+        <p:nvSpPr>
+          <p:cNvPr id="5" name="Build products that are fast, effortless to use, and aesthetically pleasing. Make things meaningful and worthy of your time.…">
+            <a:extLst>
+              <a:ext uri="{FF2B5EF4-FFF2-40B4-BE49-F238E27FC236}">
+                <a16:creationId xmlns:a16="http://schemas.microsoft.com/office/drawing/2014/main" id="{7CB97C34-33FE-814D-8C51-742D4404DD26}"/>
+              </a:ext>
+            </a:extLst>
+          </p:cNvPr>
+          <p:cNvSpPr txBox="1"/>
+          <p:nvPr/>
+        </p:nvSpPr>
+        <p:spPr>
+          <a:xfrm>
+            <a:off x="2641600" y="4363371"/>
+            <a:ext cx="19179617" cy="991297"/>
+          </a:xfrm>
+          <a:prstGeom prst="rect">
+            <a:avLst/>
+          </a:prstGeom>
+          <a:ln w="12700">
+            <a:miter lim="400000"/>
+          </a:ln>
+          <a:extLst>
+            <a:ext uri="{C572A759-6A51-4108-AA02-DFA0A04FC94B}">
+              <ma14:wrappingTextBoxFlag xmlns:ma14="http://schemas.microsoft.com/office/mac/drawingml/2011/main" xmlns:a14="http://schemas.microsoft.com/office/drawing/2010/main" xmlns:m="http://schemas.openxmlformats.org/officeDocument/2006/math" xmlns="" val="1"/>
+            </a:ext>
+          </a:extLst>
+        </p:spPr>
+        <p:txBody>
+          <a:bodyPr wrap="square" lIns="50800" tIns="50800" rIns="50800" bIns="50800">
+            <a:spAutoFit/>
+          </a:bodyPr>
+          <a:lstStyle/>
+          <a:p>
+            <a:pPr marL="571500" indent="-571500" algn="l">
+              <a:lnSpc>
+                <a:spcPct val="150000"/>
+              </a:lnSpc>
+              <a:buFont typeface="Arial" panose="020B0604020202020204" pitchFamily="34" charset="0"/>
+              <a:buChar char="•"/>
+              <a:defRPr sz="4200">
+                <a:latin typeface="+mj-lt"/>
+                <a:ea typeface="+mj-ea"/>
+                <a:cs typeface="+mj-cs"/>
+                <a:sym typeface="Avenir Next"/>
+              </a:defRPr>
+            </a:pPr>
+            <a:endParaRPr lang="en-US" dirty="0">
+              <a:sym typeface="Avenir Next"/>
+            </a:endParaRPr>
+          </a:p>
+        </p:txBody>
+      </p:sp>
+      <p:pic>
+        <p:nvPicPr>
+          <p:cNvPr id="3" name="Picture 2" descr="A screenshot of a cell phone&#10;&#10;Description automatically generated">
+            <a:extLst>
+              <a:ext uri="{FF2B5EF4-FFF2-40B4-BE49-F238E27FC236}">
+                <a16:creationId xmlns:a16="http://schemas.microsoft.com/office/drawing/2014/main" id="{C7FD20D2-1E56-414C-BF95-1513CC4FCB3D}"/>
+              </a:ext>
+            </a:extLst>
+          </p:cNvPr>
+          <p:cNvPicPr>
+            <a:picLocks noChangeAspect="1"/>
+          </p:cNvPicPr>
+          <p:nvPr/>
+        </p:nvPicPr>
+        <p:blipFill>
+          <a:blip r:embed="rId2">
+            <a:extLst>
+              <a:ext uri="{28A0092B-C50C-407E-A947-70E740481C1C}">
+                <a14:useLocalDpi xmlns:a14="http://schemas.microsoft.com/office/drawing/2010/main" val="0"/>
+              </a:ext>
+            </a:extLst>
+          </a:blip>
+          <a:stretch>
+            <a:fillRect/>
+          </a:stretch>
+        </p:blipFill>
+        <p:spPr>
+          <a:xfrm>
+            <a:off x="1874325" y="4109371"/>
+            <a:ext cx="20635349" cy="7506398"/>
+          </a:xfrm>
+          <a:prstGeom prst="rect">
+            <a:avLst/>
+          </a:prstGeom>
+        </p:spPr>
+      </p:pic>
     </p:spTree>
     <p:extLst>
       <p:ext uri="{BB962C8B-B14F-4D97-AF65-F5344CB8AC3E}">
-        <p14:creationId xmlns:p14="http://schemas.microsoft.com/office/powerpoint/2010/main" val="3656913422"/>
+        <p14:creationId xmlns:p14="http://schemas.microsoft.com/office/powerpoint/2010/main" val="2169077524"/>
       </p:ext>
     </p:extLst>
   </p:cSld>
@@ -16359,14 +16522,14 @@
       </p:grpSpPr>
       <p:sp>
         <p:nvSpPr>
-          <p:cNvPr id="76" name="Title goes here"/>
+          <p:cNvPr id="74" name="Red section title"/>
           <p:cNvSpPr txBox="1"/>
           <p:nvPr/>
         </p:nvSpPr>
         <p:spPr>
           <a:xfrm>
-            <a:off x="2572664" y="2699493"/>
-            <a:ext cx="8497519" cy="1087477"/>
+            <a:off x="7023147" y="4836933"/>
+            <a:ext cx="10337766" cy="4042132"/>
           </a:xfrm>
           <a:prstGeom prst="rect">
             <a:avLst/>
@@ -16376,7 +16539,7 @@
           </a:ln>
           <a:extLst>
             <a:ext uri="{C572A759-6A51-4108-AA02-DFA0A04FC94B}">
-              <ma14:wrappingTextBoxFlag xmlns="" xmlns:m="http://schemas.openxmlformats.org/officeDocument/2006/math" xmlns:a14="http://schemas.microsoft.com/office/drawing/2010/main" xmlns:ma14="http://schemas.microsoft.com/office/mac/drawingml/2011/main" val="1"/>
+              <ma14:wrappingTextBoxFlag xmlns:ma14="http://schemas.microsoft.com/office/mac/drawingml/2011/main" xmlns:a14="http://schemas.microsoft.com/office/drawing/2010/main" xmlns:m="http://schemas.openxmlformats.org/officeDocument/2006/math" xmlns="" val="1"/>
             </a:ext>
           </a:extLst>
         </p:spPr>
@@ -16385,8 +16548,11 @@
             <a:spAutoFit/>
           </a:bodyPr>
           <a:lstStyle>
-            <a:lvl1pPr algn="l">
-              <a:defRPr sz="6400" b="1">
+            <a:lvl1pPr>
+              <a:defRPr sz="12800" b="1">
+                <a:solidFill>
+                  <a:srgbClr val="FFFFFF"/>
+                </a:solidFill>
                 <a:latin typeface="+mj-lt"/>
                 <a:ea typeface="+mj-ea"/>
                 <a:cs typeface="+mj-cs"/>
@@ -16396,167 +16562,23 @@
           </a:lstStyle>
           <a:p>
             <a:r>
-              <a:rPr lang="en-US" dirty="0"/>
-              <a:t>14. DOM: collections</a:t>
-            </a:r>
-          </a:p>
-        </p:txBody>
-      </p:sp>
-      <p:sp>
-        <p:nvSpPr>
-          <p:cNvPr id="78" name="Line"/>
-          <p:cNvSpPr/>
-          <p:nvPr/>
-        </p:nvSpPr>
-        <p:spPr>
-          <a:xfrm>
-            <a:off x="2641600" y="1846231"/>
-            <a:ext cx="1516409" cy="1"/>
-          </a:xfrm>
-          <a:prstGeom prst="line">
-            <a:avLst/>
-          </a:prstGeom>
-          <a:ln w="203200">
-            <a:solidFill>
-              <a:srgbClr val="FF3454"/>
-            </a:solidFill>
-            <a:miter lim="400000"/>
-          </a:ln>
-        </p:spPr>
-        <p:txBody>
-          <a:bodyPr lIns="50800" tIns="50800" rIns="50800" bIns="50800" anchor="ctr"/>
-          <a:lstStyle/>
-          <a:p>
-            <a:pPr algn="l">
-              <a:defRPr sz="2800">
-                <a:latin typeface="+mj-lt"/>
-                <a:ea typeface="+mj-ea"/>
-                <a:cs typeface="+mj-cs"/>
-                <a:sym typeface="Avenir Next"/>
-              </a:defRPr>
-            </a:pPr>
-            <a:endParaRPr/>
-          </a:p>
-        </p:txBody>
-      </p:sp>
-      <p:sp>
-        <p:nvSpPr>
-          <p:cNvPr id="5" name="Build products that are fast, effortless to use, and aesthetically pleasing. Make things meaningful and worthy of your time.…">
-            <a:extLst>
-              <a:ext uri="{FF2B5EF4-FFF2-40B4-BE49-F238E27FC236}">
-                <a16:creationId xmlns:a16="http://schemas.microsoft.com/office/drawing/2014/main" id="{7CB97C34-33FE-814D-8C51-742D4404DD26}"/>
-              </a:ext>
-            </a:extLst>
-          </p:cNvPr>
-          <p:cNvSpPr txBox="1"/>
-          <p:nvPr/>
-        </p:nvSpPr>
-        <p:spPr>
-          <a:xfrm>
-            <a:off x="2641600" y="4363371"/>
-            <a:ext cx="19179617" cy="1960793"/>
-          </a:xfrm>
-          <a:prstGeom prst="rect">
-            <a:avLst/>
-          </a:prstGeom>
-          <a:ln w="12700">
-            <a:miter lim="400000"/>
-          </a:ln>
-          <a:extLst>
-            <a:ext uri="{C572A759-6A51-4108-AA02-DFA0A04FC94B}">
-              <ma14:wrappingTextBoxFlag xmlns="" xmlns:m="http://schemas.openxmlformats.org/officeDocument/2006/math" xmlns:a14="http://schemas.microsoft.com/office/drawing/2010/main" xmlns:ma14="http://schemas.microsoft.com/office/mac/drawingml/2011/main" val="1"/>
-            </a:ext>
-          </a:extLst>
-        </p:spPr>
-        <p:txBody>
-          <a:bodyPr wrap="square" lIns="50800" tIns="50800" rIns="50800" bIns="50800">
-            <a:spAutoFit/>
-          </a:bodyPr>
-          <a:lstStyle/>
-          <a:p>
-            <a:pPr marL="571500" indent="-571500" algn="l">
-              <a:lnSpc>
-                <a:spcPct val="150000"/>
-              </a:lnSpc>
-              <a:buFont typeface="Arial" panose="020B0604020202020204" pitchFamily="34" charset="0"/>
-              <a:buChar char="•"/>
-              <a:defRPr sz="4200">
-                <a:latin typeface="+mj-lt"/>
-                <a:ea typeface="+mj-ea"/>
-                <a:cs typeface="+mj-cs"/>
-                <a:sym typeface="Avenir Next"/>
-              </a:defRPr>
-            </a:pPr>
-            <a:r>
-              <a:rPr lang="en-US" dirty="0">
-                <a:sym typeface="Avenir Next"/>
-              </a:rPr>
-              <a:t>read-only, do not replace by reassigning</a:t>
-            </a:r>
-          </a:p>
-          <a:p>
-            <a:pPr marL="571500" indent="-571500" algn="l">
-              <a:lnSpc>
-                <a:spcPct val="150000"/>
-              </a:lnSpc>
-              <a:buFont typeface="Arial" panose="020B0604020202020204" pitchFamily="34" charset="0"/>
-              <a:buChar char="•"/>
-              <a:defRPr sz="4200">
-                <a:latin typeface="+mj-lt"/>
-                <a:ea typeface="+mj-ea"/>
-                <a:cs typeface="+mj-cs"/>
-                <a:sym typeface="Avenir Next"/>
-              </a:defRPr>
-            </a:pPr>
-            <a:r>
-              <a:rPr lang="en-US" dirty="0">
-                <a:sym typeface="Avenir Next"/>
-              </a:rPr>
-              <a:t>live – reflect current state</a:t>
-            </a:r>
-          </a:p>
-        </p:txBody>
-      </p:sp>
-      <p:pic>
-        <p:nvPicPr>
-          <p:cNvPr id="3" name="Picture 2" descr="A picture containing sitting, table, black, man&#10;&#10;Description automatically generated">
-            <a:extLst>
-              <a:ext uri="{FF2B5EF4-FFF2-40B4-BE49-F238E27FC236}">
-                <a16:creationId xmlns:a16="http://schemas.microsoft.com/office/drawing/2014/main" id="{25D6E108-9C4F-FB4E-9B36-52FAE357CE2B}"/>
-              </a:ext>
-            </a:extLst>
-          </p:cNvPr>
-          <p:cNvPicPr>
-            <a:picLocks noChangeAspect="1"/>
-          </p:cNvPicPr>
-          <p:nvPr/>
-        </p:nvPicPr>
-        <p:blipFill>
-          <a:blip r:embed="rId2">
-            <a:extLst>
-              <a:ext uri="{28A0092B-C50C-407E-A947-70E740481C1C}">
-                <a14:useLocalDpi xmlns:a14="http://schemas.microsoft.com/office/drawing/2010/main" val="0"/>
-              </a:ext>
-            </a:extLst>
-          </a:blip>
-          <a:stretch>
-            <a:fillRect/>
-          </a:stretch>
-        </p:blipFill>
-        <p:spPr>
-          <a:xfrm>
-            <a:off x="2025650" y="6494356"/>
-            <a:ext cx="11563350" cy="2674516"/>
-          </a:xfrm>
-          <a:prstGeom prst="rect">
-            <a:avLst/>
-          </a:prstGeom>
-        </p:spPr>
-      </p:pic>
+              <a:rPr lang="lt-LT" dirty="0"/>
+              <a:t>TASK:</a:t>
+            </a:r>
+          </a:p>
+          <a:p>
+            <a:r>
+              <a:rPr lang="lt-LT" dirty="0"/>
+              <a:t>dom.task3.js</a:t>
+            </a:r>
+            <a:endParaRPr dirty="0"/>
+          </a:p>
+        </p:txBody>
+      </p:sp>
     </p:spTree>
     <p:extLst>
       <p:ext uri="{BB962C8B-B14F-4D97-AF65-F5344CB8AC3E}">
-        <p14:creationId xmlns:p14="http://schemas.microsoft.com/office/powerpoint/2010/main" val="2926426952"/>
+        <p14:creationId xmlns:p14="http://schemas.microsoft.com/office/powerpoint/2010/main" val="296591906"/>
       </p:ext>
     </p:extLst>
   </p:cSld>
@@ -16586,14 +16608,14 @@
       </p:grpSpPr>
       <p:sp>
         <p:nvSpPr>
-          <p:cNvPr id="74" name="Red section title"/>
+          <p:cNvPr id="76" name="Title goes here"/>
           <p:cNvSpPr txBox="1"/>
           <p:nvPr/>
         </p:nvSpPr>
         <p:spPr>
           <a:xfrm>
-            <a:off x="7023146" y="4836933"/>
-            <a:ext cx="10337766" cy="4042132"/>
+            <a:off x="2572664" y="2699493"/>
+            <a:ext cx="11857413" cy="1087477"/>
           </a:xfrm>
           <a:prstGeom prst="rect">
             <a:avLst/>
@@ -16603,7 +16625,7 @@
           </a:ln>
           <a:extLst>
             <a:ext uri="{C572A759-6A51-4108-AA02-DFA0A04FC94B}">
-              <ma14:wrappingTextBoxFlag xmlns="" xmlns:m="http://schemas.openxmlformats.org/officeDocument/2006/math" xmlns:a14="http://schemas.microsoft.com/office/drawing/2010/main" xmlns:ma14="http://schemas.microsoft.com/office/mac/drawingml/2011/main" val="1"/>
+              <ma14:wrappingTextBoxFlag xmlns:ma14="http://schemas.microsoft.com/office/mac/drawingml/2011/main" xmlns:a14="http://schemas.microsoft.com/office/drawing/2010/main" xmlns:m="http://schemas.openxmlformats.org/officeDocument/2006/math" xmlns="" val="1"/>
             </a:ext>
           </a:extLst>
         </p:spPr>
@@ -16612,11 +16634,8 @@
             <a:spAutoFit/>
           </a:bodyPr>
           <a:lstStyle>
-            <a:lvl1pPr>
-              <a:defRPr sz="12800" b="1">
-                <a:solidFill>
-                  <a:srgbClr val="FFFFFF"/>
-                </a:solidFill>
+            <a:lvl1pPr algn="l">
+              <a:defRPr sz="6400" b="1">
                 <a:latin typeface="+mj-lt"/>
                 <a:ea typeface="+mj-ea"/>
                 <a:cs typeface="+mj-cs"/>
@@ -16626,23 +16645,143 @@
           </a:lstStyle>
           <a:p>
             <a:r>
-              <a:rPr lang="lt-LT" dirty="0"/>
-              <a:t>TASK:</a:t>
-            </a:r>
-          </a:p>
-          <a:p>
-            <a:r>
-              <a:rPr lang="lt-LT" dirty="0"/>
-              <a:t>dom.task2.js</a:t>
-            </a:r>
-            <a:endParaRPr dirty="0"/>
-          </a:p>
-        </p:txBody>
-      </p:sp>
+              <a:rPr lang="en-US" dirty="0"/>
+              <a:t>14. DOM: element properties</a:t>
+            </a:r>
+          </a:p>
+        </p:txBody>
+      </p:sp>
+      <p:sp>
+        <p:nvSpPr>
+          <p:cNvPr id="78" name="Line"/>
+          <p:cNvSpPr/>
+          <p:nvPr/>
+        </p:nvSpPr>
+        <p:spPr>
+          <a:xfrm>
+            <a:off x="2641600" y="1846231"/>
+            <a:ext cx="1516409" cy="1"/>
+          </a:xfrm>
+          <a:prstGeom prst="line">
+            <a:avLst/>
+          </a:prstGeom>
+          <a:ln w="203200">
+            <a:solidFill>
+              <a:srgbClr val="FF3454"/>
+            </a:solidFill>
+            <a:miter lim="400000"/>
+          </a:ln>
+        </p:spPr>
+        <p:txBody>
+          <a:bodyPr lIns="50800" tIns="50800" rIns="50800" bIns="50800" anchor="ctr"/>
+          <a:lstStyle/>
+          <a:p>
+            <a:pPr algn="l">
+              <a:defRPr sz="2800">
+                <a:latin typeface="+mj-lt"/>
+                <a:ea typeface="+mj-ea"/>
+                <a:cs typeface="+mj-cs"/>
+                <a:sym typeface="Avenir Next"/>
+              </a:defRPr>
+            </a:pPr>
+            <a:endParaRPr/>
+          </a:p>
+        </p:txBody>
+      </p:sp>
+      <p:sp>
+        <p:nvSpPr>
+          <p:cNvPr id="5" name="Build products that are fast, effortless to use, and aesthetically pleasing. Make things meaningful and worthy of your time.…">
+            <a:extLst>
+              <a:ext uri="{FF2B5EF4-FFF2-40B4-BE49-F238E27FC236}">
+                <a16:creationId xmlns:a16="http://schemas.microsoft.com/office/drawing/2014/main" id="{7CB97C34-33FE-814D-8C51-742D4404DD26}"/>
+              </a:ext>
+            </a:extLst>
+          </p:cNvPr>
+          <p:cNvSpPr txBox="1"/>
+          <p:nvPr/>
+        </p:nvSpPr>
+        <p:spPr>
+          <a:xfrm>
+            <a:off x="2641600" y="4363371"/>
+            <a:ext cx="19179617" cy="991297"/>
+          </a:xfrm>
+          <a:prstGeom prst="rect">
+            <a:avLst/>
+          </a:prstGeom>
+          <a:ln w="12700">
+            <a:miter lim="400000"/>
+          </a:ln>
+          <a:extLst>
+            <a:ext uri="{C572A759-6A51-4108-AA02-DFA0A04FC94B}">
+              <ma14:wrappingTextBoxFlag xmlns:ma14="http://schemas.microsoft.com/office/mac/drawingml/2011/main" xmlns:a14="http://schemas.microsoft.com/office/drawing/2010/main" xmlns:m="http://schemas.openxmlformats.org/officeDocument/2006/math" xmlns="" val="1"/>
+            </a:ext>
+          </a:extLst>
+        </p:spPr>
+        <p:txBody>
+          <a:bodyPr wrap="square" lIns="50800" tIns="50800" rIns="50800" bIns="50800">
+            <a:spAutoFit/>
+          </a:bodyPr>
+          <a:lstStyle/>
+          <a:p>
+            <a:pPr marL="571500" indent="-571500" algn="l">
+              <a:lnSpc>
+                <a:spcPct val="150000"/>
+              </a:lnSpc>
+              <a:buFont typeface="Arial" panose="020B0604020202020204" pitchFamily="34" charset="0"/>
+              <a:buChar char="•"/>
+              <a:defRPr sz="4200">
+                <a:latin typeface="+mj-lt"/>
+                <a:ea typeface="+mj-ea"/>
+                <a:cs typeface="+mj-cs"/>
+                <a:sym typeface="Avenir Next"/>
+              </a:defRPr>
+            </a:pPr>
+            <a:endParaRPr lang="en-US" dirty="0">
+              <a:sym typeface="Avenir Next"/>
+            </a:endParaRPr>
+          </a:p>
+        </p:txBody>
+      </p:sp>
+      <p:pic>
+        <p:nvPicPr>
+          <p:cNvPr id="7" name="Picture 6" descr="A close up of a screen&#10;&#10;Description automatically generated">
+            <a:extLst>
+              <a:ext uri="{FF2B5EF4-FFF2-40B4-BE49-F238E27FC236}">
+                <a16:creationId xmlns:a16="http://schemas.microsoft.com/office/drawing/2014/main" id="{FA9D8481-CAE6-974D-96FA-821A46DC28C1}"/>
+              </a:ext>
+            </a:extLst>
+          </p:cNvPr>
+          <p:cNvPicPr>
+            <a:picLocks noChangeAspect="1"/>
+          </p:cNvPicPr>
+          <p:nvPr/>
+        </p:nvPicPr>
+        <p:blipFill>
+          <a:blip r:embed="rId2">
+            <a:extLst>
+              <a:ext uri="{28A0092B-C50C-407E-A947-70E740481C1C}">
+                <a14:useLocalDpi xmlns:a14="http://schemas.microsoft.com/office/drawing/2010/main" val="0"/>
+              </a:ext>
+            </a:extLst>
+          </a:blip>
+          <a:stretch>
+            <a:fillRect/>
+          </a:stretch>
+        </p:blipFill>
+        <p:spPr>
+          <a:xfrm>
+            <a:off x="1826182" y="4024718"/>
+            <a:ext cx="17362085" cy="5666563"/>
+          </a:xfrm>
+          <a:prstGeom prst="rect">
+            <a:avLst/>
+          </a:prstGeom>
+        </p:spPr>
+      </p:pic>
     </p:spTree>
     <p:extLst>
       <p:ext uri="{BB962C8B-B14F-4D97-AF65-F5344CB8AC3E}">
-        <p14:creationId xmlns:p14="http://schemas.microsoft.com/office/powerpoint/2010/main" val="59211961"/>
+        <p14:creationId xmlns:p14="http://schemas.microsoft.com/office/powerpoint/2010/main" val="3038222032"/>
       </p:ext>
     </p:extLst>
   </p:cSld>
@@ -16679,7 +16818,7 @@
         <p:spPr>
           <a:xfrm>
             <a:off x="2572664" y="2699493"/>
-            <a:ext cx="8087150" cy="1087477"/>
+            <a:ext cx="8079135" cy="1087477"/>
           </a:xfrm>
           <a:prstGeom prst="rect">
             <a:avLst/>
@@ -16689,7 +16828,7 @@
           </a:ln>
           <a:extLst>
             <a:ext uri="{C572A759-6A51-4108-AA02-DFA0A04FC94B}">
-              <ma14:wrappingTextBoxFlag xmlns="" xmlns:m="http://schemas.openxmlformats.org/officeDocument/2006/math" xmlns:a14="http://schemas.microsoft.com/office/drawing/2010/main" xmlns:ma14="http://schemas.microsoft.com/office/mac/drawingml/2011/main" val="1"/>
+              <ma14:wrappingTextBoxFlag xmlns:ma14="http://schemas.microsoft.com/office/mac/drawingml/2011/main" xmlns:a14="http://schemas.microsoft.com/office/drawing/2010/main" xmlns:m="http://schemas.openxmlformats.org/officeDocument/2006/math" xmlns="" val="1"/>
             </a:ext>
           </a:extLst>
         </p:spPr>
@@ -16710,7 +16849,7 @@
           <a:p>
             <a:r>
               <a:rPr lang="en-US" dirty="0"/>
-              <a:t>14. DOM: searching</a:t>
+              <a:t>14. DOM: attributes</a:t>
             </a:r>
           </a:p>
         </p:txBody>
@@ -16777,7 +16916,7 @@
           </a:ln>
           <a:extLst>
             <a:ext uri="{C572A759-6A51-4108-AA02-DFA0A04FC94B}">
-              <ma14:wrappingTextBoxFlag xmlns="" xmlns:m="http://schemas.openxmlformats.org/officeDocument/2006/math" xmlns:a14="http://schemas.microsoft.com/office/drawing/2010/main" xmlns:ma14="http://schemas.microsoft.com/office/mac/drawingml/2011/main" val="1"/>
+              <ma14:wrappingTextBoxFlag xmlns:ma14="http://schemas.microsoft.com/office/mac/drawingml/2011/main" xmlns:a14="http://schemas.microsoft.com/office/drawing/2010/main" xmlns:m="http://schemas.openxmlformats.org/officeDocument/2006/math" xmlns="" val="1"/>
             </a:ext>
           </a:extLst>
         </p:spPr>
@@ -16808,10 +16947,10 @@
       </p:sp>
       <p:pic>
         <p:nvPicPr>
-          <p:cNvPr id="3" name="Picture 2" descr="A screenshot of a cell phone&#10;&#10;Description automatically generated">
+          <p:cNvPr id="8" name="Picture 7" descr="A close up of a screen&#10;&#10;Description automatically generated">
             <a:extLst>
               <a:ext uri="{FF2B5EF4-FFF2-40B4-BE49-F238E27FC236}">
-                <a16:creationId xmlns:a16="http://schemas.microsoft.com/office/drawing/2014/main" id="{C7FD20D2-1E56-414C-BF95-1513CC4FCB3D}"/>
+                <a16:creationId xmlns:a16="http://schemas.microsoft.com/office/drawing/2014/main" id="{B2F1696A-3021-2849-B4B4-DDC760B339EE}"/>
               </a:ext>
             </a:extLst>
           </p:cNvPr>
@@ -16834,8 +16973,8 @@
         </p:blipFill>
         <p:spPr>
           <a:xfrm>
-            <a:off x="1874325" y="4109371"/>
-            <a:ext cx="20635349" cy="7506398"/>
+            <a:off x="2079298" y="4083970"/>
+            <a:ext cx="17740675" cy="7168229"/>
           </a:xfrm>
           <a:prstGeom prst="rect">
             <a:avLst/>
@@ -16845,7 +16984,7 @@
     </p:spTree>
     <p:extLst>
       <p:ext uri="{BB962C8B-B14F-4D97-AF65-F5344CB8AC3E}">
-        <p14:creationId xmlns:p14="http://schemas.microsoft.com/office/powerpoint/2010/main" val="2169077524"/>
+        <p14:creationId xmlns:p14="http://schemas.microsoft.com/office/powerpoint/2010/main" val="629148597"/>
       </p:ext>
     </p:extLst>
   </p:cSld>
@@ -16875,14 +17014,14 @@
       </p:grpSpPr>
       <p:sp>
         <p:nvSpPr>
-          <p:cNvPr id="74" name="Red section title"/>
+          <p:cNvPr id="76" name="Title goes here"/>
           <p:cNvSpPr txBox="1"/>
           <p:nvPr/>
         </p:nvSpPr>
         <p:spPr>
           <a:xfrm>
-            <a:off x="7023147" y="4836933"/>
-            <a:ext cx="10337766" cy="4042132"/>
+            <a:off x="2572664" y="2699493"/>
+            <a:ext cx="10058844" cy="1087477"/>
           </a:xfrm>
           <a:prstGeom prst="rect">
             <a:avLst/>
@@ -16892,7 +17031,7 @@
           </a:ln>
           <a:extLst>
             <a:ext uri="{C572A759-6A51-4108-AA02-DFA0A04FC94B}">
-              <ma14:wrappingTextBoxFlag xmlns="" xmlns:m="http://schemas.openxmlformats.org/officeDocument/2006/math" xmlns:a14="http://schemas.microsoft.com/office/drawing/2010/main" xmlns:ma14="http://schemas.microsoft.com/office/mac/drawingml/2011/main" val="1"/>
+              <ma14:wrappingTextBoxFlag xmlns:ma14="http://schemas.microsoft.com/office/mac/drawingml/2011/main" xmlns:a14="http://schemas.microsoft.com/office/drawing/2010/main" xmlns:m="http://schemas.openxmlformats.org/officeDocument/2006/math" xmlns="" val="1"/>
             </a:ext>
           </a:extLst>
         </p:spPr>
@@ -16901,11 +17040,8 @@
             <a:spAutoFit/>
           </a:bodyPr>
           <a:lstStyle>
-            <a:lvl1pPr>
-              <a:defRPr sz="12800" b="1">
-                <a:solidFill>
-                  <a:srgbClr val="FFFFFF"/>
-                </a:solidFill>
+            <a:lvl1pPr algn="l">
+              <a:defRPr sz="6400" b="1">
                 <a:latin typeface="+mj-lt"/>
                 <a:ea typeface="+mj-ea"/>
                 <a:cs typeface="+mj-cs"/>
@@ -16915,23 +17051,221 @@
           </a:lstStyle>
           <a:p>
             <a:r>
-              <a:rPr lang="lt-LT" dirty="0"/>
-              <a:t>TASK:</a:t>
-            </a:r>
-          </a:p>
-          <a:p>
-            <a:r>
-              <a:rPr lang="lt-LT" dirty="0"/>
-              <a:t>dom.task3.js</a:t>
-            </a:r>
-            <a:endParaRPr dirty="0"/>
-          </a:p>
-        </p:txBody>
-      </p:sp>
+              <a:rPr lang="en-US" dirty="0"/>
+              <a:t>14. DOM: data attributes</a:t>
+            </a:r>
+          </a:p>
+        </p:txBody>
+      </p:sp>
+      <p:sp>
+        <p:nvSpPr>
+          <p:cNvPr id="78" name="Line"/>
+          <p:cNvSpPr/>
+          <p:nvPr/>
+        </p:nvSpPr>
+        <p:spPr>
+          <a:xfrm>
+            <a:off x="2641600" y="1846231"/>
+            <a:ext cx="1516409" cy="1"/>
+          </a:xfrm>
+          <a:prstGeom prst="line">
+            <a:avLst/>
+          </a:prstGeom>
+          <a:ln w="203200">
+            <a:solidFill>
+              <a:srgbClr val="FF3454"/>
+            </a:solidFill>
+            <a:miter lim="400000"/>
+          </a:ln>
+        </p:spPr>
+        <p:txBody>
+          <a:bodyPr lIns="50800" tIns="50800" rIns="50800" bIns="50800" anchor="ctr"/>
+          <a:lstStyle/>
+          <a:p>
+            <a:pPr algn="l">
+              <a:defRPr sz="2800">
+                <a:latin typeface="+mj-lt"/>
+                <a:ea typeface="+mj-ea"/>
+                <a:cs typeface="+mj-cs"/>
+                <a:sym typeface="Avenir Next"/>
+              </a:defRPr>
+            </a:pPr>
+            <a:endParaRPr/>
+          </a:p>
+        </p:txBody>
+      </p:sp>
+      <p:sp>
+        <p:nvSpPr>
+          <p:cNvPr id="5" name="Build products that are fast, effortless to use, and aesthetically pleasing. Make things meaningful and worthy of your time.…">
+            <a:extLst>
+              <a:ext uri="{FF2B5EF4-FFF2-40B4-BE49-F238E27FC236}">
+                <a16:creationId xmlns:a16="http://schemas.microsoft.com/office/drawing/2014/main" id="{7CB97C34-33FE-814D-8C51-742D4404DD26}"/>
+              </a:ext>
+            </a:extLst>
+          </p:cNvPr>
+          <p:cNvSpPr txBox="1"/>
+          <p:nvPr/>
+        </p:nvSpPr>
+        <p:spPr>
+          <a:xfrm>
+            <a:off x="2641600" y="4363371"/>
+            <a:ext cx="19179617" cy="991297"/>
+          </a:xfrm>
+          <a:prstGeom prst="rect">
+            <a:avLst/>
+          </a:prstGeom>
+          <a:ln w="12700">
+            <a:miter lim="400000"/>
+          </a:ln>
+          <a:extLst>
+            <a:ext uri="{C572A759-6A51-4108-AA02-DFA0A04FC94B}">
+              <ma14:wrappingTextBoxFlag xmlns:ma14="http://schemas.microsoft.com/office/mac/drawingml/2011/main" xmlns:a14="http://schemas.microsoft.com/office/drawing/2010/main" xmlns:m="http://schemas.openxmlformats.org/officeDocument/2006/math" xmlns="" val="1"/>
+            </a:ext>
+          </a:extLst>
+        </p:spPr>
+        <p:txBody>
+          <a:bodyPr wrap="square" lIns="50800" tIns="50800" rIns="50800" bIns="50800">
+            <a:spAutoFit/>
+          </a:bodyPr>
+          <a:lstStyle/>
+          <a:p>
+            <a:pPr marL="571500" indent="-571500" algn="l">
+              <a:lnSpc>
+                <a:spcPct val="150000"/>
+              </a:lnSpc>
+              <a:buFont typeface="Arial" panose="020B0604020202020204" pitchFamily="34" charset="0"/>
+              <a:buChar char="•"/>
+              <a:defRPr sz="4200">
+                <a:latin typeface="+mj-lt"/>
+                <a:ea typeface="+mj-ea"/>
+                <a:cs typeface="+mj-cs"/>
+                <a:sym typeface="Avenir Next"/>
+              </a:defRPr>
+            </a:pPr>
+            <a:endParaRPr lang="en-US" dirty="0">
+              <a:sym typeface="Avenir Next"/>
+            </a:endParaRPr>
+          </a:p>
+        </p:txBody>
+      </p:sp>
+      <p:sp>
+        <p:nvSpPr>
+          <p:cNvPr id="7" name="Build products that are fast, effortless to use, and aesthetically pleasing. Make things meaningful and worthy of your time.…">
+            <a:extLst>
+              <a:ext uri="{FF2B5EF4-FFF2-40B4-BE49-F238E27FC236}">
+                <a16:creationId xmlns:a16="http://schemas.microsoft.com/office/drawing/2014/main" id="{D4F106EF-1CBB-7147-9154-205ACF5C9B41}"/>
+              </a:ext>
+            </a:extLst>
+          </p:cNvPr>
+          <p:cNvSpPr txBox="1"/>
+          <p:nvPr/>
+        </p:nvSpPr>
+        <p:spPr>
+          <a:xfrm>
+            <a:off x="2641600" y="4363371"/>
+            <a:ext cx="19179617" cy="1960793"/>
+          </a:xfrm>
+          <a:prstGeom prst="rect">
+            <a:avLst/>
+          </a:prstGeom>
+          <a:ln w="12700">
+            <a:miter lim="400000"/>
+          </a:ln>
+          <a:extLst>
+            <a:ext uri="{C572A759-6A51-4108-AA02-DFA0A04FC94B}">
+              <ma14:wrappingTextBoxFlag xmlns:ma14="http://schemas.microsoft.com/office/mac/drawingml/2011/main" xmlns:a14="http://schemas.microsoft.com/office/drawing/2010/main" xmlns:m="http://schemas.openxmlformats.org/officeDocument/2006/math" xmlns="" val="1"/>
+            </a:ext>
+          </a:extLst>
+        </p:spPr>
+        <p:txBody>
+          <a:bodyPr wrap="square" lIns="50800" tIns="50800" rIns="50800" bIns="50800">
+            <a:spAutoFit/>
+          </a:bodyPr>
+          <a:lstStyle/>
+          <a:p>
+            <a:pPr marL="571500" indent="-571500" algn="l">
+              <a:lnSpc>
+                <a:spcPct val="150000"/>
+              </a:lnSpc>
+              <a:buFont typeface="Arial" panose="020B0604020202020204" pitchFamily="34" charset="0"/>
+              <a:buChar char="•"/>
+              <a:defRPr sz="4200">
+                <a:latin typeface="+mj-lt"/>
+                <a:ea typeface="+mj-ea"/>
+                <a:cs typeface="+mj-cs"/>
+                <a:sym typeface="Avenir Next"/>
+              </a:defRPr>
+            </a:pPr>
+            <a:r>
+              <a:rPr lang="en-US" dirty="0">
+                <a:sym typeface="Avenir Next"/>
+              </a:rPr>
+              <a:t>Data attributes are reserved for programmers</a:t>
+            </a:r>
+          </a:p>
+          <a:p>
+            <a:pPr marL="571500" indent="-571500" algn="l">
+              <a:lnSpc>
+                <a:spcPct val="150000"/>
+              </a:lnSpc>
+              <a:buFont typeface="Arial" panose="020B0604020202020204" pitchFamily="34" charset="0"/>
+              <a:buChar char="•"/>
+              <a:defRPr sz="4200">
+                <a:latin typeface="+mj-lt"/>
+                <a:ea typeface="+mj-ea"/>
+                <a:cs typeface="+mj-cs"/>
+                <a:sym typeface="Avenir Next"/>
+              </a:defRPr>
+            </a:pPr>
+            <a:r>
+              <a:rPr lang="en-US" dirty="0">
+                <a:sym typeface="Avenir Next"/>
+              </a:rPr>
+              <a:t>camelCase in JS code</a:t>
+            </a:r>
+          </a:p>
+        </p:txBody>
+      </p:sp>
+      <p:pic>
+        <p:nvPicPr>
+          <p:cNvPr id="6" name="Picture 5" descr="A picture containing sitting, table, laptop, apple&#10;&#10;Description automatically generated">
+            <a:extLst>
+              <a:ext uri="{FF2B5EF4-FFF2-40B4-BE49-F238E27FC236}">
+                <a16:creationId xmlns:a16="http://schemas.microsoft.com/office/drawing/2014/main" id="{26B43436-0CDC-554C-9AA5-61EF692951E5}"/>
+              </a:ext>
+            </a:extLst>
+          </p:cNvPr>
+          <p:cNvPicPr>
+            <a:picLocks noChangeAspect="1"/>
+          </p:cNvPicPr>
+          <p:nvPr/>
+        </p:nvPicPr>
+        <p:blipFill>
+          <a:blip r:embed="rId2">
+            <a:extLst>
+              <a:ext uri="{28A0092B-C50C-407E-A947-70E740481C1C}">
+                <a14:useLocalDpi xmlns:a14="http://schemas.microsoft.com/office/drawing/2010/main" val="0"/>
+              </a:ext>
+            </a:extLst>
+          </a:blip>
+          <a:stretch>
+            <a:fillRect/>
+          </a:stretch>
+        </p:blipFill>
+        <p:spPr>
+          <a:xfrm>
+            <a:off x="1816099" y="6320922"/>
+            <a:ext cx="14058901" cy="3532039"/>
+          </a:xfrm>
+          <a:prstGeom prst="rect">
+            <a:avLst/>
+          </a:prstGeom>
+        </p:spPr>
+      </p:pic>
     </p:spTree>
     <p:extLst>
       <p:ext uri="{BB962C8B-B14F-4D97-AF65-F5344CB8AC3E}">
-        <p14:creationId xmlns:p14="http://schemas.microsoft.com/office/powerpoint/2010/main" val="296591906"/>
+        <p14:creationId xmlns:p14="http://schemas.microsoft.com/office/powerpoint/2010/main" val="3362801709"/>
       </p:ext>
     </p:extLst>
   </p:cSld>
@@ -16961,14 +17295,14 @@
       </p:grpSpPr>
       <p:sp>
         <p:nvSpPr>
-          <p:cNvPr id="76" name="Title goes here"/>
+          <p:cNvPr id="74" name="Red section title"/>
           <p:cNvSpPr txBox="1"/>
           <p:nvPr/>
         </p:nvSpPr>
         <p:spPr>
           <a:xfrm>
-            <a:off x="2572664" y="2699493"/>
-            <a:ext cx="11857413" cy="1087477"/>
+            <a:off x="7023146" y="4836933"/>
+            <a:ext cx="10337766" cy="4042132"/>
           </a:xfrm>
           <a:prstGeom prst="rect">
             <a:avLst/>
@@ -16978,7 +17312,7 @@
           </a:ln>
           <a:extLst>
             <a:ext uri="{C572A759-6A51-4108-AA02-DFA0A04FC94B}">
-              <ma14:wrappingTextBoxFlag xmlns="" xmlns:m="http://schemas.openxmlformats.org/officeDocument/2006/math" xmlns:a14="http://schemas.microsoft.com/office/drawing/2010/main" xmlns:ma14="http://schemas.microsoft.com/office/mac/drawingml/2011/main" val="1"/>
+              <ma14:wrappingTextBoxFlag xmlns:ma14="http://schemas.microsoft.com/office/mac/drawingml/2011/main" xmlns:a14="http://schemas.microsoft.com/office/drawing/2010/main" xmlns:m="http://schemas.openxmlformats.org/officeDocument/2006/math" xmlns="" val="1"/>
             </a:ext>
           </a:extLst>
         </p:spPr>
@@ -16987,8 +17321,11 @@
             <a:spAutoFit/>
           </a:bodyPr>
           <a:lstStyle>
-            <a:lvl1pPr algn="l">
-              <a:defRPr sz="6400" b="1">
+            <a:lvl1pPr>
+              <a:defRPr sz="12800" b="1">
+                <a:solidFill>
+                  <a:srgbClr val="FFFFFF"/>
+                </a:solidFill>
                 <a:latin typeface="+mj-lt"/>
                 <a:ea typeface="+mj-ea"/>
                 <a:cs typeface="+mj-cs"/>
@@ -16998,143 +17335,23 @@
           </a:lstStyle>
           <a:p>
             <a:r>
-              <a:rPr lang="en-US" dirty="0"/>
-              <a:t>14. DOM: element properties</a:t>
-            </a:r>
-          </a:p>
-        </p:txBody>
-      </p:sp>
-      <p:sp>
-        <p:nvSpPr>
-          <p:cNvPr id="78" name="Line"/>
-          <p:cNvSpPr/>
-          <p:nvPr/>
-        </p:nvSpPr>
-        <p:spPr>
-          <a:xfrm>
-            <a:off x="2641600" y="1846231"/>
-            <a:ext cx="1516409" cy="1"/>
-          </a:xfrm>
-          <a:prstGeom prst="line">
-            <a:avLst/>
-          </a:prstGeom>
-          <a:ln w="203200">
-            <a:solidFill>
-              <a:srgbClr val="FF3454"/>
-            </a:solidFill>
-            <a:miter lim="400000"/>
-          </a:ln>
-        </p:spPr>
-        <p:txBody>
-          <a:bodyPr lIns="50800" tIns="50800" rIns="50800" bIns="50800" anchor="ctr"/>
-          <a:lstStyle/>
-          <a:p>
-            <a:pPr algn="l">
-              <a:defRPr sz="2800">
-                <a:latin typeface="+mj-lt"/>
-                <a:ea typeface="+mj-ea"/>
-                <a:cs typeface="+mj-cs"/>
-                <a:sym typeface="Avenir Next"/>
-              </a:defRPr>
-            </a:pPr>
-            <a:endParaRPr/>
-          </a:p>
-        </p:txBody>
-      </p:sp>
-      <p:sp>
-        <p:nvSpPr>
-          <p:cNvPr id="5" name="Build products that are fast, effortless to use, and aesthetically pleasing. Make things meaningful and worthy of your time.…">
-            <a:extLst>
-              <a:ext uri="{FF2B5EF4-FFF2-40B4-BE49-F238E27FC236}">
-                <a16:creationId xmlns:a16="http://schemas.microsoft.com/office/drawing/2014/main" id="{7CB97C34-33FE-814D-8C51-742D4404DD26}"/>
-              </a:ext>
-            </a:extLst>
-          </p:cNvPr>
-          <p:cNvSpPr txBox="1"/>
-          <p:nvPr/>
-        </p:nvSpPr>
-        <p:spPr>
-          <a:xfrm>
-            <a:off x="2641600" y="4363371"/>
-            <a:ext cx="19179617" cy="991297"/>
-          </a:xfrm>
-          <a:prstGeom prst="rect">
-            <a:avLst/>
-          </a:prstGeom>
-          <a:ln w="12700">
-            <a:miter lim="400000"/>
-          </a:ln>
-          <a:extLst>
-            <a:ext uri="{C572A759-6A51-4108-AA02-DFA0A04FC94B}">
-              <ma14:wrappingTextBoxFlag xmlns="" xmlns:m="http://schemas.openxmlformats.org/officeDocument/2006/math" xmlns:a14="http://schemas.microsoft.com/office/drawing/2010/main" xmlns:ma14="http://schemas.microsoft.com/office/mac/drawingml/2011/main" val="1"/>
-            </a:ext>
-          </a:extLst>
-        </p:spPr>
-        <p:txBody>
-          <a:bodyPr wrap="square" lIns="50800" tIns="50800" rIns="50800" bIns="50800">
-            <a:spAutoFit/>
-          </a:bodyPr>
-          <a:lstStyle/>
-          <a:p>
-            <a:pPr marL="571500" indent="-571500" algn="l">
-              <a:lnSpc>
-                <a:spcPct val="150000"/>
-              </a:lnSpc>
-              <a:buFont typeface="Arial" panose="020B0604020202020204" pitchFamily="34" charset="0"/>
-              <a:buChar char="•"/>
-              <a:defRPr sz="4200">
-                <a:latin typeface="+mj-lt"/>
-                <a:ea typeface="+mj-ea"/>
-                <a:cs typeface="+mj-cs"/>
-                <a:sym typeface="Avenir Next"/>
-              </a:defRPr>
-            </a:pPr>
-            <a:endParaRPr lang="en-US" dirty="0">
-              <a:sym typeface="Avenir Next"/>
-            </a:endParaRPr>
-          </a:p>
-        </p:txBody>
-      </p:sp>
-      <p:pic>
-        <p:nvPicPr>
-          <p:cNvPr id="7" name="Picture 6" descr="A close up of a screen&#10;&#10;Description automatically generated">
-            <a:extLst>
-              <a:ext uri="{FF2B5EF4-FFF2-40B4-BE49-F238E27FC236}">
-                <a16:creationId xmlns:a16="http://schemas.microsoft.com/office/drawing/2014/main" id="{FA9D8481-CAE6-974D-96FA-821A46DC28C1}"/>
-              </a:ext>
-            </a:extLst>
-          </p:cNvPr>
-          <p:cNvPicPr>
-            <a:picLocks noChangeAspect="1"/>
-          </p:cNvPicPr>
-          <p:nvPr/>
-        </p:nvPicPr>
-        <p:blipFill>
-          <a:blip r:embed="rId2">
-            <a:extLst>
-              <a:ext uri="{28A0092B-C50C-407E-A947-70E740481C1C}">
-                <a14:useLocalDpi xmlns:a14="http://schemas.microsoft.com/office/drawing/2010/main" val="0"/>
-              </a:ext>
-            </a:extLst>
-          </a:blip>
-          <a:stretch>
-            <a:fillRect/>
-          </a:stretch>
-        </p:blipFill>
-        <p:spPr>
-          <a:xfrm>
-            <a:off x="1826182" y="4024718"/>
-            <a:ext cx="17362085" cy="5666563"/>
-          </a:xfrm>
-          <a:prstGeom prst="rect">
-            <a:avLst/>
-          </a:prstGeom>
-        </p:spPr>
-      </p:pic>
+              <a:rPr lang="lt-LT" dirty="0"/>
+              <a:t>TASK:</a:t>
+            </a:r>
+          </a:p>
+          <a:p>
+            <a:r>
+              <a:rPr lang="lt-LT" dirty="0"/>
+              <a:t>dom.task4.js</a:t>
+            </a:r>
+            <a:endParaRPr dirty="0"/>
+          </a:p>
+        </p:txBody>
+      </p:sp>
     </p:spTree>
     <p:extLst>
       <p:ext uri="{BB962C8B-B14F-4D97-AF65-F5344CB8AC3E}">
-        <p14:creationId xmlns:p14="http://schemas.microsoft.com/office/powerpoint/2010/main" val="3038222032"/>
+        <p14:creationId xmlns:p14="http://schemas.microsoft.com/office/powerpoint/2010/main" val="3943095609"/>
       </p:ext>
     </p:extLst>
   </p:cSld>
@@ -17181,7 +17398,7 @@
           </a:ln>
           <a:extLst>
             <a:ext uri="{C572A759-6A51-4108-AA02-DFA0A04FC94B}">
-              <ma14:wrappingTextBoxFlag xmlns="" xmlns:m="http://schemas.openxmlformats.org/officeDocument/2006/math" xmlns:a14="http://schemas.microsoft.com/office/drawing/2010/main" xmlns:ma14="http://schemas.microsoft.com/office/mac/drawingml/2011/main" val="1"/>
+              <ma14:wrappingTextBoxFlag xmlns:ma14="http://schemas.microsoft.com/office/mac/drawingml/2011/main" xmlns:a14="http://schemas.microsoft.com/office/drawing/2010/main" xmlns:m="http://schemas.openxmlformats.org/officeDocument/2006/math" xmlns="" val="1"/>
             </a:ext>
           </a:extLst>
         </p:spPr>
@@ -17245,14 +17462,14 @@
       </p:grpSpPr>
       <p:sp>
         <p:nvSpPr>
-          <p:cNvPr id="76" name="Title goes here"/>
+          <p:cNvPr id="475" name="Thank you."/>
           <p:cNvSpPr txBox="1"/>
           <p:nvPr/>
         </p:nvSpPr>
         <p:spPr>
           <a:xfrm>
-            <a:off x="2572664" y="2699493"/>
-            <a:ext cx="8079135" cy="1087477"/>
+            <a:off x="2558874" y="9072860"/>
+            <a:ext cx="5722113" cy="1536701"/>
           </a:xfrm>
           <a:prstGeom prst="rect">
             <a:avLst/>
@@ -17262,1071 +17479,7 @@
           </a:ln>
           <a:extLst>
             <a:ext uri="{C572A759-6A51-4108-AA02-DFA0A04FC94B}">
-              <ma14:wrappingTextBoxFlag xmlns="" xmlns:m="http://schemas.openxmlformats.org/officeDocument/2006/math" xmlns:a14="http://schemas.microsoft.com/office/drawing/2010/main" xmlns:ma14="http://schemas.microsoft.com/office/mac/drawingml/2011/main" val="1"/>
-            </a:ext>
-          </a:extLst>
-        </p:spPr>
-        <p:txBody>
-          <a:bodyPr wrap="none" lIns="50800" tIns="50800" rIns="50800" bIns="50800" anchor="ctr">
-            <a:spAutoFit/>
-          </a:bodyPr>
-          <a:lstStyle>
-            <a:lvl1pPr algn="l">
-              <a:defRPr sz="6400" b="1">
-                <a:latin typeface="+mj-lt"/>
-                <a:ea typeface="+mj-ea"/>
-                <a:cs typeface="+mj-cs"/>
-                <a:sym typeface="Avenir Next"/>
-              </a:defRPr>
-            </a:lvl1pPr>
-          </a:lstStyle>
-          <a:p>
-            <a:r>
-              <a:rPr lang="en-US" dirty="0"/>
-              <a:t>14. DOM: attributes</a:t>
-            </a:r>
-          </a:p>
-        </p:txBody>
-      </p:sp>
-      <p:sp>
-        <p:nvSpPr>
-          <p:cNvPr id="78" name="Line"/>
-          <p:cNvSpPr/>
-          <p:nvPr/>
-        </p:nvSpPr>
-        <p:spPr>
-          <a:xfrm>
-            <a:off x="2641600" y="1846231"/>
-            <a:ext cx="1516409" cy="1"/>
-          </a:xfrm>
-          <a:prstGeom prst="line">
-            <a:avLst/>
-          </a:prstGeom>
-          <a:ln w="203200">
-            <a:solidFill>
-              <a:srgbClr val="FF3454"/>
-            </a:solidFill>
-            <a:miter lim="400000"/>
-          </a:ln>
-        </p:spPr>
-        <p:txBody>
-          <a:bodyPr lIns="50800" tIns="50800" rIns="50800" bIns="50800" anchor="ctr"/>
-          <a:lstStyle/>
-          <a:p>
-            <a:pPr algn="l">
-              <a:defRPr sz="2800">
-                <a:latin typeface="+mj-lt"/>
-                <a:ea typeface="+mj-ea"/>
-                <a:cs typeface="+mj-cs"/>
-                <a:sym typeface="Avenir Next"/>
-              </a:defRPr>
-            </a:pPr>
-            <a:endParaRPr/>
-          </a:p>
-        </p:txBody>
-      </p:sp>
-      <p:sp>
-        <p:nvSpPr>
-          <p:cNvPr id="5" name="Build products that are fast, effortless to use, and aesthetically pleasing. Make things meaningful and worthy of your time.…">
-            <a:extLst>
-              <a:ext uri="{FF2B5EF4-FFF2-40B4-BE49-F238E27FC236}">
-                <a16:creationId xmlns:a16="http://schemas.microsoft.com/office/drawing/2014/main" id="{7CB97C34-33FE-814D-8C51-742D4404DD26}"/>
-              </a:ext>
-            </a:extLst>
-          </p:cNvPr>
-          <p:cNvSpPr txBox="1"/>
-          <p:nvPr/>
-        </p:nvSpPr>
-        <p:spPr>
-          <a:xfrm>
-            <a:off x="2641600" y="4363371"/>
-            <a:ext cx="19179617" cy="991297"/>
-          </a:xfrm>
-          <a:prstGeom prst="rect">
-            <a:avLst/>
-          </a:prstGeom>
-          <a:ln w="12700">
-            <a:miter lim="400000"/>
-          </a:ln>
-          <a:extLst>
-            <a:ext uri="{C572A759-6A51-4108-AA02-DFA0A04FC94B}">
-              <ma14:wrappingTextBoxFlag xmlns="" xmlns:m="http://schemas.openxmlformats.org/officeDocument/2006/math" xmlns:a14="http://schemas.microsoft.com/office/drawing/2010/main" xmlns:ma14="http://schemas.microsoft.com/office/mac/drawingml/2011/main" val="1"/>
-            </a:ext>
-          </a:extLst>
-        </p:spPr>
-        <p:txBody>
-          <a:bodyPr wrap="square" lIns="50800" tIns="50800" rIns="50800" bIns="50800">
-            <a:spAutoFit/>
-          </a:bodyPr>
-          <a:lstStyle/>
-          <a:p>
-            <a:pPr marL="571500" indent="-571500" algn="l">
-              <a:lnSpc>
-                <a:spcPct val="150000"/>
-              </a:lnSpc>
-              <a:buFont typeface="Arial" panose="020B0604020202020204" pitchFamily="34" charset="0"/>
-              <a:buChar char="•"/>
-              <a:defRPr sz="4200">
-                <a:latin typeface="+mj-lt"/>
-                <a:ea typeface="+mj-ea"/>
-                <a:cs typeface="+mj-cs"/>
-                <a:sym typeface="Avenir Next"/>
-              </a:defRPr>
-            </a:pPr>
-            <a:endParaRPr lang="en-US" dirty="0">
-              <a:sym typeface="Avenir Next"/>
-            </a:endParaRPr>
-          </a:p>
-        </p:txBody>
-      </p:sp>
-      <p:pic>
-        <p:nvPicPr>
-          <p:cNvPr id="8" name="Picture 7" descr="A close up of a screen&#10;&#10;Description automatically generated">
-            <a:extLst>
-              <a:ext uri="{FF2B5EF4-FFF2-40B4-BE49-F238E27FC236}">
-                <a16:creationId xmlns:a16="http://schemas.microsoft.com/office/drawing/2014/main" id="{B2F1696A-3021-2849-B4B4-DDC760B339EE}"/>
-              </a:ext>
-            </a:extLst>
-          </p:cNvPr>
-          <p:cNvPicPr>
-            <a:picLocks noChangeAspect="1"/>
-          </p:cNvPicPr>
-          <p:nvPr/>
-        </p:nvPicPr>
-        <p:blipFill>
-          <a:blip r:embed="rId2">
-            <a:extLst>
-              <a:ext uri="{28A0092B-C50C-407E-A947-70E740481C1C}">
-                <a14:useLocalDpi xmlns:a14="http://schemas.microsoft.com/office/drawing/2010/main" val="0"/>
-              </a:ext>
-            </a:extLst>
-          </a:blip>
-          <a:stretch>
-            <a:fillRect/>
-          </a:stretch>
-        </p:blipFill>
-        <p:spPr>
-          <a:xfrm>
-            <a:off x="2079298" y="4083970"/>
-            <a:ext cx="17740675" cy="7168229"/>
-          </a:xfrm>
-          <a:prstGeom prst="rect">
-            <a:avLst/>
-          </a:prstGeom>
-        </p:spPr>
-      </p:pic>
-    </p:spTree>
-    <p:extLst>
-      <p:ext uri="{BB962C8B-B14F-4D97-AF65-F5344CB8AC3E}">
-        <p14:creationId xmlns:p14="http://schemas.microsoft.com/office/powerpoint/2010/main" val="629148597"/>
-      </p:ext>
-    </p:extLst>
-  </p:cSld>
-  <p:clrMapOvr>
-    <a:masterClrMapping/>
-  </p:clrMapOvr>
-  <p:transition spd="med"/>
-</p:sld>
-</file>
-
-<file path=ppt/slides/slide81.xml><?xml version="1.0" encoding="utf-8"?>
-<p:sld xmlns:a="http://schemas.openxmlformats.org/drawingml/2006/main" xmlns:r="http://schemas.openxmlformats.org/officeDocument/2006/relationships" xmlns:p="http://schemas.openxmlformats.org/presentationml/2006/main">
-  <p:cSld>
-    <p:spTree>
-      <p:nvGrpSpPr>
-        <p:cNvPr id="1" name=""/>
-        <p:cNvGrpSpPr/>
-        <p:nvPr/>
-      </p:nvGrpSpPr>
-      <p:grpSpPr>
-        <a:xfrm>
-          <a:off x="0" y="0"/>
-          <a:ext cx="0" cy="0"/>
-          <a:chOff x="0" y="0"/>
-          <a:chExt cx="0" cy="0"/>
-        </a:xfrm>
-      </p:grpSpPr>
-      <p:sp>
-        <p:nvSpPr>
-          <p:cNvPr id="76" name="Title goes here"/>
-          <p:cNvSpPr txBox="1"/>
-          <p:nvPr/>
-        </p:nvSpPr>
-        <p:spPr>
-          <a:xfrm>
-            <a:off x="2572664" y="2699493"/>
-            <a:ext cx="10058844" cy="1087477"/>
-          </a:xfrm>
-          <a:prstGeom prst="rect">
-            <a:avLst/>
-          </a:prstGeom>
-          <a:ln w="12700">
-            <a:miter lim="400000"/>
-          </a:ln>
-          <a:extLst>
-            <a:ext uri="{C572A759-6A51-4108-AA02-DFA0A04FC94B}">
-              <ma14:wrappingTextBoxFlag xmlns="" xmlns:m="http://schemas.openxmlformats.org/officeDocument/2006/math" xmlns:a14="http://schemas.microsoft.com/office/drawing/2010/main" xmlns:ma14="http://schemas.microsoft.com/office/mac/drawingml/2011/main" val="1"/>
-            </a:ext>
-          </a:extLst>
-        </p:spPr>
-        <p:txBody>
-          <a:bodyPr wrap="none" lIns="50800" tIns="50800" rIns="50800" bIns="50800" anchor="ctr">
-            <a:spAutoFit/>
-          </a:bodyPr>
-          <a:lstStyle>
-            <a:lvl1pPr algn="l">
-              <a:defRPr sz="6400" b="1">
-                <a:latin typeface="+mj-lt"/>
-                <a:ea typeface="+mj-ea"/>
-                <a:cs typeface="+mj-cs"/>
-                <a:sym typeface="Avenir Next"/>
-              </a:defRPr>
-            </a:lvl1pPr>
-          </a:lstStyle>
-          <a:p>
-            <a:r>
-              <a:rPr lang="en-US" dirty="0"/>
-              <a:t>14. DOM: data attributes</a:t>
-            </a:r>
-          </a:p>
-        </p:txBody>
-      </p:sp>
-      <p:sp>
-        <p:nvSpPr>
-          <p:cNvPr id="78" name="Line"/>
-          <p:cNvSpPr/>
-          <p:nvPr/>
-        </p:nvSpPr>
-        <p:spPr>
-          <a:xfrm>
-            <a:off x="2641600" y="1846231"/>
-            <a:ext cx="1516409" cy="1"/>
-          </a:xfrm>
-          <a:prstGeom prst="line">
-            <a:avLst/>
-          </a:prstGeom>
-          <a:ln w="203200">
-            <a:solidFill>
-              <a:srgbClr val="FF3454"/>
-            </a:solidFill>
-            <a:miter lim="400000"/>
-          </a:ln>
-        </p:spPr>
-        <p:txBody>
-          <a:bodyPr lIns="50800" tIns="50800" rIns="50800" bIns="50800" anchor="ctr"/>
-          <a:lstStyle/>
-          <a:p>
-            <a:pPr algn="l">
-              <a:defRPr sz="2800">
-                <a:latin typeface="+mj-lt"/>
-                <a:ea typeface="+mj-ea"/>
-                <a:cs typeface="+mj-cs"/>
-                <a:sym typeface="Avenir Next"/>
-              </a:defRPr>
-            </a:pPr>
-            <a:endParaRPr/>
-          </a:p>
-        </p:txBody>
-      </p:sp>
-      <p:sp>
-        <p:nvSpPr>
-          <p:cNvPr id="5" name="Build products that are fast, effortless to use, and aesthetically pleasing. Make things meaningful and worthy of your time.…">
-            <a:extLst>
-              <a:ext uri="{FF2B5EF4-FFF2-40B4-BE49-F238E27FC236}">
-                <a16:creationId xmlns:a16="http://schemas.microsoft.com/office/drawing/2014/main" id="{7CB97C34-33FE-814D-8C51-742D4404DD26}"/>
-              </a:ext>
-            </a:extLst>
-          </p:cNvPr>
-          <p:cNvSpPr txBox="1"/>
-          <p:nvPr/>
-        </p:nvSpPr>
-        <p:spPr>
-          <a:xfrm>
-            <a:off x="2641600" y="4363371"/>
-            <a:ext cx="19179617" cy="991297"/>
-          </a:xfrm>
-          <a:prstGeom prst="rect">
-            <a:avLst/>
-          </a:prstGeom>
-          <a:ln w="12700">
-            <a:miter lim="400000"/>
-          </a:ln>
-          <a:extLst>
-            <a:ext uri="{C572A759-6A51-4108-AA02-DFA0A04FC94B}">
-              <ma14:wrappingTextBoxFlag xmlns="" xmlns:m="http://schemas.openxmlformats.org/officeDocument/2006/math" xmlns:a14="http://schemas.microsoft.com/office/drawing/2010/main" xmlns:ma14="http://schemas.microsoft.com/office/mac/drawingml/2011/main" val="1"/>
-            </a:ext>
-          </a:extLst>
-        </p:spPr>
-        <p:txBody>
-          <a:bodyPr wrap="square" lIns="50800" tIns="50800" rIns="50800" bIns="50800">
-            <a:spAutoFit/>
-          </a:bodyPr>
-          <a:lstStyle/>
-          <a:p>
-            <a:pPr marL="571500" indent="-571500" algn="l">
-              <a:lnSpc>
-                <a:spcPct val="150000"/>
-              </a:lnSpc>
-              <a:buFont typeface="Arial" panose="020B0604020202020204" pitchFamily="34" charset="0"/>
-              <a:buChar char="•"/>
-              <a:defRPr sz="4200">
-                <a:latin typeface="+mj-lt"/>
-                <a:ea typeface="+mj-ea"/>
-                <a:cs typeface="+mj-cs"/>
-                <a:sym typeface="Avenir Next"/>
-              </a:defRPr>
-            </a:pPr>
-            <a:endParaRPr lang="en-US" dirty="0">
-              <a:sym typeface="Avenir Next"/>
-            </a:endParaRPr>
-          </a:p>
-        </p:txBody>
-      </p:sp>
-      <p:sp>
-        <p:nvSpPr>
-          <p:cNvPr id="7" name="Build products that are fast, effortless to use, and aesthetically pleasing. Make things meaningful and worthy of your time.…">
-            <a:extLst>
-              <a:ext uri="{FF2B5EF4-FFF2-40B4-BE49-F238E27FC236}">
-                <a16:creationId xmlns:a16="http://schemas.microsoft.com/office/drawing/2014/main" id="{D4F106EF-1CBB-7147-9154-205ACF5C9B41}"/>
-              </a:ext>
-            </a:extLst>
-          </p:cNvPr>
-          <p:cNvSpPr txBox="1"/>
-          <p:nvPr/>
-        </p:nvSpPr>
-        <p:spPr>
-          <a:xfrm>
-            <a:off x="2641600" y="4363371"/>
-            <a:ext cx="19179617" cy="1960793"/>
-          </a:xfrm>
-          <a:prstGeom prst="rect">
-            <a:avLst/>
-          </a:prstGeom>
-          <a:ln w="12700">
-            <a:miter lim="400000"/>
-          </a:ln>
-          <a:extLst>
-            <a:ext uri="{C572A759-6A51-4108-AA02-DFA0A04FC94B}">
-              <ma14:wrappingTextBoxFlag xmlns="" xmlns:m="http://schemas.openxmlformats.org/officeDocument/2006/math" xmlns:a14="http://schemas.microsoft.com/office/drawing/2010/main" xmlns:ma14="http://schemas.microsoft.com/office/mac/drawingml/2011/main" val="1"/>
-            </a:ext>
-          </a:extLst>
-        </p:spPr>
-        <p:txBody>
-          <a:bodyPr wrap="square" lIns="50800" tIns="50800" rIns="50800" bIns="50800">
-            <a:spAutoFit/>
-          </a:bodyPr>
-          <a:lstStyle/>
-          <a:p>
-            <a:pPr marL="571500" indent="-571500" algn="l">
-              <a:lnSpc>
-                <a:spcPct val="150000"/>
-              </a:lnSpc>
-              <a:buFont typeface="Arial" panose="020B0604020202020204" pitchFamily="34" charset="0"/>
-              <a:buChar char="•"/>
-              <a:defRPr sz="4200">
-                <a:latin typeface="+mj-lt"/>
-                <a:ea typeface="+mj-ea"/>
-                <a:cs typeface="+mj-cs"/>
-                <a:sym typeface="Avenir Next"/>
-              </a:defRPr>
-            </a:pPr>
-            <a:r>
-              <a:rPr lang="en-US" dirty="0">
-                <a:sym typeface="Avenir Next"/>
-              </a:rPr>
-              <a:t>Data attributes are reserved for programmers</a:t>
-            </a:r>
-          </a:p>
-          <a:p>
-            <a:pPr marL="571500" indent="-571500" algn="l">
-              <a:lnSpc>
-                <a:spcPct val="150000"/>
-              </a:lnSpc>
-              <a:buFont typeface="Arial" panose="020B0604020202020204" pitchFamily="34" charset="0"/>
-              <a:buChar char="•"/>
-              <a:defRPr sz="4200">
-                <a:latin typeface="+mj-lt"/>
-                <a:ea typeface="+mj-ea"/>
-                <a:cs typeface="+mj-cs"/>
-                <a:sym typeface="Avenir Next"/>
-              </a:defRPr>
-            </a:pPr>
-            <a:r>
-              <a:rPr lang="en-US" dirty="0">
-                <a:sym typeface="Avenir Next"/>
-              </a:rPr>
-              <a:t>camelCase in JS code</a:t>
-            </a:r>
-          </a:p>
-        </p:txBody>
-      </p:sp>
-      <p:pic>
-        <p:nvPicPr>
-          <p:cNvPr id="6" name="Picture 5" descr="A picture containing sitting, table, laptop, apple&#10;&#10;Description automatically generated">
-            <a:extLst>
-              <a:ext uri="{FF2B5EF4-FFF2-40B4-BE49-F238E27FC236}">
-                <a16:creationId xmlns:a16="http://schemas.microsoft.com/office/drawing/2014/main" id="{26B43436-0CDC-554C-9AA5-61EF692951E5}"/>
-              </a:ext>
-            </a:extLst>
-          </p:cNvPr>
-          <p:cNvPicPr>
-            <a:picLocks noChangeAspect="1"/>
-          </p:cNvPicPr>
-          <p:nvPr/>
-        </p:nvPicPr>
-        <p:blipFill>
-          <a:blip r:embed="rId2">
-            <a:extLst>
-              <a:ext uri="{28A0092B-C50C-407E-A947-70E740481C1C}">
-                <a14:useLocalDpi xmlns:a14="http://schemas.microsoft.com/office/drawing/2010/main" val="0"/>
-              </a:ext>
-            </a:extLst>
-          </a:blip>
-          <a:stretch>
-            <a:fillRect/>
-          </a:stretch>
-        </p:blipFill>
-        <p:spPr>
-          <a:xfrm>
-            <a:off x="1816099" y="6320922"/>
-            <a:ext cx="14058901" cy="3532039"/>
-          </a:xfrm>
-          <a:prstGeom prst="rect">
-            <a:avLst/>
-          </a:prstGeom>
-        </p:spPr>
-      </p:pic>
-    </p:spTree>
-    <p:extLst>
-      <p:ext uri="{BB962C8B-B14F-4D97-AF65-F5344CB8AC3E}">
-        <p14:creationId xmlns:p14="http://schemas.microsoft.com/office/powerpoint/2010/main" val="3362801709"/>
-      </p:ext>
-    </p:extLst>
-  </p:cSld>
-  <p:clrMapOvr>
-    <a:masterClrMapping/>
-  </p:clrMapOvr>
-  <p:transition spd="med"/>
-</p:sld>
-</file>
-
-<file path=ppt/slides/slide82.xml><?xml version="1.0" encoding="utf-8"?>
-<p:sld xmlns:a="http://schemas.openxmlformats.org/drawingml/2006/main" xmlns:r="http://schemas.openxmlformats.org/officeDocument/2006/relationships" xmlns:p="http://schemas.openxmlformats.org/presentationml/2006/main">
-  <p:cSld>
-    <p:spTree>
-      <p:nvGrpSpPr>
-        <p:cNvPr id="1" name=""/>
-        <p:cNvGrpSpPr/>
-        <p:nvPr/>
-      </p:nvGrpSpPr>
-      <p:grpSpPr>
-        <a:xfrm>
-          <a:off x="0" y="0"/>
-          <a:ext cx="0" cy="0"/>
-          <a:chOff x="0" y="0"/>
-          <a:chExt cx="0" cy="0"/>
-        </a:xfrm>
-      </p:grpSpPr>
-      <p:sp>
-        <p:nvSpPr>
-          <p:cNvPr id="74" name="Red section title"/>
-          <p:cNvSpPr txBox="1"/>
-          <p:nvPr/>
-        </p:nvSpPr>
-        <p:spPr>
-          <a:xfrm>
-            <a:off x="7023146" y="4836933"/>
-            <a:ext cx="10337766" cy="4042132"/>
-          </a:xfrm>
-          <a:prstGeom prst="rect">
-            <a:avLst/>
-          </a:prstGeom>
-          <a:ln w="12700">
-            <a:miter lim="400000"/>
-          </a:ln>
-          <a:extLst>
-            <a:ext uri="{C572A759-6A51-4108-AA02-DFA0A04FC94B}">
-              <ma14:wrappingTextBoxFlag xmlns="" xmlns:m="http://schemas.openxmlformats.org/officeDocument/2006/math" xmlns:a14="http://schemas.microsoft.com/office/drawing/2010/main" xmlns:ma14="http://schemas.microsoft.com/office/mac/drawingml/2011/main" val="1"/>
-            </a:ext>
-          </a:extLst>
-        </p:spPr>
-        <p:txBody>
-          <a:bodyPr wrap="none" lIns="50800" tIns="50800" rIns="50800" bIns="50800" anchor="ctr">
-            <a:spAutoFit/>
-          </a:bodyPr>
-          <a:lstStyle>
-            <a:lvl1pPr>
-              <a:defRPr sz="12800" b="1">
-                <a:solidFill>
-                  <a:srgbClr val="FFFFFF"/>
-                </a:solidFill>
-                <a:latin typeface="+mj-lt"/>
-                <a:ea typeface="+mj-ea"/>
-                <a:cs typeface="+mj-cs"/>
-                <a:sym typeface="Avenir Next"/>
-              </a:defRPr>
-            </a:lvl1pPr>
-          </a:lstStyle>
-          <a:p>
-            <a:r>
-              <a:rPr lang="lt-LT" dirty="0"/>
-              <a:t>TASK:</a:t>
-            </a:r>
-          </a:p>
-          <a:p>
-            <a:r>
-              <a:rPr lang="lt-LT" dirty="0"/>
-              <a:t>dom.task4.js</a:t>
-            </a:r>
-            <a:endParaRPr dirty="0"/>
-          </a:p>
-        </p:txBody>
-      </p:sp>
-    </p:spTree>
-    <p:extLst>
-      <p:ext uri="{BB962C8B-B14F-4D97-AF65-F5344CB8AC3E}">
-        <p14:creationId xmlns:p14="http://schemas.microsoft.com/office/powerpoint/2010/main" val="3943095609"/>
-      </p:ext>
-    </p:extLst>
-  </p:cSld>
-  <p:clrMapOvr>
-    <a:masterClrMapping/>
-  </p:clrMapOvr>
-  <p:transition spd="med"/>
-</p:sld>
-</file>
-
-<file path=ppt/slides/slide83.xml><?xml version="1.0" encoding="utf-8"?>
-<p:sld xmlns:a="http://schemas.openxmlformats.org/drawingml/2006/main" xmlns:r="http://schemas.openxmlformats.org/officeDocument/2006/relationships" xmlns:p="http://schemas.openxmlformats.org/presentationml/2006/main">
-  <p:cSld>
-    <p:spTree>
-      <p:nvGrpSpPr>
-        <p:cNvPr id="1" name=""/>
-        <p:cNvGrpSpPr/>
-        <p:nvPr/>
-      </p:nvGrpSpPr>
-      <p:grpSpPr>
-        <a:xfrm>
-          <a:off x="0" y="0"/>
-          <a:ext cx="0" cy="0"/>
-          <a:chOff x="0" y="0"/>
-          <a:chExt cx="0" cy="0"/>
-        </a:xfrm>
-      </p:grpSpPr>
-      <p:sp>
-        <p:nvSpPr>
-          <p:cNvPr id="76" name="Title goes here"/>
-          <p:cNvSpPr txBox="1"/>
-          <p:nvPr/>
-        </p:nvSpPr>
-        <p:spPr>
-          <a:xfrm>
-            <a:off x="2572664" y="2699493"/>
-            <a:ext cx="10741723" cy="1087477"/>
-          </a:xfrm>
-          <a:prstGeom prst="rect">
-            <a:avLst/>
-          </a:prstGeom>
-          <a:ln w="12700">
-            <a:miter lim="400000"/>
-          </a:ln>
-          <a:extLst>
-            <a:ext uri="{C572A759-6A51-4108-AA02-DFA0A04FC94B}">
-              <ma14:wrappingTextBoxFlag xmlns="" xmlns:m="http://schemas.openxmlformats.org/officeDocument/2006/math" xmlns:a14="http://schemas.microsoft.com/office/drawing/2010/main" xmlns:ma14="http://schemas.microsoft.com/office/mac/drawingml/2011/main" val="1"/>
-            </a:ext>
-          </a:extLst>
-        </p:spPr>
-        <p:txBody>
-          <a:bodyPr wrap="none" lIns="50800" tIns="50800" rIns="50800" bIns="50800" anchor="ctr">
-            <a:spAutoFit/>
-          </a:bodyPr>
-          <a:lstStyle>
-            <a:lvl1pPr algn="l">
-              <a:defRPr sz="6400" b="1">
-                <a:latin typeface="+mj-lt"/>
-                <a:ea typeface="+mj-ea"/>
-                <a:cs typeface="+mj-cs"/>
-                <a:sym typeface="Avenir Next"/>
-              </a:defRPr>
-            </a:lvl1pPr>
-          </a:lstStyle>
-          <a:p>
-            <a:r>
-              <a:rPr lang="en-US" dirty="0"/>
-              <a:t>14. DOM: remove element</a:t>
-            </a:r>
-          </a:p>
-        </p:txBody>
-      </p:sp>
-      <p:sp>
-        <p:nvSpPr>
-          <p:cNvPr id="78" name="Line"/>
-          <p:cNvSpPr/>
-          <p:nvPr/>
-        </p:nvSpPr>
-        <p:spPr>
-          <a:xfrm>
-            <a:off x="2641600" y="1846231"/>
-            <a:ext cx="1516409" cy="1"/>
-          </a:xfrm>
-          <a:prstGeom prst="line">
-            <a:avLst/>
-          </a:prstGeom>
-          <a:ln w="203200">
-            <a:solidFill>
-              <a:srgbClr val="FF3454"/>
-            </a:solidFill>
-            <a:miter lim="400000"/>
-          </a:ln>
-        </p:spPr>
-        <p:txBody>
-          <a:bodyPr lIns="50800" tIns="50800" rIns="50800" bIns="50800" anchor="ctr"/>
-          <a:lstStyle/>
-          <a:p>
-            <a:pPr algn="l">
-              <a:defRPr sz="2800">
-                <a:latin typeface="+mj-lt"/>
-                <a:ea typeface="+mj-ea"/>
-                <a:cs typeface="+mj-cs"/>
-                <a:sym typeface="Avenir Next"/>
-              </a:defRPr>
-            </a:pPr>
-            <a:endParaRPr/>
-          </a:p>
-        </p:txBody>
-      </p:sp>
-      <p:sp>
-        <p:nvSpPr>
-          <p:cNvPr id="5" name="Build products that are fast, effortless to use, and aesthetically pleasing. Make things meaningful and worthy of your time.…">
-            <a:extLst>
-              <a:ext uri="{FF2B5EF4-FFF2-40B4-BE49-F238E27FC236}">
-                <a16:creationId xmlns:a16="http://schemas.microsoft.com/office/drawing/2014/main" id="{7CB97C34-33FE-814D-8C51-742D4404DD26}"/>
-              </a:ext>
-            </a:extLst>
-          </p:cNvPr>
-          <p:cNvSpPr txBox="1"/>
-          <p:nvPr/>
-        </p:nvSpPr>
-        <p:spPr>
-          <a:xfrm>
-            <a:off x="2641600" y="4363371"/>
-            <a:ext cx="19179617" cy="991297"/>
-          </a:xfrm>
-          <a:prstGeom prst="rect">
-            <a:avLst/>
-          </a:prstGeom>
-          <a:ln w="12700">
-            <a:miter lim="400000"/>
-          </a:ln>
-          <a:extLst>
-            <a:ext uri="{C572A759-6A51-4108-AA02-DFA0A04FC94B}">
-              <ma14:wrappingTextBoxFlag xmlns="" xmlns:m="http://schemas.openxmlformats.org/officeDocument/2006/math" xmlns:a14="http://schemas.microsoft.com/office/drawing/2010/main" xmlns:ma14="http://schemas.microsoft.com/office/mac/drawingml/2011/main" val="1"/>
-            </a:ext>
-          </a:extLst>
-        </p:spPr>
-        <p:txBody>
-          <a:bodyPr wrap="square" lIns="50800" tIns="50800" rIns="50800" bIns="50800">
-            <a:spAutoFit/>
-          </a:bodyPr>
-          <a:lstStyle/>
-          <a:p>
-            <a:pPr marL="571500" indent="-571500" algn="l">
-              <a:lnSpc>
-                <a:spcPct val="150000"/>
-              </a:lnSpc>
-              <a:buFont typeface="Arial" panose="020B0604020202020204" pitchFamily="34" charset="0"/>
-              <a:buChar char="•"/>
-              <a:defRPr sz="4200">
-                <a:latin typeface="+mj-lt"/>
-                <a:ea typeface="+mj-ea"/>
-                <a:cs typeface="+mj-cs"/>
-                <a:sym typeface="Avenir Next"/>
-              </a:defRPr>
-            </a:pPr>
-            <a:endParaRPr lang="en-US" dirty="0">
-              <a:sym typeface="Avenir Next"/>
-            </a:endParaRPr>
-          </a:p>
-        </p:txBody>
-      </p:sp>
-      <p:pic>
-        <p:nvPicPr>
-          <p:cNvPr id="3" name="Picture 2" descr="A screen shot of a computer&#10;&#10;Description automatically generated">
-            <a:extLst>
-              <a:ext uri="{FF2B5EF4-FFF2-40B4-BE49-F238E27FC236}">
-                <a16:creationId xmlns:a16="http://schemas.microsoft.com/office/drawing/2014/main" id="{64A84A73-D553-0A4C-9D9C-154350AA19AD}"/>
-              </a:ext>
-            </a:extLst>
-          </p:cNvPr>
-          <p:cNvPicPr>
-            <a:picLocks noChangeAspect="1"/>
-          </p:cNvPicPr>
-          <p:nvPr/>
-        </p:nvPicPr>
-        <p:blipFill>
-          <a:blip r:embed="rId2">
-            <a:extLst>
-              <a:ext uri="{28A0092B-C50C-407E-A947-70E740481C1C}">
-                <a14:useLocalDpi xmlns:a14="http://schemas.microsoft.com/office/drawing/2010/main" val="0"/>
-              </a:ext>
-            </a:extLst>
-          </a:blip>
-          <a:stretch>
-            <a:fillRect/>
-          </a:stretch>
-        </p:blipFill>
-        <p:spPr>
-          <a:xfrm>
-            <a:off x="2095500" y="4363371"/>
-            <a:ext cx="14490700" cy="2809984"/>
-          </a:xfrm>
-          <a:prstGeom prst="rect">
-            <a:avLst/>
-          </a:prstGeom>
-        </p:spPr>
-      </p:pic>
-    </p:spTree>
-    <p:extLst>
-      <p:ext uri="{BB962C8B-B14F-4D97-AF65-F5344CB8AC3E}">
-        <p14:creationId xmlns:p14="http://schemas.microsoft.com/office/powerpoint/2010/main" val="3351401486"/>
-      </p:ext>
-    </p:extLst>
-  </p:cSld>
-  <p:clrMapOvr>
-    <a:masterClrMapping/>
-  </p:clrMapOvr>
-  <p:transition spd="med"/>
-</p:sld>
-</file>
-
-<file path=ppt/slides/slide84.xml><?xml version="1.0" encoding="utf-8"?>
-<p:sld xmlns:a="http://schemas.openxmlformats.org/drawingml/2006/main" xmlns:r="http://schemas.openxmlformats.org/officeDocument/2006/relationships" xmlns:p="http://schemas.openxmlformats.org/presentationml/2006/main">
-  <p:cSld>
-    <p:spTree>
-      <p:nvGrpSpPr>
-        <p:cNvPr id="1" name=""/>
-        <p:cNvGrpSpPr/>
-        <p:nvPr/>
-      </p:nvGrpSpPr>
-      <p:grpSpPr>
-        <a:xfrm>
-          <a:off x="0" y="0"/>
-          <a:ext cx="0" cy="0"/>
-          <a:chOff x="0" y="0"/>
-          <a:chExt cx="0" cy="0"/>
-        </a:xfrm>
-      </p:grpSpPr>
-      <p:sp>
-        <p:nvSpPr>
-          <p:cNvPr id="76" name="Title goes here"/>
-          <p:cNvSpPr txBox="1"/>
-          <p:nvPr/>
-        </p:nvSpPr>
-        <p:spPr>
-          <a:xfrm>
-            <a:off x="2572664" y="2699493"/>
-            <a:ext cx="10182275" cy="1087477"/>
-          </a:xfrm>
-          <a:prstGeom prst="rect">
-            <a:avLst/>
-          </a:prstGeom>
-          <a:ln w="12700">
-            <a:miter lim="400000"/>
-          </a:ln>
-          <a:extLst>
-            <a:ext uri="{C572A759-6A51-4108-AA02-DFA0A04FC94B}">
-              <ma14:wrappingTextBoxFlag xmlns="" xmlns:m="http://schemas.openxmlformats.org/officeDocument/2006/math" xmlns:a14="http://schemas.microsoft.com/office/drawing/2010/main" xmlns:ma14="http://schemas.microsoft.com/office/mac/drawingml/2011/main" val="1"/>
-            </a:ext>
-          </a:extLst>
-        </p:spPr>
-        <p:txBody>
-          <a:bodyPr wrap="none" lIns="50800" tIns="50800" rIns="50800" bIns="50800" anchor="ctr">
-            <a:spAutoFit/>
-          </a:bodyPr>
-          <a:lstStyle>
-            <a:lvl1pPr algn="l">
-              <a:defRPr sz="6400" b="1">
-                <a:latin typeface="+mj-lt"/>
-                <a:ea typeface="+mj-ea"/>
-                <a:cs typeface="+mj-cs"/>
-                <a:sym typeface="Avenir Next"/>
-              </a:defRPr>
-            </a:lvl1pPr>
-          </a:lstStyle>
-          <a:p>
-            <a:r>
-              <a:rPr lang="en-US" dirty="0"/>
-              <a:t>15. DOM: create element</a:t>
-            </a:r>
-          </a:p>
-        </p:txBody>
-      </p:sp>
-      <p:sp>
-        <p:nvSpPr>
-          <p:cNvPr id="78" name="Line"/>
-          <p:cNvSpPr/>
-          <p:nvPr/>
-        </p:nvSpPr>
-        <p:spPr>
-          <a:xfrm>
-            <a:off x="2641600" y="1846231"/>
-            <a:ext cx="1516409" cy="1"/>
-          </a:xfrm>
-          <a:prstGeom prst="line">
-            <a:avLst/>
-          </a:prstGeom>
-          <a:ln w="203200">
-            <a:solidFill>
-              <a:srgbClr val="FF3454"/>
-            </a:solidFill>
-            <a:miter lim="400000"/>
-          </a:ln>
-        </p:spPr>
-        <p:txBody>
-          <a:bodyPr lIns="50800" tIns="50800" rIns="50800" bIns="50800" anchor="ctr"/>
-          <a:lstStyle/>
-          <a:p>
-            <a:pPr algn="l">
-              <a:defRPr sz="2800">
-                <a:latin typeface="+mj-lt"/>
-                <a:ea typeface="+mj-ea"/>
-                <a:cs typeface="+mj-cs"/>
-                <a:sym typeface="Avenir Next"/>
-              </a:defRPr>
-            </a:pPr>
-            <a:endParaRPr/>
-          </a:p>
-        </p:txBody>
-      </p:sp>
-      <p:sp>
-        <p:nvSpPr>
-          <p:cNvPr id="5" name="Build products that are fast, effortless to use, and aesthetically pleasing. Make things meaningful and worthy of your time.…">
-            <a:extLst>
-              <a:ext uri="{FF2B5EF4-FFF2-40B4-BE49-F238E27FC236}">
-                <a16:creationId xmlns:a16="http://schemas.microsoft.com/office/drawing/2014/main" id="{7CB97C34-33FE-814D-8C51-742D4404DD26}"/>
-              </a:ext>
-            </a:extLst>
-          </p:cNvPr>
-          <p:cNvSpPr txBox="1"/>
-          <p:nvPr/>
-        </p:nvSpPr>
-        <p:spPr>
-          <a:xfrm>
-            <a:off x="2641600" y="4363371"/>
-            <a:ext cx="19179617" cy="991297"/>
-          </a:xfrm>
-          <a:prstGeom prst="rect">
-            <a:avLst/>
-          </a:prstGeom>
-          <a:ln w="12700">
-            <a:miter lim="400000"/>
-          </a:ln>
-          <a:extLst>
-            <a:ext uri="{C572A759-6A51-4108-AA02-DFA0A04FC94B}">
-              <ma14:wrappingTextBoxFlag xmlns="" xmlns:m="http://schemas.openxmlformats.org/officeDocument/2006/math" xmlns:a14="http://schemas.microsoft.com/office/drawing/2010/main" xmlns:ma14="http://schemas.microsoft.com/office/mac/drawingml/2011/main" val="1"/>
-            </a:ext>
-          </a:extLst>
-        </p:spPr>
-        <p:txBody>
-          <a:bodyPr wrap="square" lIns="50800" tIns="50800" rIns="50800" bIns="50800">
-            <a:spAutoFit/>
-          </a:bodyPr>
-          <a:lstStyle/>
-          <a:p>
-            <a:pPr marL="571500" indent="-571500" algn="l">
-              <a:lnSpc>
-                <a:spcPct val="150000"/>
-              </a:lnSpc>
-              <a:buFont typeface="Arial" panose="020B0604020202020204" pitchFamily="34" charset="0"/>
-              <a:buChar char="•"/>
-              <a:defRPr sz="4200">
-                <a:latin typeface="+mj-lt"/>
-                <a:ea typeface="+mj-ea"/>
-                <a:cs typeface="+mj-cs"/>
-                <a:sym typeface="Avenir Next"/>
-              </a:defRPr>
-            </a:pPr>
-            <a:endParaRPr lang="en-US" dirty="0">
-              <a:sym typeface="Avenir Next"/>
-            </a:endParaRPr>
-          </a:p>
-        </p:txBody>
-      </p:sp>
-      <p:pic>
-        <p:nvPicPr>
-          <p:cNvPr id="3" name="Picture 2" descr="A screen shot of a computer&#10;&#10;Description automatically generated">
-            <a:extLst>
-              <a:ext uri="{FF2B5EF4-FFF2-40B4-BE49-F238E27FC236}">
-                <a16:creationId xmlns:a16="http://schemas.microsoft.com/office/drawing/2014/main" id="{CD1C2597-C1E5-FD46-9CE2-9B16ADA8A53B}"/>
-              </a:ext>
-            </a:extLst>
-          </p:cNvPr>
-          <p:cNvPicPr>
-            <a:picLocks noChangeAspect="1"/>
-          </p:cNvPicPr>
-          <p:nvPr/>
-        </p:nvPicPr>
-        <p:blipFill>
-          <a:blip r:embed="rId2">
-            <a:extLst>
-              <a:ext uri="{28A0092B-C50C-407E-A947-70E740481C1C}">
-                <a14:useLocalDpi xmlns:a14="http://schemas.microsoft.com/office/drawing/2010/main" val="0"/>
-              </a:ext>
-            </a:extLst>
-          </a:blip>
-          <a:stretch>
-            <a:fillRect/>
-          </a:stretch>
-        </p:blipFill>
-        <p:spPr>
-          <a:xfrm>
-            <a:off x="1851582" y="4112181"/>
-            <a:ext cx="14709217" cy="6904326"/>
-          </a:xfrm>
-          <a:prstGeom prst="rect">
-            <a:avLst/>
-          </a:prstGeom>
-        </p:spPr>
-      </p:pic>
-    </p:spTree>
-    <p:extLst>
-      <p:ext uri="{BB962C8B-B14F-4D97-AF65-F5344CB8AC3E}">
-        <p14:creationId xmlns:p14="http://schemas.microsoft.com/office/powerpoint/2010/main" val="3206928408"/>
-      </p:ext>
-    </p:extLst>
-  </p:cSld>
-  <p:clrMapOvr>
-    <a:masterClrMapping/>
-  </p:clrMapOvr>
-  <p:transition spd="med"/>
-</p:sld>
-</file>
-
-<file path=ppt/slides/slide85.xml><?xml version="1.0" encoding="utf-8"?>
-<p:sld xmlns:a="http://schemas.openxmlformats.org/drawingml/2006/main" xmlns:r="http://schemas.openxmlformats.org/officeDocument/2006/relationships" xmlns:p="http://schemas.openxmlformats.org/presentationml/2006/main">
-  <p:cSld>
-    <p:spTree>
-      <p:nvGrpSpPr>
-        <p:cNvPr id="1" name=""/>
-        <p:cNvGrpSpPr/>
-        <p:nvPr/>
-      </p:nvGrpSpPr>
-      <p:grpSpPr>
-        <a:xfrm>
-          <a:off x="0" y="0"/>
-          <a:ext cx="0" cy="0"/>
-          <a:chOff x="0" y="0"/>
-          <a:chExt cx="0" cy="0"/>
-        </a:xfrm>
-      </p:grpSpPr>
-      <p:sp>
-        <p:nvSpPr>
-          <p:cNvPr id="74" name="Red section title"/>
-          <p:cNvSpPr txBox="1"/>
-          <p:nvPr/>
-        </p:nvSpPr>
-        <p:spPr>
-          <a:xfrm>
-            <a:off x="3167927" y="5821818"/>
-            <a:ext cx="18048210" cy="2072362"/>
-          </a:xfrm>
-          <a:prstGeom prst="rect">
-            <a:avLst/>
-          </a:prstGeom>
-          <a:ln w="12700">
-            <a:miter lim="400000"/>
-          </a:ln>
-          <a:extLst>
-            <a:ext uri="{C572A759-6A51-4108-AA02-DFA0A04FC94B}">
-              <ma14:wrappingTextBoxFlag xmlns="" xmlns:m="http://schemas.openxmlformats.org/officeDocument/2006/math" xmlns:a14="http://schemas.microsoft.com/office/drawing/2010/main" xmlns:ma14="http://schemas.microsoft.com/office/mac/drawingml/2011/main" val="1"/>
-            </a:ext>
-          </a:extLst>
-        </p:spPr>
-        <p:txBody>
-          <a:bodyPr wrap="none" lIns="50800" tIns="50800" rIns="50800" bIns="50800" anchor="ctr">
-            <a:spAutoFit/>
-          </a:bodyPr>
-          <a:lstStyle>
-            <a:lvl1pPr>
-              <a:defRPr sz="12800" b="1">
-                <a:solidFill>
-                  <a:srgbClr val="FFFFFF"/>
-                </a:solidFill>
-                <a:latin typeface="+mj-lt"/>
-                <a:ea typeface="+mj-ea"/>
-                <a:cs typeface="+mj-cs"/>
-                <a:sym typeface="Avenir Next"/>
-              </a:defRPr>
-            </a:lvl1pPr>
-          </a:lstStyle>
-          <a:p>
-            <a:r>
-              <a:rPr lang="lt-LT" dirty="0" err="1"/>
-              <a:t>Task</a:t>
-            </a:r>
-            <a:r>
-              <a:rPr lang="lt-LT" dirty="0"/>
-              <a:t>: </a:t>
-            </a:r>
-            <a:r>
-              <a:rPr lang="lt-LT" dirty="0" err="1"/>
-              <a:t>create-remove.js</a:t>
-            </a:r>
-            <a:endParaRPr dirty="0"/>
-          </a:p>
-        </p:txBody>
-      </p:sp>
-    </p:spTree>
-    <p:extLst>
-      <p:ext uri="{BB962C8B-B14F-4D97-AF65-F5344CB8AC3E}">
-        <p14:creationId xmlns:p14="http://schemas.microsoft.com/office/powerpoint/2010/main" val="803235335"/>
-      </p:ext>
-    </p:extLst>
-  </p:cSld>
-  <p:clrMapOvr>
-    <a:masterClrMapping/>
-  </p:clrMapOvr>
-  <p:transition spd="med"/>
-</p:sld>
-</file>
-
-<file path=ppt/slides/slide86.xml><?xml version="1.0" encoding="utf-8"?>
-<p:sld xmlns:a="http://schemas.openxmlformats.org/drawingml/2006/main" xmlns:r="http://schemas.openxmlformats.org/officeDocument/2006/relationships" xmlns:p="http://schemas.openxmlformats.org/presentationml/2006/main">
-  <p:cSld>
-    <p:spTree>
-      <p:nvGrpSpPr>
-        <p:cNvPr id="1" name=""/>
-        <p:cNvGrpSpPr/>
-        <p:nvPr/>
-      </p:nvGrpSpPr>
-      <p:grpSpPr>
-        <a:xfrm>
-          <a:off x="0" y="0"/>
-          <a:ext cx="0" cy="0"/>
-          <a:chOff x="0" y="0"/>
-          <a:chExt cx="0" cy="0"/>
-        </a:xfrm>
-      </p:grpSpPr>
-      <p:sp>
-        <p:nvSpPr>
-          <p:cNvPr id="475" name="Thank you."/>
-          <p:cNvSpPr txBox="1"/>
-          <p:nvPr/>
-        </p:nvSpPr>
-        <p:spPr>
-          <a:xfrm>
-            <a:off x="2558874" y="9072860"/>
-            <a:ext cx="5722113" cy="1536701"/>
-          </a:xfrm>
-          <a:prstGeom prst="rect">
-            <a:avLst/>
-          </a:prstGeom>
-          <a:ln w="12700">
-            <a:miter lim="400000"/>
-          </a:ln>
-          <a:extLst>
-            <a:ext uri="{C572A759-6A51-4108-AA02-DFA0A04FC94B}">
-              <ma14:wrappingTextBoxFlag xmlns="" xmlns:m="http://schemas.openxmlformats.org/officeDocument/2006/math" xmlns:a14="http://schemas.microsoft.com/office/drawing/2010/main" xmlns:ma14="http://schemas.microsoft.com/office/mac/drawingml/2011/main" val="1"/>
+              <ma14:wrappingTextBoxFlag xmlns:ma14="http://schemas.microsoft.com/office/mac/drawingml/2011/main" xmlns:a14="http://schemas.microsoft.com/office/drawing/2010/main" xmlns:m="http://schemas.openxmlformats.org/officeDocument/2006/math" xmlns="" val="1"/>
             </a:ext>
           </a:extLst>
         </p:spPr>
@@ -18376,7 +17529,7 @@
           </a:ln>
           <a:extLst>
             <a:ext uri="{C572A759-6A51-4108-AA02-DFA0A04FC94B}">
-              <ma14:wrappingTextBoxFlag xmlns="" xmlns:m="http://schemas.openxmlformats.org/officeDocument/2006/math" xmlns:a14="http://schemas.microsoft.com/office/drawing/2010/main" xmlns:ma14="http://schemas.microsoft.com/office/mac/drawingml/2011/main" val="1"/>
+              <ma14:wrappingTextBoxFlag xmlns:ma14="http://schemas.microsoft.com/office/mac/drawingml/2011/main" xmlns:a14="http://schemas.microsoft.com/office/drawing/2010/main" xmlns:m="http://schemas.openxmlformats.org/officeDocument/2006/math" xmlns="" val="1"/>
             </a:ext>
           </a:extLst>
         </p:spPr>
@@ -18515,7 +17668,7 @@
           </a:ln>
           <a:extLst>
             <a:ext uri="{C572A759-6A51-4108-AA02-DFA0A04FC94B}">
-              <ma14:wrappingTextBoxFlag xmlns="" xmlns:m="http://schemas.openxmlformats.org/officeDocument/2006/math" xmlns:a14="http://schemas.microsoft.com/office/drawing/2010/main" xmlns:ma14="http://schemas.microsoft.com/office/mac/drawingml/2011/main" val="1"/>
+              <ma14:wrappingTextBoxFlag xmlns:ma14="http://schemas.microsoft.com/office/mac/drawingml/2011/main" xmlns:a14="http://schemas.microsoft.com/office/drawing/2010/main" xmlns:m="http://schemas.openxmlformats.org/officeDocument/2006/math" xmlns="" val="1"/>
             </a:ext>
           </a:extLst>
         </p:spPr>
@@ -18560,7 +17713,7 @@
           </a:ln>
           <a:extLst>
             <a:ext uri="{C572A759-6A51-4108-AA02-DFA0A04FC94B}">
-              <ma14:wrappingTextBoxFlag xmlns="" xmlns:m="http://schemas.openxmlformats.org/officeDocument/2006/math" xmlns:a14="http://schemas.microsoft.com/office/drawing/2010/main" xmlns:ma14="http://schemas.microsoft.com/office/mac/drawingml/2011/main" val="1"/>
+              <ma14:wrappingTextBoxFlag xmlns:ma14="http://schemas.microsoft.com/office/mac/drawingml/2011/main" xmlns:a14="http://schemas.microsoft.com/office/drawing/2010/main" xmlns:m="http://schemas.openxmlformats.org/officeDocument/2006/math" xmlns="" val="1"/>
             </a:ext>
           </a:extLst>
         </p:spPr>
